--- a/SE2018春-G07/详细设计/SE2018春-G07-总体与详细设计.pptx
+++ b/SE2018春-G07/详细设计/SE2018春-G07-总体与详细设计.pptx
@@ -12,21 +12,22 @@
     <p:sldId id="264" r:id="rId6"/>
     <p:sldId id="265" r:id="rId7"/>
     <p:sldId id="316" r:id="rId8"/>
-    <p:sldId id="305" r:id="rId9"/>
-    <p:sldId id="306" r:id="rId10"/>
-    <p:sldId id="307" r:id="rId11"/>
-    <p:sldId id="285" r:id="rId12"/>
-    <p:sldId id="312" r:id="rId13"/>
-    <p:sldId id="313" r:id="rId14"/>
-    <p:sldId id="286" r:id="rId15"/>
-    <p:sldId id="287" r:id="rId16"/>
-    <p:sldId id="288" r:id="rId17"/>
-    <p:sldId id="314" r:id="rId18"/>
-    <p:sldId id="315" r:id="rId19"/>
-    <p:sldId id="289" r:id="rId20"/>
-    <p:sldId id="293" r:id="rId21"/>
-    <p:sldId id="295" r:id="rId22"/>
-    <p:sldId id="276" r:id="rId23"/>
+    <p:sldId id="317" r:id="rId9"/>
+    <p:sldId id="305" r:id="rId10"/>
+    <p:sldId id="306" r:id="rId11"/>
+    <p:sldId id="307" r:id="rId12"/>
+    <p:sldId id="285" r:id="rId13"/>
+    <p:sldId id="312" r:id="rId14"/>
+    <p:sldId id="313" r:id="rId15"/>
+    <p:sldId id="286" r:id="rId16"/>
+    <p:sldId id="287" r:id="rId17"/>
+    <p:sldId id="288" r:id="rId18"/>
+    <p:sldId id="314" r:id="rId19"/>
+    <p:sldId id="315" r:id="rId20"/>
+    <p:sldId id="289" r:id="rId21"/>
+    <p:sldId id="293" r:id="rId22"/>
+    <p:sldId id="295" r:id="rId23"/>
+    <p:sldId id="276" r:id="rId24"/>
   </p:sldIdLst>
   <p:sldSz cx="9144000" cy="5715000" type="screen16x10"/>
   <p:notesSz cx="6858000" cy="9144000"/>
@@ -4791,8 +4792,8 @@
         </p:blipFill>
         <p:spPr>
           <a:xfrm>
-            <a:off x="3093181" y="1561356"/>
-            <a:ext cx="5274310" cy="3815715"/>
+            <a:off x="3203848" y="1537874"/>
+            <a:ext cx="4716199" cy="3945118"/>
           </a:xfrm>
           <a:prstGeom prst="rect">
             <a:avLst/>
@@ -4942,7 +4943,7 @@
         <p:spPr bwMode="auto">
           <a:xfrm>
             <a:off x="1403338" y="1537874"/>
-            <a:ext cx="3600710" cy="584775"/>
+            <a:ext cx="3024646" cy="584775"/>
           </a:xfrm>
           <a:prstGeom prst="rect">
             <a:avLst/>
@@ -4978,7 +4979,7 @@
           <a:lstStyle/>
           <a:p>
             <a:r>
-              <a:rPr lang="zh-CN" altLang="en-US" sz="3200" b="1" dirty="0">
+              <a:rPr lang="en-US" altLang="zh-CN" sz="3200" b="1" dirty="0" smtClean="0">
                 <a:solidFill>
                   <a:srgbClr val="3A3838"/>
                 </a:solidFill>
@@ -4986,7 +4987,7 @@
                 <a:ea typeface="微软雅黑 Light" pitchFamily="34" charset="-122"/>
                 <a:sym typeface="方正仿宋简体" charset="-122"/>
               </a:rPr>
-              <a:t>查看</a:t>
+              <a:t>HIPO</a:t>
             </a:r>
             <a:r>
               <a:rPr lang="zh-CN" altLang="en-US" sz="3200" b="1" dirty="0" smtClean="0">
@@ -4997,7 +4998,7 @@
                 <a:ea typeface="微软雅黑 Light" pitchFamily="34" charset="-122"/>
                 <a:sym typeface="方正仿宋简体" charset="-122"/>
               </a:rPr>
-              <a:t>子系统</a:t>
+              <a:t>图</a:t>
             </a:r>
             <a:endParaRPr lang="en-US" sz="3200" b="1" dirty="0">
               <a:solidFill>
@@ -5010,132 +5011,32 @@
           </a:p>
         </p:txBody>
       </p:sp>
-      <p:sp>
-        <p:nvSpPr>
-          <p:cNvPr id="17" name="TextBox 16"/>
-          <p:cNvSpPr txBox="1"/>
+      <p:pic>
+        <p:nvPicPr>
+          <p:cNvPr id="6" name="图片 5"/>
+          <p:cNvPicPr/>
           <p:nvPr/>
-        </p:nvSpPr>
+        </p:nvPicPr>
+        <p:blipFill>
+          <a:blip r:embed="rId3"/>
+          <a:stretch>
+            <a:fillRect/>
+          </a:stretch>
+        </p:blipFill>
         <p:spPr>
           <a:xfrm>
-            <a:off x="1475656" y="2137420"/>
-            <a:ext cx="6048672" cy="3477875"/>
+            <a:off x="3093181" y="1561356"/>
+            <a:ext cx="5274310" cy="3815715"/>
           </a:xfrm>
           <a:prstGeom prst="rect">
             <a:avLst/>
           </a:prstGeom>
-          <a:noFill/>
-        </p:spPr>
-        <p:txBody>
-          <a:bodyPr wrap="square" rtlCol="0">
-            <a:spAutoFit/>
-          </a:bodyPr>
-          <a:lstStyle/>
-          <a:p>
-            <a:r>
-              <a:rPr lang="zh-CN" altLang="en-US" sz="2400" dirty="0">
-                <a:latin typeface="微软雅黑 Light" pitchFamily="34" charset="-122"/>
-                <a:ea typeface="微软雅黑 Light" pitchFamily="34" charset="-122"/>
-              </a:rPr>
-              <a:t>概述：服务器端处理 前端传入的查看命令</a:t>
-            </a:r>
-            <a:endParaRPr lang="en-US" altLang="zh-CN" sz="2400" dirty="0" smtClean="0">
-              <a:latin typeface="微软雅黑 Light" pitchFamily="34" charset="-122"/>
-              <a:ea typeface="微软雅黑 Light" pitchFamily="34" charset="-122"/>
-            </a:endParaRPr>
-          </a:p>
-          <a:p>
-            <a:endParaRPr lang="en-US" altLang="zh-CN" sz="2400" dirty="0">
-              <a:latin typeface="微软雅黑 Light" pitchFamily="34" charset="-122"/>
-              <a:ea typeface="微软雅黑 Light" pitchFamily="34" charset="-122"/>
-            </a:endParaRPr>
-          </a:p>
-          <a:p>
-            <a:pPr>
-              <a:lnSpc>
-                <a:spcPct val="150000"/>
-              </a:lnSpc>
-            </a:pPr>
-            <a:r>
-              <a:rPr lang="zh-CN" altLang="en-US" sz="2400" dirty="0" smtClean="0">
-                <a:latin typeface="微软雅黑 Light" pitchFamily="34" charset="-122"/>
-                <a:ea typeface="微软雅黑 Light" pitchFamily="34" charset="-122"/>
-              </a:rPr>
-              <a:t>功能：</a:t>
-            </a:r>
-            <a:endParaRPr lang="en-US" altLang="zh-CN" sz="2400" dirty="0" smtClean="0">
-              <a:latin typeface="微软雅黑 Light" pitchFamily="34" charset="-122"/>
-              <a:ea typeface="微软雅黑 Light" pitchFamily="34" charset="-122"/>
-            </a:endParaRPr>
-          </a:p>
-          <a:p>
-            <a:pPr marL="342900" indent="-342900">
-              <a:lnSpc>
-                <a:spcPct val="150000"/>
-              </a:lnSpc>
-              <a:buFont typeface="Wingdings" pitchFamily="2" charset="2"/>
-              <a:buChar char="Ø"/>
-            </a:pPr>
-            <a:r>
-              <a:rPr lang="zh-CN" altLang="en-US" sz="2200" dirty="0" smtClean="0">
-                <a:latin typeface="微软雅黑 Light" pitchFamily="34" charset="-122"/>
-                <a:ea typeface="微软雅黑 Light" pitchFamily="34" charset="-122"/>
-              </a:rPr>
-              <a:t>查看排行榜信息</a:t>
-            </a:r>
-            <a:endParaRPr lang="en-US" altLang="zh-CN" sz="2200" dirty="0" smtClean="0">
-              <a:latin typeface="微软雅黑 Light" pitchFamily="34" charset="-122"/>
-              <a:ea typeface="微软雅黑 Light" pitchFamily="34" charset="-122"/>
-            </a:endParaRPr>
-          </a:p>
-          <a:p>
-            <a:pPr marL="342900" indent="-342900">
-              <a:lnSpc>
-                <a:spcPct val="150000"/>
-              </a:lnSpc>
-              <a:buFont typeface="Wingdings" pitchFamily="2" charset="2"/>
-              <a:buChar char="Ø"/>
-            </a:pPr>
-            <a:r>
-              <a:rPr lang="zh-CN" altLang="en-US" sz="2200" dirty="0" smtClean="0">
-                <a:latin typeface="微软雅黑 Light" pitchFamily="34" charset="-122"/>
-                <a:ea typeface="微软雅黑 Light" pitchFamily="34" charset="-122"/>
-              </a:rPr>
-              <a:t>查看拥有皮肤信息</a:t>
-            </a:r>
-            <a:endParaRPr lang="en-US" altLang="zh-CN" sz="2200" dirty="0" smtClean="0">
-              <a:latin typeface="微软雅黑 Light" pitchFamily="34" charset="-122"/>
-              <a:ea typeface="微软雅黑 Light" pitchFamily="34" charset="-122"/>
-            </a:endParaRPr>
-          </a:p>
-          <a:p>
-            <a:pPr marL="342900" indent="-342900">
-              <a:buFont typeface="Wingdings" pitchFamily="2" charset="2"/>
-              <a:buChar char="Ø"/>
-            </a:pPr>
-            <a:endParaRPr lang="en-US" altLang="zh-CN" sz="2200" dirty="0" smtClean="0">
-              <a:latin typeface="微软雅黑 Light" pitchFamily="34" charset="-122"/>
-              <a:ea typeface="微软雅黑 Light" pitchFamily="34" charset="-122"/>
-            </a:endParaRPr>
-          </a:p>
-          <a:p>
-            <a:endParaRPr lang="en-US" altLang="zh-CN" sz="2400" dirty="0">
-              <a:latin typeface="微软雅黑 Light" pitchFamily="34" charset="-122"/>
-              <a:ea typeface="微软雅黑 Light" pitchFamily="34" charset="-122"/>
-            </a:endParaRPr>
-          </a:p>
-          <a:p>
-            <a:endParaRPr lang="en-US" altLang="zh-CN" sz="2400" dirty="0" smtClean="0">
-              <a:latin typeface="微软雅黑 Light" pitchFamily="34" charset="-122"/>
-              <a:ea typeface="微软雅黑 Light" pitchFamily="34" charset="-122"/>
-            </a:endParaRPr>
-          </a:p>
-        </p:txBody>
-      </p:sp>
+        </p:spPr>
+      </p:pic>
     </p:spTree>
     <p:extLst>
       <p:ext uri="{BB962C8B-B14F-4D97-AF65-F5344CB8AC3E}">
-        <p14:creationId xmlns:p14="http://schemas.microsoft.com/office/powerpoint/2010/main" val="661409680"/>
+        <p14:creationId xmlns:p14="http://schemas.microsoft.com/office/powerpoint/2010/main" val="1398337265"/>
       </p:ext>
     </p:extLst>
   </p:cSld>
@@ -5275,7 +5176,7 @@
         <p:spPr bwMode="auto">
           <a:xfrm>
             <a:off x="1403338" y="1537874"/>
-            <a:ext cx="3024646" cy="584775"/>
+            <a:ext cx="3600710" cy="584775"/>
           </a:xfrm>
           <a:prstGeom prst="rect">
             <a:avLst/>
@@ -5311,7 +5212,7 @@
           <a:lstStyle/>
           <a:p>
             <a:r>
-              <a:rPr lang="zh-CN" altLang="en-US" sz="3200" b="1" dirty="0" smtClean="0">
+              <a:rPr lang="zh-CN" altLang="en-US" sz="3200" b="1" dirty="0">
                 <a:solidFill>
                   <a:srgbClr val="3A3838"/>
                 </a:solidFill>
@@ -5319,7 +5220,18 @@
                 <a:ea typeface="微软雅黑 Light" pitchFamily="34" charset="-122"/>
                 <a:sym typeface="方正仿宋简体" charset="-122"/>
               </a:rPr>
-              <a:t>模块具体流程</a:t>
+              <a:t>查看</a:t>
+            </a:r>
+            <a:r>
+              <a:rPr lang="zh-CN" altLang="en-US" sz="3200" b="1" dirty="0" smtClean="0">
+                <a:solidFill>
+                  <a:srgbClr val="3A3838"/>
+                </a:solidFill>
+                <a:latin typeface="微软雅黑 Light" pitchFamily="34" charset="-122"/>
+                <a:ea typeface="微软雅黑 Light" pitchFamily="34" charset="-122"/>
+                <a:sym typeface="方正仿宋简体" charset="-122"/>
+              </a:rPr>
+              <a:t>子系统</a:t>
             </a:r>
             <a:endParaRPr lang="en-US" sz="3200" b="1" dirty="0">
               <a:solidFill>
@@ -5341,7 +5253,7 @@
         <p:spPr>
           <a:xfrm>
             <a:off x="1475656" y="2137420"/>
-            <a:ext cx="6768752" cy="3847207"/>
+            <a:ext cx="6048672" cy="3477875"/>
           </a:xfrm>
           <a:prstGeom prst="rect">
             <a:avLst/>
@@ -5355,371 +5267,22 @@
           <a:lstStyle/>
           <a:p>
             <a:r>
-              <a:rPr lang="en-US" altLang="zh-CN" sz="1100" dirty="0"/>
-              <a:t>#</a:t>
-            </a:r>
-            <a:r>
-              <a:rPr lang="zh-CN" altLang="zh-CN" sz="1100" dirty="0"/>
-              <a:t>查看排行</a:t>
-            </a:r>
-            <a:r>
-              <a:rPr lang="zh-CN" altLang="zh-CN" sz="1100" dirty="0" smtClean="0"/>
-              <a:t>榜</a:t>
-            </a:r>
-            <a:endParaRPr lang="en-US" altLang="zh-CN" sz="1100" dirty="0" smtClean="0"/>
-          </a:p>
-          <a:p>
-            <a:endParaRPr lang="en-US" altLang="zh-CN" sz="1100" dirty="0" smtClean="0"/>
-          </a:p>
-          <a:p>
-            <a:r>
-              <a:rPr lang="en-US" altLang="zh-CN" sz="1100" dirty="0" smtClean="0"/>
-              <a:t>procedure </a:t>
-            </a:r>
-            <a:r>
-              <a:rPr lang="en-US" altLang="zh-CN" sz="1100" dirty="0"/>
-              <a:t>&lt;</a:t>
-            </a:r>
-            <a:r>
-              <a:rPr lang="zh-CN" altLang="zh-CN" sz="1100" dirty="0"/>
-              <a:t>处理来自</a:t>
-            </a:r>
-            <a:r>
-              <a:rPr lang="en-US" altLang="zh-CN" sz="1100" dirty="0"/>
-              <a:t>/remark</a:t>
-            </a:r>
-            <a:r>
-              <a:rPr lang="zh-CN" altLang="zh-CN" sz="1100" dirty="0"/>
-              <a:t>的请求</a:t>
-            </a:r>
-            <a:r>
-              <a:rPr lang="en-US" altLang="zh-CN" sz="1100" dirty="0"/>
-              <a:t>&gt; interface&lt;http</a:t>
-            </a:r>
-            <a:r>
-              <a:rPr lang="zh-CN" altLang="zh-CN" sz="1100" dirty="0"/>
-              <a:t>请求对象</a:t>
-            </a:r>
-            <a:r>
-              <a:rPr lang="en-US" altLang="zh-CN" sz="1100" dirty="0"/>
-              <a:t>&gt; is</a:t>
-            </a:r>
-            <a:endParaRPr lang="zh-CN" altLang="zh-CN" sz="1100" dirty="0"/>
-          </a:p>
-          <a:p>
-            <a:r>
-              <a:rPr lang="en-US" altLang="zh-CN" sz="1100" dirty="0"/>
-              <a:t>begin</a:t>
-            </a:r>
-            <a:endParaRPr lang="zh-CN" altLang="zh-CN" sz="1100" dirty="0"/>
-          </a:p>
-          <a:p>
-            <a:r>
-              <a:rPr lang="en-US" altLang="zh-CN" sz="1100" dirty="0"/>
-              <a:t>	if &lt;</a:t>
-            </a:r>
-            <a:r>
-              <a:rPr lang="zh-CN" altLang="zh-CN" sz="1100" dirty="0"/>
-              <a:t>从</a:t>
-            </a:r>
-            <a:r>
-              <a:rPr lang="en-US" altLang="zh-CN" sz="1100" dirty="0"/>
-              <a:t>request</a:t>
-            </a:r>
-            <a:r>
-              <a:rPr lang="zh-CN" altLang="zh-CN" sz="1100" dirty="0"/>
-              <a:t>对象的</a:t>
-            </a:r>
-            <a:r>
-              <a:rPr lang="en-US" altLang="zh-CN" sz="1100" dirty="0"/>
-              <a:t>session</a:t>
-            </a:r>
-            <a:r>
-              <a:rPr lang="zh-CN" altLang="zh-CN" sz="1100" dirty="0"/>
-              <a:t>中得出没有登录</a:t>
-            </a:r>
-            <a:r>
-              <a:rPr lang="en-US" altLang="zh-CN" sz="1100" dirty="0"/>
-              <a:t>&gt; then</a:t>
-            </a:r>
-            <a:endParaRPr lang="zh-CN" altLang="zh-CN" sz="1100" dirty="0"/>
-          </a:p>
-          <a:p>
-            <a:r>
-              <a:rPr lang="en-US" altLang="zh-CN" sz="1100" dirty="0"/>
-              <a:t>        </a:t>
-            </a:r>
-            <a:r>
-              <a:rPr lang="zh-CN" altLang="zh-CN" sz="1100" dirty="0"/>
-              <a:t>重定向到‘用户未登录’页面</a:t>
-            </a:r>
-          </a:p>
-          <a:p>
-            <a:r>
-              <a:rPr lang="en-US" altLang="zh-CN" sz="1100" dirty="0"/>
-              <a:t>    if &lt;</a:t>
-            </a:r>
-            <a:r>
-              <a:rPr lang="zh-CN" altLang="zh-CN" sz="1100" dirty="0"/>
-              <a:t>请求是</a:t>
-            </a:r>
-            <a:r>
-              <a:rPr lang="en-US" altLang="zh-CN" sz="1100" dirty="0"/>
-              <a:t>POST</a:t>
-            </a:r>
-            <a:r>
-              <a:rPr lang="zh-CN" altLang="zh-CN" sz="1100" dirty="0"/>
-              <a:t>请求</a:t>
-            </a:r>
-            <a:r>
-              <a:rPr lang="en-US" altLang="zh-CN" sz="1100" dirty="0"/>
-              <a:t>&gt; then</a:t>
-            </a:r>
-            <a:endParaRPr lang="zh-CN" altLang="zh-CN" sz="1100" dirty="0"/>
-          </a:p>
-          <a:p>
-            <a:r>
-              <a:rPr lang="en-US" altLang="zh-CN" sz="1100" dirty="0"/>
-              <a:t>		form = </a:t>
-            </a:r>
-            <a:r>
-              <a:rPr lang="zh-CN" altLang="zh-CN" sz="1100" dirty="0"/>
-              <a:t>调用</a:t>
-            </a:r>
-            <a:r>
-              <a:rPr lang="en-US" altLang="zh-CN" sz="1100" dirty="0" err="1"/>
-              <a:t>RemarkForm</a:t>
-            </a:r>
-            <a:r>
-              <a:rPr lang="zh-CN" altLang="zh-CN" sz="1100" dirty="0"/>
-              <a:t>生成的表单</a:t>
-            </a:r>
-          </a:p>
-          <a:p>
-            <a:r>
-              <a:rPr lang="en-US" altLang="zh-CN" sz="1100" dirty="0"/>
-              <a:t>		if &lt;</a:t>
-            </a:r>
-            <a:r>
-              <a:rPr lang="zh-CN" altLang="zh-CN" sz="1100" dirty="0"/>
-              <a:t>表单验证成功</a:t>
-            </a:r>
-            <a:r>
-              <a:rPr lang="en-US" altLang="zh-CN" sz="1100" dirty="0"/>
-              <a:t>&gt; then</a:t>
-            </a:r>
-            <a:endParaRPr lang="zh-CN" altLang="zh-CN" sz="1100" dirty="0"/>
-          </a:p>
-          <a:p>
-            <a:r>
-              <a:rPr lang="en-US" altLang="zh-CN" sz="1100" dirty="0"/>
-              <a:t>			</a:t>
-            </a:r>
-            <a:r>
-              <a:rPr lang="en-US" altLang="zh-CN" sz="1100" dirty="0" err="1"/>
-              <a:t>myremark</a:t>
-            </a:r>
-            <a:r>
-              <a:rPr lang="en-US" altLang="zh-CN" sz="1100" dirty="0"/>
-              <a:t> = </a:t>
-            </a:r>
-            <a:r>
-              <a:rPr lang="zh-CN" altLang="zh-CN" sz="1100" dirty="0"/>
-              <a:t>调用</a:t>
-            </a:r>
-            <a:r>
-              <a:rPr lang="en-US" altLang="zh-CN" sz="1100" dirty="0"/>
-              <a:t>Remark</a:t>
-            </a:r>
-            <a:r>
-              <a:rPr lang="zh-CN" altLang="zh-CN" sz="1100" dirty="0"/>
-              <a:t>生成的</a:t>
-            </a:r>
-            <a:r>
-              <a:rPr lang="en-US" altLang="zh-CN" sz="1100" dirty="0"/>
-              <a:t>Remark</a:t>
-            </a:r>
-            <a:r>
-              <a:rPr lang="zh-CN" altLang="zh-CN" sz="1100" dirty="0"/>
-              <a:t>模型</a:t>
-            </a:r>
-          </a:p>
-          <a:p>
-            <a:r>
-              <a:rPr lang="en-US" altLang="zh-CN" sz="1100" dirty="0"/>
-              <a:t>			myremark.id = </a:t>
-            </a:r>
-            <a:r>
-              <a:rPr lang="zh-CN" altLang="zh-CN" sz="1100" dirty="0"/>
-              <a:t>表单中</a:t>
-            </a:r>
-            <a:r>
-              <a:rPr lang="en-US" altLang="zh-CN" sz="1100" dirty="0"/>
-              <a:t>'id'</a:t>
-            </a:r>
-            <a:r>
-              <a:rPr lang="zh-CN" altLang="zh-CN" sz="1100" dirty="0"/>
-              <a:t>字段的数据</a:t>
-            </a:r>
-            <a:r>
-              <a:rPr lang="en-US" altLang="zh-CN" sz="1100" dirty="0"/>
-              <a:t>  //</a:t>
-            </a:r>
-            <a:r>
-              <a:rPr lang="zh-CN" altLang="zh-CN" sz="1100" dirty="0"/>
-              <a:t>资源</a:t>
-            </a:r>
-            <a:r>
-              <a:rPr lang="en-US" altLang="zh-CN" sz="1100" dirty="0"/>
-              <a:t>id</a:t>
-            </a:r>
-            <a:endParaRPr lang="zh-CN" altLang="zh-CN" sz="1100" dirty="0"/>
-          </a:p>
-          <a:p>
-            <a:r>
-              <a:rPr lang="en-US" altLang="zh-CN" sz="1100" dirty="0"/>
-              <a:t>			</a:t>
-            </a:r>
-            <a:r>
-              <a:rPr lang="en-US" altLang="zh-CN" sz="1100" dirty="0" err="1"/>
-              <a:t>myremark.subject</a:t>
-            </a:r>
-            <a:r>
-              <a:rPr lang="en-US" altLang="zh-CN" sz="1100" dirty="0"/>
-              <a:t> = </a:t>
-            </a:r>
-            <a:r>
-              <a:rPr lang="zh-CN" altLang="zh-CN" sz="1100" dirty="0"/>
-              <a:t>表单中</a:t>
-            </a:r>
-            <a:r>
-              <a:rPr lang="en-US" altLang="zh-CN" sz="1100" dirty="0"/>
-              <a:t>'subject'</a:t>
-            </a:r>
-            <a:r>
-              <a:rPr lang="zh-CN" altLang="zh-CN" sz="1100" dirty="0"/>
-              <a:t>字段的数据</a:t>
-            </a:r>
-            <a:r>
-              <a:rPr lang="en-US" altLang="zh-CN" sz="1100" dirty="0"/>
-              <a:t>  //</a:t>
-            </a:r>
-            <a:r>
-              <a:rPr lang="zh-CN" altLang="zh-CN" sz="1100" dirty="0"/>
-              <a:t>用户</a:t>
-            </a:r>
-            <a:r>
-              <a:rPr lang="en-US" altLang="zh-CN" sz="1100" dirty="0"/>
-              <a:t>subject</a:t>
-            </a:r>
-            <a:endParaRPr lang="zh-CN" altLang="zh-CN" sz="1100" dirty="0"/>
-          </a:p>
-          <a:p>
-            <a:r>
-              <a:rPr lang="en-US" altLang="zh-CN" sz="1100" dirty="0"/>
-              <a:t>			</a:t>
-            </a:r>
-            <a:r>
-              <a:rPr lang="en-US" altLang="zh-CN" sz="1100" dirty="0" err="1"/>
-              <a:t>myremark.score</a:t>
-            </a:r>
-            <a:r>
-              <a:rPr lang="en-US" altLang="zh-CN" sz="1100" dirty="0"/>
-              <a:t>= </a:t>
-            </a:r>
-            <a:r>
-              <a:rPr lang="zh-CN" altLang="zh-CN" sz="1100" dirty="0"/>
-              <a:t>表单中</a:t>
-            </a:r>
-            <a:r>
-              <a:rPr lang="en-US" altLang="zh-CN" sz="1100" dirty="0"/>
-              <a:t>'score'</a:t>
-            </a:r>
-            <a:r>
-              <a:rPr lang="zh-CN" altLang="zh-CN" sz="1100" dirty="0"/>
-              <a:t>字段的数据</a:t>
-            </a:r>
-            <a:r>
-              <a:rPr lang="en-US" altLang="zh-CN" sz="1100" dirty="0"/>
-              <a:t>  //</a:t>
-            </a:r>
-            <a:r>
-              <a:rPr lang="zh-CN" altLang="zh-CN" sz="1100" dirty="0"/>
-              <a:t>积分</a:t>
-            </a:r>
-            <a:r>
-              <a:rPr lang="en-US" altLang="zh-CN" sz="1100" dirty="0"/>
-              <a:t>score</a:t>
-            </a:r>
-            <a:endParaRPr lang="zh-CN" altLang="zh-CN" sz="1100" dirty="0"/>
-          </a:p>
-          <a:p>
-            <a:r>
-              <a:rPr lang="en-US" altLang="zh-CN" sz="1100" dirty="0"/>
-              <a:t>			</a:t>
-            </a:r>
-            <a:r>
-              <a:rPr lang="zh-CN" altLang="zh-CN" sz="1100" dirty="0"/>
-              <a:t>保存</a:t>
-            </a:r>
-            <a:r>
-              <a:rPr lang="en-US" altLang="zh-CN" sz="1100" dirty="0" err="1"/>
-              <a:t>myremark</a:t>
-            </a:r>
-            <a:r>
-              <a:rPr lang="zh-CN" altLang="zh-CN" sz="1100" dirty="0"/>
-              <a:t>并上传至游戏前端</a:t>
-            </a:r>
-            <a:r>
-              <a:rPr lang="en-US" altLang="zh-CN" sz="1100" dirty="0"/>
-              <a:t>			</a:t>
-            </a:r>
-            <a:endParaRPr lang="zh-CN" altLang="zh-CN" sz="1100" dirty="0"/>
-          </a:p>
-          <a:p>
-            <a:r>
-              <a:rPr lang="zh-CN" altLang="zh-CN" sz="1100" dirty="0"/>
-              <a:t>出现“相应积分：”提示信息</a:t>
-            </a:r>
-          </a:p>
-          <a:p>
-            <a:r>
-              <a:rPr lang="en-US" altLang="zh-CN" sz="1100" dirty="0"/>
-              <a:t>    else</a:t>
-            </a:r>
-            <a:endParaRPr lang="zh-CN" altLang="zh-CN" sz="1100" dirty="0"/>
-          </a:p>
-          <a:p>
-            <a:r>
-              <a:rPr lang="en-US" altLang="zh-CN" sz="1100" dirty="0"/>
-              <a:t>		form = </a:t>
-            </a:r>
-            <a:r>
-              <a:rPr lang="zh-CN" altLang="zh-CN" sz="1100" dirty="0"/>
-              <a:t>空的</a:t>
-            </a:r>
-            <a:r>
-              <a:rPr lang="en-US" altLang="zh-CN" sz="1100" dirty="0" err="1"/>
-              <a:t>RemarkForm</a:t>
-            </a:r>
-            <a:endParaRPr lang="zh-CN" altLang="zh-CN" sz="1100" dirty="0"/>
-          </a:p>
-          <a:p>
-            <a:r>
-              <a:rPr lang="en-US" altLang="zh-CN" sz="1100" dirty="0"/>
-              <a:t>	</a:t>
-            </a:r>
-            <a:r>
-              <a:rPr lang="zh-CN" altLang="zh-CN" sz="1100" dirty="0"/>
-              <a:t>返回‘查看界面’并显示含有该用户积分排行榜</a:t>
-            </a:r>
-          </a:p>
-          <a:p>
-            <a:r>
-              <a:rPr lang="en-US" altLang="zh-CN" sz="1100" dirty="0"/>
-              <a:t>end</a:t>
-            </a:r>
-            <a:endParaRPr lang="zh-CN" altLang="zh-CN" sz="1100" dirty="0"/>
+              <a:rPr lang="zh-CN" altLang="en-US" sz="2400" dirty="0">
+                <a:latin typeface="微软雅黑 Light" pitchFamily="34" charset="-122"/>
+                <a:ea typeface="微软雅黑 Light" pitchFamily="34" charset="-122"/>
+              </a:rPr>
+              <a:t>概述：服务器端处理 前端传入的查看命令</a:t>
+            </a:r>
+            <a:endParaRPr lang="en-US" altLang="zh-CN" sz="2400" dirty="0" smtClean="0">
+              <a:latin typeface="微软雅黑 Light" pitchFamily="34" charset="-122"/>
+              <a:ea typeface="微软雅黑 Light" pitchFamily="34" charset="-122"/>
+            </a:endParaRPr>
+          </a:p>
+          <a:p>
+            <a:endParaRPr lang="en-US" altLang="zh-CN" sz="2400" dirty="0">
+              <a:latin typeface="微软雅黑 Light" pitchFamily="34" charset="-122"/>
+              <a:ea typeface="微软雅黑 Light" pitchFamily="34" charset="-122"/>
+            </a:endParaRPr>
           </a:p>
           <a:p>
             <a:pPr>
@@ -5727,14 +5290,86 @@
                 <a:spcPct val="150000"/>
               </a:lnSpc>
             </a:pPr>
-            <a:endParaRPr lang="zh-CN" altLang="en-US" sz="1600" dirty="0"/>
+            <a:r>
+              <a:rPr lang="zh-CN" altLang="en-US" sz="2400" dirty="0" smtClean="0">
+                <a:latin typeface="微软雅黑 Light" pitchFamily="34" charset="-122"/>
+                <a:ea typeface="微软雅黑 Light" pitchFamily="34" charset="-122"/>
+              </a:rPr>
+              <a:t>功能：</a:t>
+            </a:r>
+            <a:endParaRPr lang="en-US" altLang="zh-CN" sz="2400" dirty="0" smtClean="0">
+              <a:latin typeface="微软雅黑 Light" pitchFamily="34" charset="-122"/>
+              <a:ea typeface="微软雅黑 Light" pitchFamily="34" charset="-122"/>
+            </a:endParaRPr>
+          </a:p>
+          <a:p>
+            <a:pPr marL="342900" indent="-342900">
+              <a:lnSpc>
+                <a:spcPct val="150000"/>
+              </a:lnSpc>
+              <a:buFont typeface="Wingdings" pitchFamily="2" charset="2"/>
+              <a:buChar char="Ø"/>
+            </a:pPr>
+            <a:r>
+              <a:rPr lang="zh-CN" altLang="en-US" sz="2200" dirty="0" smtClean="0">
+                <a:latin typeface="微软雅黑 Light" pitchFamily="34" charset="-122"/>
+                <a:ea typeface="微软雅黑 Light" pitchFamily="34" charset="-122"/>
+              </a:rPr>
+              <a:t>查看排行榜信息</a:t>
+            </a:r>
+            <a:endParaRPr lang="en-US" altLang="zh-CN" sz="2200" dirty="0" smtClean="0">
+              <a:latin typeface="微软雅黑 Light" pitchFamily="34" charset="-122"/>
+              <a:ea typeface="微软雅黑 Light" pitchFamily="34" charset="-122"/>
+            </a:endParaRPr>
+          </a:p>
+          <a:p>
+            <a:pPr marL="342900" indent="-342900">
+              <a:lnSpc>
+                <a:spcPct val="150000"/>
+              </a:lnSpc>
+              <a:buFont typeface="Wingdings" pitchFamily="2" charset="2"/>
+              <a:buChar char="Ø"/>
+            </a:pPr>
+            <a:r>
+              <a:rPr lang="zh-CN" altLang="en-US" sz="2200" dirty="0" smtClean="0">
+                <a:latin typeface="微软雅黑 Light" pitchFamily="34" charset="-122"/>
+                <a:ea typeface="微软雅黑 Light" pitchFamily="34" charset="-122"/>
+              </a:rPr>
+              <a:t>查看拥有皮肤信息</a:t>
+            </a:r>
+            <a:endParaRPr lang="en-US" altLang="zh-CN" sz="2200" dirty="0" smtClean="0">
+              <a:latin typeface="微软雅黑 Light" pitchFamily="34" charset="-122"/>
+              <a:ea typeface="微软雅黑 Light" pitchFamily="34" charset="-122"/>
+            </a:endParaRPr>
+          </a:p>
+          <a:p>
+            <a:pPr marL="342900" indent="-342900">
+              <a:buFont typeface="Wingdings" pitchFamily="2" charset="2"/>
+              <a:buChar char="Ø"/>
+            </a:pPr>
+            <a:endParaRPr lang="en-US" altLang="zh-CN" sz="2200" dirty="0" smtClean="0">
+              <a:latin typeface="微软雅黑 Light" pitchFamily="34" charset="-122"/>
+              <a:ea typeface="微软雅黑 Light" pitchFamily="34" charset="-122"/>
+            </a:endParaRPr>
+          </a:p>
+          <a:p>
+            <a:endParaRPr lang="en-US" altLang="zh-CN" sz="2400" dirty="0">
+              <a:latin typeface="微软雅黑 Light" pitchFamily="34" charset="-122"/>
+              <a:ea typeface="微软雅黑 Light" pitchFamily="34" charset="-122"/>
+            </a:endParaRPr>
+          </a:p>
+          <a:p>
+            <a:endParaRPr lang="en-US" altLang="zh-CN" sz="2400" dirty="0" smtClean="0">
+              <a:latin typeface="微软雅黑 Light" pitchFamily="34" charset="-122"/>
+              <a:ea typeface="微软雅黑 Light" pitchFamily="34" charset="-122"/>
+            </a:endParaRPr>
           </a:p>
         </p:txBody>
       </p:sp>
     </p:spTree>
     <p:extLst>
       <p:ext uri="{BB962C8B-B14F-4D97-AF65-F5344CB8AC3E}">
-        <p14:creationId xmlns:p14="http://schemas.microsoft.com/office/powerpoint/2010/main" val="2481341205"/>
+        <p14:creationId xmlns:p14="http://schemas.microsoft.com/office/powerpoint/2010/main" val="661409680"/>
       </p:ext>
     </p:extLst>
   </p:cSld>
@@ -5940,7 +5575,7 @@
         <p:spPr>
           <a:xfrm>
             <a:off x="1475656" y="2137420"/>
-            <a:ext cx="6768752" cy="2970044"/>
+            <a:ext cx="6768752" cy="3847207"/>
           </a:xfrm>
           <a:prstGeom prst="rect">
             <a:avLst/>
@@ -5959,21 +5594,25 @@
             </a:r>
             <a:r>
               <a:rPr lang="zh-CN" altLang="zh-CN" sz="1100" dirty="0"/>
-              <a:t>查看</a:t>
+              <a:t>查看排行</a:t>
             </a:r>
             <a:r>
               <a:rPr lang="zh-CN" altLang="zh-CN" sz="1100" dirty="0" smtClean="0"/>
-              <a:t>皮肤</a:t>
+              <a:t>榜</a:t>
             </a:r>
             <a:endParaRPr lang="en-US" altLang="zh-CN" sz="1100" dirty="0" smtClean="0"/>
           </a:p>
           <a:p>
-            <a:endParaRPr lang="zh-CN" altLang="zh-CN" sz="1100" dirty="0"/>
-          </a:p>
-          <a:p>
+            <a:endParaRPr lang="en-US" altLang="zh-CN" sz="1100" dirty="0" smtClean="0"/>
+          </a:p>
+          <a:p>
+            <a:r>
+              <a:rPr lang="en-US" altLang="zh-CN" sz="1100" dirty="0" smtClean="0"/>
+              <a:t>procedure </a:t>
+            </a:r>
             <a:r>
               <a:rPr lang="en-US" altLang="zh-CN" sz="1100" dirty="0"/>
-              <a:t>procedure &lt;</a:t>
+              <a:t>&lt;</a:t>
             </a:r>
             <a:r>
               <a:rPr lang="zh-CN" altLang="zh-CN" sz="1100" dirty="0"/>
@@ -5981,15 +5620,7 @@
             </a:r>
             <a:r>
               <a:rPr lang="en-US" altLang="zh-CN" sz="1100" dirty="0"/>
-              <a:t>/remark/</a:t>
-            </a:r>
-            <a:r>
-              <a:rPr lang="en-US" altLang="zh-CN" sz="1100" dirty="0" err="1"/>
-              <a:t>delete?id</a:t>
-            </a:r>
-            <a:r>
-              <a:rPr lang="en-US" altLang="zh-CN" sz="1100" dirty="0"/>
-              <a:t>=</a:t>
+              <a:t>/remark</a:t>
             </a:r>
             <a:r>
               <a:rPr lang="zh-CN" altLang="zh-CN" sz="1100" dirty="0"/>
@@ -6019,7 +5650,7 @@
           <a:p>
             <a:r>
               <a:rPr lang="en-US" altLang="zh-CN" sz="1100" dirty="0"/>
-              <a:t>    if &lt;</a:t>
+              <a:t>	if &lt;</a:t>
             </a:r>
             <a:r>
               <a:rPr lang="zh-CN" altLang="zh-CN" sz="1100" dirty="0"/>
@@ -6039,7 +5670,7 @@
             </a:r>
             <a:r>
               <a:rPr lang="zh-CN" altLang="zh-CN" sz="1100" dirty="0"/>
-              <a:t>中得出没有皮肤</a:t>
+              <a:t>中得出没有登录</a:t>
             </a:r>
             <a:r>
               <a:rPr lang="en-US" altLang="zh-CN" sz="1100" dirty="0"/>
@@ -6054,21 +5685,21 @@
             </a:r>
             <a:r>
               <a:rPr lang="zh-CN" altLang="zh-CN" sz="1100" dirty="0"/>
-              <a:t>显示‘没有皮肤’提示信息</a:t>
+              <a:t>重定向到‘用户未登录’页面</a:t>
             </a:r>
           </a:p>
           <a:p>
             <a:r>
               <a:rPr lang="en-US" altLang="zh-CN" sz="1100" dirty="0"/>
-              <a:t>    else if &lt;</a:t>
+              <a:t>    if &lt;</a:t>
             </a:r>
             <a:r>
               <a:rPr lang="zh-CN" altLang="zh-CN" sz="1100" dirty="0"/>
-              <a:t>请求不是</a:t>
+              <a:t>请求是</a:t>
             </a:r>
             <a:r>
               <a:rPr lang="en-US" altLang="zh-CN" sz="1100" dirty="0"/>
-              <a:t>get</a:t>
+              <a:t>POST</a:t>
             </a:r>
             <a:r>
               <a:rPr lang="zh-CN" altLang="zh-CN" sz="1100" dirty="0"/>
@@ -6083,39 +5714,29 @@
           <a:p>
             <a:r>
               <a:rPr lang="en-US" altLang="zh-CN" sz="1100" dirty="0"/>
-              <a:t>        raise 404</a:t>
+              <a:t>		form = </a:t>
             </a:r>
             <a:r>
               <a:rPr lang="zh-CN" altLang="zh-CN" sz="1100" dirty="0"/>
-              <a:t>异常</a:t>
+              <a:t>调用</a:t>
+            </a:r>
+            <a:r>
+              <a:rPr lang="en-US" altLang="zh-CN" sz="1100" dirty="0" err="1"/>
+              <a:t>RemarkForm</a:t>
+            </a:r>
+            <a:r>
+              <a:rPr lang="zh-CN" altLang="zh-CN" sz="1100" dirty="0"/>
+              <a:t>生成的表单</a:t>
             </a:r>
           </a:p>
           <a:p>
             <a:r>
               <a:rPr lang="en-US" altLang="zh-CN" sz="1100" dirty="0"/>
-              <a:t>    else #</a:t>
+              <a:t>		if &lt;</a:t>
             </a:r>
             <a:r>
               <a:rPr lang="zh-CN" altLang="zh-CN" sz="1100" dirty="0"/>
-              <a:t>请求是</a:t>
-            </a:r>
-            <a:r>
-              <a:rPr lang="en-US" altLang="zh-CN" sz="1100" dirty="0"/>
-              <a:t>get</a:t>
-            </a:r>
-            <a:r>
-              <a:rPr lang="zh-CN" altLang="zh-CN" sz="1100" dirty="0"/>
-              <a:t>请求</a:t>
-            </a:r>
-          </a:p>
-          <a:p>
-            <a:r>
-              <a:rPr lang="en-US" altLang="zh-CN" sz="1100" dirty="0"/>
-              <a:t>        if &lt;</a:t>
-            </a:r>
-            <a:r>
-              <a:rPr lang="zh-CN" altLang="zh-CN" sz="1100" dirty="0"/>
-              <a:t>请求信息不存在</a:t>
+              <a:t>表单验证成功</a:t>
             </a:r>
             <a:r>
               <a:rPr lang="en-US" altLang="zh-CN" sz="1100" dirty="0"/>
@@ -6126,59 +5747,205 @@
           <a:p>
             <a:r>
               <a:rPr lang="en-US" altLang="zh-CN" sz="1100" dirty="0"/>
-              <a:t>            </a:t>
+              <a:t>			</a:t>
+            </a:r>
+            <a:r>
+              <a:rPr lang="en-US" altLang="zh-CN" sz="1100" dirty="0" err="1"/>
+              <a:t>myremark</a:t>
+            </a:r>
+            <a:r>
+              <a:rPr lang="en-US" altLang="zh-CN" sz="1100" dirty="0"/>
+              <a:t> = </a:t>
             </a:r>
             <a:r>
               <a:rPr lang="zh-CN" altLang="zh-CN" sz="1100" dirty="0"/>
-              <a:t>返回用户信息未找到出错页面</a:t>
-            </a:r>
-          </a:p>
-          <a:p>
+              <a:t>调用</a:t>
+            </a:r>
             <a:r>
               <a:rPr lang="en-US" altLang="zh-CN" sz="1100" dirty="0"/>
-              <a:t>        begin &lt;</a:t>
+              <a:t>Remark</a:t>
             </a:r>
             <a:r>
               <a:rPr lang="zh-CN" altLang="zh-CN" sz="1100" dirty="0"/>
-              <a:t>提取皮肤信息</a:t>
+              <a:t>生成的</a:t>
             </a:r>
             <a:r>
               <a:rPr lang="en-US" altLang="zh-CN" sz="1100" dirty="0"/>
-              <a:t>&gt;</a:t>
+              <a:t>Remark</a:t>
+            </a:r>
+            <a:r>
+              <a:rPr lang="zh-CN" altLang="zh-CN" sz="1100" dirty="0"/>
+              <a:t>模型</a:t>
+            </a:r>
+          </a:p>
+          <a:p>
+            <a:r>
+              <a:rPr lang="en-US" altLang="zh-CN" sz="1100" dirty="0"/>
+              <a:t>			myremark.id = </a:t>
+            </a:r>
+            <a:r>
+              <a:rPr lang="zh-CN" altLang="zh-CN" sz="1100" dirty="0"/>
+              <a:t>表单中</a:t>
+            </a:r>
+            <a:r>
+              <a:rPr lang="en-US" altLang="zh-CN" sz="1100" dirty="0"/>
+              <a:t>'id'</a:t>
+            </a:r>
+            <a:r>
+              <a:rPr lang="zh-CN" altLang="zh-CN" sz="1100" dirty="0"/>
+              <a:t>字段的数据</a:t>
+            </a:r>
+            <a:r>
+              <a:rPr lang="en-US" altLang="zh-CN" sz="1100" dirty="0"/>
+              <a:t>  //</a:t>
+            </a:r>
+            <a:r>
+              <a:rPr lang="zh-CN" altLang="zh-CN" sz="1100" dirty="0"/>
+              <a:t>资源</a:t>
+            </a:r>
+            <a:r>
+              <a:rPr lang="en-US" altLang="zh-CN" sz="1100" dirty="0"/>
+              <a:t>id</a:t>
             </a:r>
             <a:endParaRPr lang="zh-CN" altLang="zh-CN" sz="1100" dirty="0"/>
           </a:p>
           <a:p>
             <a:r>
               <a:rPr lang="en-US" altLang="zh-CN" sz="1100" dirty="0"/>
-              <a:t>            </a:t>
+              <a:t>			</a:t>
+            </a:r>
+            <a:r>
+              <a:rPr lang="en-US" altLang="zh-CN" sz="1100" dirty="0" err="1"/>
+              <a:t>myremark.subject</a:t>
+            </a:r>
+            <a:r>
+              <a:rPr lang="en-US" altLang="zh-CN" sz="1100" dirty="0"/>
+              <a:t> = </a:t>
             </a:r>
             <a:r>
               <a:rPr lang="zh-CN" altLang="zh-CN" sz="1100" dirty="0"/>
-              <a:t>从数据库提取当前用户已经获得皮肤相关信息</a:t>
-            </a:r>
-          </a:p>
-          <a:p>
+              <a:t>表单中</a:t>
+            </a:r>
             <a:r>
               <a:rPr lang="en-US" altLang="zh-CN" sz="1100" dirty="0"/>
-              <a:t>        end</a:t>
+              <a:t>'subject'</a:t>
+            </a:r>
+            <a:r>
+              <a:rPr lang="zh-CN" altLang="zh-CN" sz="1100" dirty="0"/>
+              <a:t>字段的数据</a:t>
+            </a:r>
+            <a:r>
+              <a:rPr lang="en-US" altLang="zh-CN" sz="1100" dirty="0"/>
+              <a:t>  //</a:t>
+            </a:r>
+            <a:r>
+              <a:rPr lang="zh-CN" altLang="zh-CN" sz="1100" dirty="0"/>
+              <a:t>用户</a:t>
+            </a:r>
+            <a:r>
+              <a:rPr lang="en-US" altLang="zh-CN" sz="1100" dirty="0"/>
+              <a:t>subject</a:t>
             </a:r>
             <a:endParaRPr lang="zh-CN" altLang="zh-CN" sz="1100" dirty="0"/>
           </a:p>
           <a:p>
             <a:r>
+              <a:rPr lang="en-US" altLang="zh-CN" sz="1100" dirty="0"/>
+              <a:t>			</a:t>
+            </a:r>
+            <a:r>
+              <a:rPr lang="en-US" altLang="zh-CN" sz="1100" dirty="0" err="1"/>
+              <a:t>myremark.score</a:t>
+            </a:r>
+            <a:r>
+              <a:rPr lang="en-US" altLang="zh-CN" sz="1100" dirty="0"/>
+              <a:t>= </a:t>
+            </a:r>
+            <a:r>
               <a:rPr lang="zh-CN" altLang="zh-CN" sz="1100" dirty="0"/>
-              <a:t>从数据库导出相应皮肤信息（通过查询语句）</a:t>
-            </a:r>
-          </a:p>
-          <a:p>
+              <a:t>表单中</a:t>
+            </a:r>
             <a:r>
               <a:rPr lang="en-US" altLang="zh-CN" sz="1100" dirty="0"/>
-              <a:t>             </a:t>
+              <a:t>'score'</a:t>
             </a:r>
             <a:r>
               <a:rPr lang="zh-CN" altLang="zh-CN" sz="1100" dirty="0"/>
-              <a:t>返回‘查看界面’并显示该用户皮肤相关信息</a:t>
+              <a:t>字段的数据</a:t>
+            </a:r>
+            <a:r>
+              <a:rPr lang="en-US" altLang="zh-CN" sz="1100" dirty="0"/>
+              <a:t>  //</a:t>
+            </a:r>
+            <a:r>
+              <a:rPr lang="zh-CN" altLang="zh-CN" sz="1100" dirty="0"/>
+              <a:t>积分</a:t>
+            </a:r>
+            <a:r>
+              <a:rPr lang="en-US" altLang="zh-CN" sz="1100" dirty="0"/>
+              <a:t>score</a:t>
+            </a:r>
+            <a:endParaRPr lang="zh-CN" altLang="zh-CN" sz="1100" dirty="0"/>
+          </a:p>
+          <a:p>
+            <a:r>
+              <a:rPr lang="en-US" altLang="zh-CN" sz="1100" dirty="0"/>
+              <a:t>			</a:t>
+            </a:r>
+            <a:r>
+              <a:rPr lang="zh-CN" altLang="zh-CN" sz="1100" dirty="0"/>
+              <a:t>保存</a:t>
+            </a:r>
+            <a:r>
+              <a:rPr lang="en-US" altLang="zh-CN" sz="1100" dirty="0" err="1"/>
+              <a:t>myremark</a:t>
+            </a:r>
+            <a:r>
+              <a:rPr lang="zh-CN" altLang="zh-CN" sz="1100" dirty="0"/>
+              <a:t>并上传至游戏前端</a:t>
+            </a:r>
+            <a:r>
+              <a:rPr lang="en-US" altLang="zh-CN" sz="1100" dirty="0"/>
+              <a:t>			</a:t>
+            </a:r>
+            <a:endParaRPr lang="zh-CN" altLang="zh-CN" sz="1100" dirty="0"/>
+          </a:p>
+          <a:p>
+            <a:r>
+              <a:rPr lang="zh-CN" altLang="zh-CN" sz="1100" dirty="0"/>
+              <a:t>出现“相应积分：”提示信息</a:t>
+            </a:r>
+          </a:p>
+          <a:p>
+            <a:r>
+              <a:rPr lang="en-US" altLang="zh-CN" sz="1100" dirty="0"/>
+              <a:t>    else</a:t>
+            </a:r>
+            <a:endParaRPr lang="zh-CN" altLang="zh-CN" sz="1100" dirty="0"/>
+          </a:p>
+          <a:p>
+            <a:r>
+              <a:rPr lang="en-US" altLang="zh-CN" sz="1100" dirty="0"/>
+              <a:t>		form = </a:t>
+            </a:r>
+            <a:r>
+              <a:rPr lang="zh-CN" altLang="zh-CN" sz="1100" dirty="0"/>
+              <a:t>空的</a:t>
+            </a:r>
+            <a:r>
+              <a:rPr lang="en-US" altLang="zh-CN" sz="1100" dirty="0" err="1"/>
+              <a:t>RemarkForm</a:t>
+            </a:r>
+            <a:endParaRPr lang="zh-CN" altLang="zh-CN" sz="1100" dirty="0"/>
+          </a:p>
+          <a:p>
+            <a:r>
+              <a:rPr lang="en-US" altLang="zh-CN" sz="1100" dirty="0"/>
+              <a:t>	</a:t>
+            </a:r>
+            <a:r>
+              <a:rPr lang="zh-CN" altLang="zh-CN" sz="1100" dirty="0"/>
+              <a:t>返回‘查看界面’并显示含有该用户积分排行榜</a:t>
             </a:r>
           </a:p>
           <a:p>
@@ -6187,13 +5954,21 @@
               <a:t>end</a:t>
             </a:r>
             <a:endParaRPr lang="zh-CN" altLang="zh-CN" sz="1100" dirty="0"/>
+          </a:p>
+          <a:p>
+            <a:pPr>
+              <a:lnSpc>
+                <a:spcPct val="150000"/>
+              </a:lnSpc>
+            </a:pPr>
+            <a:endParaRPr lang="zh-CN" altLang="en-US" sz="1600" dirty="0"/>
           </a:p>
         </p:txBody>
       </p:sp>
     </p:spTree>
     <p:extLst>
       <p:ext uri="{BB962C8B-B14F-4D97-AF65-F5344CB8AC3E}">
-        <p14:creationId xmlns:p14="http://schemas.microsoft.com/office/powerpoint/2010/main" val="2394974620"/>
+        <p14:creationId xmlns:p14="http://schemas.microsoft.com/office/powerpoint/2010/main" val="2481341205"/>
       </p:ext>
     </p:extLst>
   </p:cSld>
@@ -6333,7 +6108,7 @@
         <p:spPr bwMode="auto">
           <a:xfrm>
             <a:off x="1403338" y="1537874"/>
-            <a:ext cx="5184886" cy="584775"/>
+            <a:ext cx="3024646" cy="584775"/>
           </a:xfrm>
           <a:prstGeom prst="rect">
             <a:avLst/>
@@ -6369,7 +6144,7 @@
           <a:lstStyle/>
           <a:p>
             <a:r>
-              <a:rPr lang="zh-CN" altLang="en-US" sz="3200" b="1" dirty="0">
+              <a:rPr lang="zh-CN" altLang="en-US" sz="3200" b="1" dirty="0" smtClean="0">
                 <a:solidFill>
                   <a:srgbClr val="3A3838"/>
                 </a:solidFill>
@@ -6377,18 +6152,7 @@
                 <a:ea typeface="微软雅黑 Light" pitchFamily="34" charset="-122"/>
                 <a:sym typeface="方正仿宋简体" charset="-122"/>
               </a:rPr>
-              <a:t>用户登录</a:t>
-            </a:r>
-            <a:r>
-              <a:rPr lang="zh-CN" altLang="en-US" sz="3200" b="1" dirty="0" smtClean="0">
-                <a:solidFill>
-                  <a:srgbClr val="3A3838"/>
-                </a:solidFill>
-                <a:latin typeface="微软雅黑 Light" pitchFamily="34" charset="-122"/>
-                <a:ea typeface="微软雅黑 Light" pitchFamily="34" charset="-122"/>
-                <a:sym typeface="方正仿宋简体" charset="-122"/>
-              </a:rPr>
-              <a:t>认证子系统</a:t>
+              <a:t>模块具体流程</a:t>
             </a:r>
             <a:endParaRPr lang="en-US" sz="3200" b="1" dirty="0">
               <a:solidFill>
@@ -6410,7 +6174,7 @@
         <p:spPr>
           <a:xfrm>
             <a:off x="1475656" y="2137420"/>
-            <a:ext cx="6048672" cy="2185214"/>
+            <a:ext cx="6768752" cy="2970044"/>
           </a:xfrm>
           <a:prstGeom prst="rect">
             <a:avLst/>
@@ -6424,139 +6188,246 @@
           <a:lstStyle/>
           <a:p>
             <a:r>
-              <a:rPr lang="zh-CN" altLang="en-US" sz="2400" dirty="0">
-                <a:latin typeface="微软雅黑 Light" pitchFamily="34" charset="-122"/>
-                <a:ea typeface="微软雅黑 Light" pitchFamily="34" charset="-122"/>
-              </a:rPr>
-              <a:t>概述：识别用户，获取用户信息</a:t>
-            </a:r>
-            <a:endParaRPr lang="en-US" altLang="zh-CN" sz="2400" dirty="0">
-              <a:latin typeface="微软雅黑 Light" pitchFamily="34" charset="-122"/>
-              <a:ea typeface="微软雅黑 Light" pitchFamily="34" charset="-122"/>
-            </a:endParaRPr>
-          </a:p>
-          <a:p>
-            <a:r>
-              <a:rPr lang="zh-CN" altLang="en-US" sz="2400" dirty="0" smtClean="0">
-                <a:latin typeface="微软雅黑 Light" pitchFamily="34" charset="-122"/>
-                <a:ea typeface="微软雅黑 Light" pitchFamily="34" charset="-122"/>
-              </a:rPr>
-              <a:t>功能</a:t>
-            </a:r>
-            <a:r>
-              <a:rPr lang="zh-CN" altLang="en-US" sz="2400" dirty="0" smtClean="0">
-                <a:latin typeface="微软雅黑 Light" pitchFamily="34" charset="-122"/>
-                <a:ea typeface="微软雅黑 Light" pitchFamily="34" charset="-122"/>
-              </a:rPr>
-              <a:t>：</a:t>
-            </a:r>
-            <a:endParaRPr lang="en-US" altLang="zh-CN" sz="2400" dirty="0" smtClean="0">
-              <a:latin typeface="微软雅黑 Light" pitchFamily="34" charset="-122"/>
-              <a:ea typeface="微软雅黑 Light" pitchFamily="34" charset="-122"/>
-            </a:endParaRPr>
-          </a:p>
-          <a:p>
-            <a:pPr marL="342900" indent="-342900">
-              <a:buFont typeface="Wingdings" pitchFamily="2" charset="2"/>
-              <a:buChar char="Ø"/>
-            </a:pPr>
-            <a:r>
-              <a:rPr lang="zh-CN" altLang="en-US" sz="2200" dirty="0" smtClean="0">
-                <a:latin typeface="微软雅黑 Light" pitchFamily="34" charset="-122"/>
-                <a:ea typeface="微软雅黑 Light" pitchFamily="34" charset="-122"/>
-              </a:rPr>
-              <a:t>用户信息匹配</a:t>
-            </a:r>
-            <a:endParaRPr lang="en-US" altLang="zh-CN" sz="2200" dirty="0" smtClean="0">
-              <a:latin typeface="微软雅黑 Light" pitchFamily="34" charset="-122"/>
-              <a:ea typeface="微软雅黑 Light" pitchFamily="34" charset="-122"/>
-            </a:endParaRPr>
-          </a:p>
-          <a:p>
-            <a:pPr marL="342900" indent="-342900">
-              <a:buFont typeface="Wingdings" pitchFamily="2" charset="2"/>
-              <a:buChar char="Ø"/>
-            </a:pPr>
-            <a:r>
-              <a:rPr lang="zh-CN" altLang="en-US" sz="2200" dirty="0" smtClean="0">
-                <a:latin typeface="微软雅黑 Light" pitchFamily="34" charset="-122"/>
-                <a:ea typeface="微软雅黑 Light" pitchFamily="34" charset="-122"/>
-              </a:rPr>
-              <a:t>获取</a:t>
-            </a:r>
-            <a:r>
-              <a:rPr lang="zh-CN" altLang="en-US" sz="2200" dirty="0">
-                <a:latin typeface="微软雅黑 Light" pitchFamily="34" charset="-122"/>
-                <a:ea typeface="微软雅黑 Light" pitchFamily="34" charset="-122"/>
-              </a:rPr>
-              <a:t>用户游戏</a:t>
-            </a:r>
-            <a:r>
-              <a:rPr lang="zh-CN" altLang="en-US" sz="2200" dirty="0" smtClean="0">
-                <a:latin typeface="微软雅黑 Light" pitchFamily="34" charset="-122"/>
-                <a:ea typeface="微软雅黑 Light" pitchFamily="34" charset="-122"/>
-              </a:rPr>
-              <a:t>记录</a:t>
-            </a:r>
-            <a:endParaRPr lang="en-US" altLang="zh-CN" sz="2200" dirty="0" smtClean="0">
-              <a:latin typeface="微软雅黑 Light" pitchFamily="34" charset="-122"/>
-              <a:ea typeface="微软雅黑 Light" pitchFamily="34" charset="-122"/>
-            </a:endParaRPr>
-          </a:p>
-          <a:p>
-            <a:pPr marL="342900" indent="-342900">
-              <a:buFont typeface="Wingdings" pitchFamily="2" charset="2"/>
-              <a:buChar char="Ø"/>
-            </a:pPr>
-            <a:r>
-              <a:rPr lang="zh-CN" altLang="en-US" sz="2200" dirty="0">
-                <a:latin typeface="微软雅黑 Light" pitchFamily="34" charset="-122"/>
-                <a:ea typeface="微软雅黑 Light" pitchFamily="34" charset="-122"/>
-              </a:rPr>
-              <a:t>获取</a:t>
-            </a:r>
-            <a:r>
-              <a:rPr lang="zh-CN" altLang="en-US" sz="2200" dirty="0" smtClean="0">
-                <a:latin typeface="微软雅黑 Light" pitchFamily="34" charset="-122"/>
-                <a:ea typeface="微软雅黑 Light" pitchFamily="34" charset="-122"/>
-              </a:rPr>
-              <a:t>用户最高分</a:t>
-            </a:r>
-            <a:endParaRPr lang="en-US" altLang="zh-CN" sz="2200" dirty="0" smtClean="0">
-              <a:latin typeface="微软雅黑 Light" pitchFamily="34" charset="-122"/>
-              <a:ea typeface="微软雅黑 Light" pitchFamily="34" charset="-122"/>
-            </a:endParaRPr>
-          </a:p>
-          <a:p>
-            <a:pPr marL="342900" indent="-342900">
-              <a:buFont typeface="Wingdings" pitchFamily="2" charset="2"/>
-              <a:buChar char="Ø"/>
-            </a:pPr>
-            <a:r>
-              <a:rPr lang="zh-CN" altLang="en-US" sz="2200" dirty="0">
-                <a:latin typeface="微软雅黑 Light" pitchFamily="34" charset="-122"/>
-                <a:ea typeface="微软雅黑 Light" pitchFamily="34" charset="-122"/>
-              </a:rPr>
-              <a:t>获取用户</a:t>
-            </a:r>
-            <a:r>
-              <a:rPr lang="zh-CN" altLang="en-US" sz="2200" dirty="0" smtClean="0">
-                <a:latin typeface="微软雅黑 Light" pitchFamily="34" charset="-122"/>
-                <a:ea typeface="微软雅黑 Light" pitchFamily="34" charset="-122"/>
-              </a:rPr>
-              <a:t>皮肤解锁情况</a:t>
-            </a:r>
-            <a:endParaRPr lang="en-US" altLang="zh-CN" sz="2200" dirty="0" smtClean="0">
-              <a:latin typeface="微软雅黑 Light" pitchFamily="34" charset="-122"/>
-              <a:ea typeface="微软雅黑 Light" pitchFamily="34" charset="-122"/>
-            </a:endParaRPr>
+              <a:rPr lang="en-US" altLang="zh-CN" sz="1100" dirty="0"/>
+              <a:t>#</a:t>
+            </a:r>
+            <a:r>
+              <a:rPr lang="zh-CN" altLang="zh-CN" sz="1100" dirty="0"/>
+              <a:t>查看</a:t>
+            </a:r>
+            <a:r>
+              <a:rPr lang="zh-CN" altLang="zh-CN" sz="1100" dirty="0" smtClean="0"/>
+              <a:t>皮肤</a:t>
+            </a:r>
+            <a:endParaRPr lang="en-US" altLang="zh-CN" sz="1100" dirty="0" smtClean="0"/>
+          </a:p>
+          <a:p>
+            <a:endParaRPr lang="zh-CN" altLang="zh-CN" sz="1100" dirty="0"/>
+          </a:p>
+          <a:p>
+            <a:r>
+              <a:rPr lang="en-US" altLang="zh-CN" sz="1100" dirty="0"/>
+              <a:t>procedure &lt;</a:t>
+            </a:r>
+            <a:r>
+              <a:rPr lang="zh-CN" altLang="zh-CN" sz="1100" dirty="0"/>
+              <a:t>处理来自</a:t>
+            </a:r>
+            <a:r>
+              <a:rPr lang="en-US" altLang="zh-CN" sz="1100" dirty="0"/>
+              <a:t>/remark/</a:t>
+            </a:r>
+            <a:r>
+              <a:rPr lang="en-US" altLang="zh-CN" sz="1100" dirty="0" err="1"/>
+              <a:t>delete?id</a:t>
+            </a:r>
+            <a:r>
+              <a:rPr lang="en-US" altLang="zh-CN" sz="1100" dirty="0"/>
+              <a:t>=</a:t>
+            </a:r>
+            <a:r>
+              <a:rPr lang="zh-CN" altLang="zh-CN" sz="1100" dirty="0"/>
+              <a:t>的请求</a:t>
+            </a:r>
+            <a:r>
+              <a:rPr lang="en-US" altLang="zh-CN" sz="1100" dirty="0"/>
+              <a:t>&gt; interface&lt;http</a:t>
+            </a:r>
+            <a:r>
+              <a:rPr lang="zh-CN" altLang="zh-CN" sz="1100" dirty="0"/>
+              <a:t>请求对象</a:t>
+            </a:r>
+            <a:r>
+              <a:rPr lang="en-US" altLang="zh-CN" sz="1100" dirty="0"/>
+              <a:t>&gt; is</a:t>
+            </a:r>
+            <a:endParaRPr lang="zh-CN" altLang="zh-CN" sz="1100" dirty="0"/>
+          </a:p>
+          <a:p>
+            <a:r>
+              <a:rPr lang="en-US" altLang="zh-CN" sz="1100" dirty="0"/>
+              <a:t>begin</a:t>
+            </a:r>
+            <a:endParaRPr lang="zh-CN" altLang="zh-CN" sz="1100" dirty="0"/>
+          </a:p>
+          <a:p>
+            <a:r>
+              <a:rPr lang="en-US" altLang="zh-CN" sz="1100" dirty="0"/>
+              <a:t>    if &lt;</a:t>
+            </a:r>
+            <a:r>
+              <a:rPr lang="zh-CN" altLang="zh-CN" sz="1100" dirty="0"/>
+              <a:t>从</a:t>
+            </a:r>
+            <a:r>
+              <a:rPr lang="en-US" altLang="zh-CN" sz="1100" dirty="0"/>
+              <a:t>request</a:t>
+            </a:r>
+            <a:r>
+              <a:rPr lang="zh-CN" altLang="zh-CN" sz="1100" dirty="0"/>
+              <a:t>对象的</a:t>
+            </a:r>
+            <a:r>
+              <a:rPr lang="en-US" altLang="zh-CN" sz="1100" dirty="0"/>
+              <a:t>session</a:t>
+            </a:r>
+            <a:r>
+              <a:rPr lang="zh-CN" altLang="zh-CN" sz="1100" dirty="0"/>
+              <a:t>中得出没有皮肤</a:t>
+            </a:r>
+            <a:r>
+              <a:rPr lang="en-US" altLang="zh-CN" sz="1100" dirty="0"/>
+              <a:t>&gt; then</a:t>
+            </a:r>
+            <a:endParaRPr lang="zh-CN" altLang="zh-CN" sz="1100" dirty="0"/>
+          </a:p>
+          <a:p>
+            <a:r>
+              <a:rPr lang="en-US" altLang="zh-CN" sz="1100" dirty="0"/>
+              <a:t>        </a:t>
+            </a:r>
+            <a:r>
+              <a:rPr lang="zh-CN" altLang="zh-CN" sz="1100" dirty="0"/>
+              <a:t>显示‘没有皮肤’提示信息</a:t>
+            </a:r>
+          </a:p>
+          <a:p>
+            <a:r>
+              <a:rPr lang="en-US" altLang="zh-CN" sz="1100" dirty="0"/>
+              <a:t>    else if &lt;</a:t>
+            </a:r>
+            <a:r>
+              <a:rPr lang="zh-CN" altLang="zh-CN" sz="1100" dirty="0"/>
+              <a:t>请求不是</a:t>
+            </a:r>
+            <a:r>
+              <a:rPr lang="en-US" altLang="zh-CN" sz="1100" dirty="0"/>
+              <a:t>get</a:t>
+            </a:r>
+            <a:r>
+              <a:rPr lang="zh-CN" altLang="zh-CN" sz="1100" dirty="0"/>
+              <a:t>请求</a:t>
+            </a:r>
+            <a:r>
+              <a:rPr lang="en-US" altLang="zh-CN" sz="1100" dirty="0"/>
+              <a:t>&gt; then</a:t>
+            </a:r>
+            <a:endParaRPr lang="zh-CN" altLang="zh-CN" sz="1100" dirty="0"/>
+          </a:p>
+          <a:p>
+            <a:r>
+              <a:rPr lang="en-US" altLang="zh-CN" sz="1100" dirty="0"/>
+              <a:t>        raise 404</a:t>
+            </a:r>
+            <a:r>
+              <a:rPr lang="zh-CN" altLang="zh-CN" sz="1100" dirty="0"/>
+              <a:t>异常</a:t>
+            </a:r>
+          </a:p>
+          <a:p>
+            <a:r>
+              <a:rPr lang="en-US" altLang="zh-CN" sz="1100" dirty="0"/>
+              <a:t>    else #</a:t>
+            </a:r>
+            <a:r>
+              <a:rPr lang="zh-CN" altLang="zh-CN" sz="1100" dirty="0"/>
+              <a:t>请求是</a:t>
+            </a:r>
+            <a:r>
+              <a:rPr lang="en-US" altLang="zh-CN" sz="1100" dirty="0"/>
+              <a:t>get</a:t>
+            </a:r>
+            <a:r>
+              <a:rPr lang="zh-CN" altLang="zh-CN" sz="1100" dirty="0"/>
+              <a:t>请求</a:t>
+            </a:r>
+          </a:p>
+          <a:p>
+            <a:r>
+              <a:rPr lang="en-US" altLang="zh-CN" sz="1100" dirty="0"/>
+              <a:t>        if &lt;</a:t>
+            </a:r>
+            <a:r>
+              <a:rPr lang="zh-CN" altLang="zh-CN" sz="1100" dirty="0"/>
+              <a:t>请求信息不存在</a:t>
+            </a:r>
+            <a:r>
+              <a:rPr lang="en-US" altLang="zh-CN" sz="1100" dirty="0"/>
+              <a:t>&gt; then</a:t>
+            </a:r>
+            <a:endParaRPr lang="zh-CN" altLang="zh-CN" sz="1100" dirty="0"/>
+          </a:p>
+          <a:p>
+            <a:r>
+              <a:rPr lang="en-US" altLang="zh-CN" sz="1100" dirty="0"/>
+              <a:t>            </a:t>
+            </a:r>
+            <a:r>
+              <a:rPr lang="zh-CN" altLang="zh-CN" sz="1100" dirty="0"/>
+              <a:t>返回用户信息未找到出错页面</a:t>
+            </a:r>
+          </a:p>
+          <a:p>
+            <a:r>
+              <a:rPr lang="en-US" altLang="zh-CN" sz="1100" dirty="0"/>
+              <a:t>        begin &lt;</a:t>
+            </a:r>
+            <a:r>
+              <a:rPr lang="zh-CN" altLang="zh-CN" sz="1100" dirty="0"/>
+              <a:t>提取皮肤信息</a:t>
+            </a:r>
+            <a:r>
+              <a:rPr lang="en-US" altLang="zh-CN" sz="1100" dirty="0"/>
+              <a:t>&gt;</a:t>
+            </a:r>
+            <a:endParaRPr lang="zh-CN" altLang="zh-CN" sz="1100" dirty="0"/>
+          </a:p>
+          <a:p>
+            <a:r>
+              <a:rPr lang="en-US" altLang="zh-CN" sz="1100" dirty="0"/>
+              <a:t>            </a:t>
+            </a:r>
+            <a:r>
+              <a:rPr lang="zh-CN" altLang="zh-CN" sz="1100" dirty="0"/>
+              <a:t>从数据库提取当前用户已经获得皮肤相关信息</a:t>
+            </a:r>
+          </a:p>
+          <a:p>
+            <a:r>
+              <a:rPr lang="en-US" altLang="zh-CN" sz="1100" dirty="0"/>
+              <a:t>        end</a:t>
+            </a:r>
+            <a:endParaRPr lang="zh-CN" altLang="zh-CN" sz="1100" dirty="0"/>
+          </a:p>
+          <a:p>
+            <a:r>
+              <a:rPr lang="zh-CN" altLang="zh-CN" sz="1100" dirty="0"/>
+              <a:t>从数据库导出相应皮肤信息（通过查询语句）</a:t>
+            </a:r>
+          </a:p>
+          <a:p>
+            <a:r>
+              <a:rPr lang="en-US" altLang="zh-CN" sz="1100" dirty="0"/>
+              <a:t>             </a:t>
+            </a:r>
+            <a:r>
+              <a:rPr lang="zh-CN" altLang="zh-CN" sz="1100" dirty="0"/>
+              <a:t>返回‘查看界面’并显示该用户皮肤相关信息</a:t>
+            </a:r>
+          </a:p>
+          <a:p>
+            <a:r>
+              <a:rPr lang="en-US" altLang="zh-CN" sz="1100" dirty="0"/>
+              <a:t>end</a:t>
+            </a:r>
+            <a:endParaRPr lang="zh-CN" altLang="zh-CN" sz="1100" dirty="0"/>
           </a:p>
         </p:txBody>
       </p:sp>
     </p:spTree>
     <p:extLst>
       <p:ext uri="{BB962C8B-B14F-4D97-AF65-F5344CB8AC3E}">
-        <p14:creationId xmlns:p14="http://schemas.microsoft.com/office/powerpoint/2010/main" val="661409680"/>
+        <p14:creationId xmlns:p14="http://schemas.microsoft.com/office/powerpoint/2010/main" val="2394974620"/>
       </p:ext>
     </p:extLst>
   </p:cSld>
@@ -6696,7 +6567,7 @@
         <p:spPr bwMode="auto">
           <a:xfrm>
             <a:off x="1403338" y="1537874"/>
-            <a:ext cx="3024646" cy="584775"/>
+            <a:ext cx="5184886" cy="584775"/>
           </a:xfrm>
           <a:prstGeom prst="rect">
             <a:avLst/>
@@ -6732,7 +6603,7 @@
           <a:lstStyle/>
           <a:p>
             <a:r>
-              <a:rPr lang="zh-CN" altLang="en-US" sz="3200" b="1" dirty="0" smtClean="0">
+              <a:rPr lang="zh-CN" altLang="en-US" sz="3200" b="1" dirty="0">
                 <a:solidFill>
                   <a:srgbClr val="3A3838"/>
                 </a:solidFill>
@@ -6740,7 +6611,18 @@
                 <a:ea typeface="微软雅黑 Light" pitchFamily="34" charset="-122"/>
                 <a:sym typeface="方正仿宋简体" charset="-122"/>
               </a:rPr>
-              <a:t>模块具体流程</a:t>
+              <a:t>用户登录</a:t>
+            </a:r>
+            <a:r>
+              <a:rPr lang="zh-CN" altLang="en-US" sz="3200" b="1" dirty="0" smtClean="0">
+                <a:solidFill>
+                  <a:srgbClr val="3A3838"/>
+                </a:solidFill>
+                <a:latin typeface="微软雅黑 Light" pitchFamily="34" charset="-122"/>
+                <a:ea typeface="微软雅黑 Light" pitchFamily="34" charset="-122"/>
+                <a:sym typeface="方正仿宋简体" charset="-122"/>
+              </a:rPr>
+              <a:t>认证子系统</a:t>
             </a:r>
             <a:endParaRPr lang="en-US" sz="3200" b="1" dirty="0">
               <a:solidFill>
@@ -6762,7 +6644,7 @@
         <p:spPr>
           <a:xfrm>
             <a:off x="1475656" y="2137420"/>
-            <a:ext cx="6768752" cy="3554819"/>
+            <a:ext cx="6048672" cy="2185214"/>
           </a:xfrm>
           <a:prstGeom prst="rect">
             <a:avLst/>
@@ -6775,326 +6657,133 @@
           </a:bodyPr>
           <a:lstStyle/>
           <a:p>
-            <a:pPr>
-              <a:lnSpc>
-                <a:spcPct val="150000"/>
-              </a:lnSpc>
+            <a:r>
+              <a:rPr lang="zh-CN" altLang="en-US" sz="2400" dirty="0">
+                <a:latin typeface="微软雅黑 Light" pitchFamily="34" charset="-122"/>
+                <a:ea typeface="微软雅黑 Light" pitchFamily="34" charset="-122"/>
+              </a:rPr>
+              <a:t>概述：识别用户，获取用户信息</a:t>
+            </a:r>
+            <a:endParaRPr lang="en-US" altLang="zh-CN" sz="2400" dirty="0">
+              <a:latin typeface="微软雅黑 Light" pitchFamily="34" charset="-122"/>
+              <a:ea typeface="微软雅黑 Light" pitchFamily="34" charset="-122"/>
+            </a:endParaRPr>
+          </a:p>
+          <a:p>
+            <a:r>
+              <a:rPr lang="zh-CN" altLang="en-US" sz="2400" dirty="0" smtClean="0">
+                <a:latin typeface="微软雅黑 Light" pitchFamily="34" charset="-122"/>
+                <a:ea typeface="微软雅黑 Light" pitchFamily="34" charset="-122"/>
+              </a:rPr>
+              <a:t>功能</a:t>
+            </a:r>
+            <a:r>
+              <a:rPr lang="zh-CN" altLang="en-US" sz="2400" dirty="0" smtClean="0">
+                <a:latin typeface="微软雅黑 Light" pitchFamily="34" charset="-122"/>
+                <a:ea typeface="微软雅黑 Light" pitchFamily="34" charset="-122"/>
+              </a:rPr>
+              <a:t>：</a:t>
+            </a:r>
+            <a:endParaRPr lang="en-US" altLang="zh-CN" sz="2400" dirty="0" smtClean="0">
+              <a:latin typeface="微软雅黑 Light" pitchFamily="34" charset="-122"/>
+              <a:ea typeface="微软雅黑 Light" pitchFamily="34" charset="-122"/>
+            </a:endParaRPr>
+          </a:p>
+          <a:p>
+            <a:pPr marL="342900" indent="-342900">
+              <a:buFont typeface="Wingdings" pitchFamily="2" charset="2"/>
+              <a:buChar char="Ø"/>
             </a:pPr>
             <a:r>
-              <a:rPr lang="en-US" altLang="zh-CN" sz="1000" dirty="0"/>
-              <a:t>procedure &lt;</a:t>
-            </a:r>
-            <a:r>
-              <a:rPr lang="zh-CN" altLang="en-US" sz="1000" dirty="0"/>
-              <a:t>处理来自</a:t>
-            </a:r>
-            <a:r>
-              <a:rPr lang="en-US" altLang="zh-CN" sz="1000" dirty="0"/>
-              <a:t>/remark/</a:t>
-            </a:r>
-            <a:r>
-              <a:rPr lang="en-US" altLang="zh-CN" sz="1000" dirty="0" err="1"/>
-              <a:t>delete?id</a:t>
-            </a:r>
-            <a:r>
-              <a:rPr lang="en-US" altLang="zh-CN" sz="1000" dirty="0"/>
-              <a:t>=</a:t>
-            </a:r>
-            <a:r>
-              <a:rPr lang="zh-CN" altLang="en-US" sz="1000" dirty="0"/>
-              <a:t>的请求</a:t>
-            </a:r>
-            <a:r>
-              <a:rPr lang="en-US" altLang="zh-CN" sz="1000" dirty="0"/>
-              <a:t>&gt; interface&lt;http</a:t>
-            </a:r>
-            <a:r>
-              <a:rPr lang="zh-CN" altLang="en-US" sz="1000" dirty="0"/>
-              <a:t>请求对象</a:t>
-            </a:r>
-            <a:r>
-              <a:rPr lang="en-US" altLang="zh-CN" sz="1000" dirty="0"/>
-              <a:t>&gt; is</a:t>
-            </a:r>
-          </a:p>
-          <a:p>
-            <a:pPr>
-              <a:lnSpc>
-                <a:spcPct val="150000"/>
-              </a:lnSpc>
+              <a:rPr lang="zh-CN" altLang="en-US" sz="2200" dirty="0" smtClean="0">
+                <a:latin typeface="微软雅黑 Light" pitchFamily="34" charset="-122"/>
+                <a:ea typeface="微软雅黑 Light" pitchFamily="34" charset="-122"/>
+              </a:rPr>
+              <a:t>用户信息匹配</a:t>
+            </a:r>
+            <a:endParaRPr lang="en-US" altLang="zh-CN" sz="2200" dirty="0" smtClean="0">
+              <a:latin typeface="微软雅黑 Light" pitchFamily="34" charset="-122"/>
+              <a:ea typeface="微软雅黑 Light" pitchFamily="34" charset="-122"/>
+            </a:endParaRPr>
+          </a:p>
+          <a:p>
+            <a:pPr marL="342900" indent="-342900">
+              <a:buFont typeface="Wingdings" pitchFamily="2" charset="2"/>
+              <a:buChar char="Ø"/>
             </a:pPr>
             <a:r>
-              <a:rPr lang="en-US" altLang="zh-CN" sz="1000" dirty="0"/>
-              <a:t>begin</a:t>
-            </a:r>
-          </a:p>
-          <a:p>
-            <a:pPr>
-              <a:lnSpc>
-                <a:spcPct val="150000"/>
-              </a:lnSpc>
+              <a:rPr lang="zh-CN" altLang="en-US" sz="2200" dirty="0" smtClean="0">
+                <a:latin typeface="微软雅黑 Light" pitchFamily="34" charset="-122"/>
+                <a:ea typeface="微软雅黑 Light" pitchFamily="34" charset="-122"/>
+              </a:rPr>
+              <a:t>获取</a:t>
+            </a:r>
+            <a:r>
+              <a:rPr lang="zh-CN" altLang="en-US" sz="2200" dirty="0">
+                <a:latin typeface="微软雅黑 Light" pitchFamily="34" charset="-122"/>
+                <a:ea typeface="微软雅黑 Light" pitchFamily="34" charset="-122"/>
+              </a:rPr>
+              <a:t>用户游戏</a:t>
+            </a:r>
+            <a:r>
+              <a:rPr lang="zh-CN" altLang="en-US" sz="2200" dirty="0" smtClean="0">
+                <a:latin typeface="微软雅黑 Light" pitchFamily="34" charset="-122"/>
+                <a:ea typeface="微软雅黑 Light" pitchFamily="34" charset="-122"/>
+              </a:rPr>
+              <a:t>记录</a:t>
+            </a:r>
+            <a:endParaRPr lang="en-US" altLang="zh-CN" sz="2200" dirty="0" smtClean="0">
+              <a:latin typeface="微软雅黑 Light" pitchFamily="34" charset="-122"/>
+              <a:ea typeface="微软雅黑 Light" pitchFamily="34" charset="-122"/>
+            </a:endParaRPr>
+          </a:p>
+          <a:p>
+            <a:pPr marL="342900" indent="-342900">
+              <a:buFont typeface="Wingdings" pitchFamily="2" charset="2"/>
+              <a:buChar char="Ø"/>
             </a:pPr>
             <a:r>
-              <a:rPr lang="en-US" altLang="zh-CN" sz="1000" dirty="0"/>
-              <a:t>    if &lt;</a:t>
-            </a:r>
-            <a:r>
-              <a:rPr lang="zh-CN" altLang="en-US" sz="1000" dirty="0"/>
-              <a:t>从</a:t>
-            </a:r>
-            <a:r>
-              <a:rPr lang="en-US" altLang="zh-CN" sz="1000" dirty="0"/>
-              <a:t>request</a:t>
-            </a:r>
-            <a:r>
-              <a:rPr lang="zh-CN" altLang="en-US" sz="1000" dirty="0"/>
-              <a:t>对象的</a:t>
-            </a:r>
-            <a:r>
-              <a:rPr lang="en-US" altLang="zh-CN" sz="1000" dirty="0"/>
-              <a:t>session</a:t>
-            </a:r>
-            <a:r>
-              <a:rPr lang="zh-CN" altLang="en-US" sz="1000" dirty="0"/>
-              <a:t>中得出没有登录</a:t>
-            </a:r>
-            <a:r>
-              <a:rPr lang="en-US" altLang="zh-CN" sz="1000" dirty="0"/>
-              <a:t>&gt; then</a:t>
-            </a:r>
-          </a:p>
-          <a:p>
-            <a:pPr>
-              <a:lnSpc>
-                <a:spcPct val="150000"/>
-              </a:lnSpc>
+              <a:rPr lang="zh-CN" altLang="en-US" sz="2200" dirty="0">
+                <a:latin typeface="微软雅黑 Light" pitchFamily="34" charset="-122"/>
+                <a:ea typeface="微软雅黑 Light" pitchFamily="34" charset="-122"/>
+              </a:rPr>
+              <a:t>获取</a:t>
+            </a:r>
+            <a:r>
+              <a:rPr lang="zh-CN" altLang="en-US" sz="2200" dirty="0" smtClean="0">
+                <a:latin typeface="微软雅黑 Light" pitchFamily="34" charset="-122"/>
+                <a:ea typeface="微软雅黑 Light" pitchFamily="34" charset="-122"/>
+              </a:rPr>
+              <a:t>用户最高分</a:t>
+            </a:r>
+            <a:endParaRPr lang="en-US" altLang="zh-CN" sz="2200" dirty="0" smtClean="0">
+              <a:latin typeface="微软雅黑 Light" pitchFamily="34" charset="-122"/>
+              <a:ea typeface="微软雅黑 Light" pitchFamily="34" charset="-122"/>
+            </a:endParaRPr>
+          </a:p>
+          <a:p>
+            <a:pPr marL="342900" indent="-342900">
+              <a:buFont typeface="Wingdings" pitchFamily="2" charset="2"/>
+              <a:buChar char="Ø"/>
             </a:pPr>
             <a:r>
-              <a:rPr lang="en-US" altLang="zh-CN" sz="1000" dirty="0"/>
-              <a:t>        </a:t>
-            </a:r>
-            <a:r>
-              <a:rPr lang="zh-CN" altLang="en-US" sz="1000" dirty="0"/>
-              <a:t>重定向到‘非法操作’页面</a:t>
-            </a:r>
-          </a:p>
-          <a:p>
-            <a:pPr>
-              <a:lnSpc>
-                <a:spcPct val="150000"/>
-              </a:lnSpc>
-            </a:pPr>
-            <a:r>
-              <a:rPr lang="zh-CN" altLang="en-US" sz="1000" dirty="0"/>
-              <a:t>    </a:t>
-            </a:r>
-            <a:r>
-              <a:rPr lang="en-US" altLang="zh-CN" sz="1000" dirty="0"/>
-              <a:t>else if &lt;</a:t>
-            </a:r>
-            <a:r>
-              <a:rPr lang="zh-CN" altLang="en-US" sz="1000" dirty="0"/>
-              <a:t>请求不是</a:t>
-            </a:r>
-            <a:r>
-              <a:rPr lang="en-US" altLang="zh-CN" sz="1000" dirty="0"/>
-              <a:t>get</a:t>
-            </a:r>
-            <a:r>
-              <a:rPr lang="zh-CN" altLang="en-US" sz="1000" dirty="0"/>
-              <a:t>请求</a:t>
-            </a:r>
-            <a:r>
-              <a:rPr lang="en-US" altLang="zh-CN" sz="1000" dirty="0"/>
-              <a:t>&gt; then</a:t>
-            </a:r>
-          </a:p>
-          <a:p>
-            <a:pPr>
-              <a:lnSpc>
-                <a:spcPct val="150000"/>
-              </a:lnSpc>
-            </a:pPr>
-            <a:r>
-              <a:rPr lang="en-US" altLang="zh-CN" sz="1000" dirty="0"/>
-              <a:t>        raise 404</a:t>
-            </a:r>
-            <a:r>
-              <a:rPr lang="zh-CN" altLang="en-US" sz="1000" dirty="0"/>
-              <a:t>异常</a:t>
-            </a:r>
-          </a:p>
-          <a:p>
-            <a:pPr>
-              <a:lnSpc>
-                <a:spcPct val="150000"/>
-              </a:lnSpc>
-            </a:pPr>
-            <a:r>
-              <a:rPr lang="zh-CN" altLang="en-US" sz="1000" dirty="0"/>
-              <a:t>    </a:t>
-            </a:r>
-            <a:r>
-              <a:rPr lang="en-US" altLang="zh-CN" sz="1000" dirty="0"/>
-              <a:t>else #</a:t>
-            </a:r>
-            <a:r>
-              <a:rPr lang="zh-CN" altLang="en-US" sz="1000" dirty="0"/>
-              <a:t>请求是</a:t>
-            </a:r>
-            <a:r>
-              <a:rPr lang="en-US" altLang="zh-CN" sz="1000" dirty="0"/>
-              <a:t>get</a:t>
-            </a:r>
-            <a:r>
-              <a:rPr lang="zh-CN" altLang="en-US" sz="1000" dirty="0"/>
-              <a:t>请求</a:t>
-            </a:r>
-          </a:p>
-          <a:p>
-            <a:pPr>
-              <a:lnSpc>
-                <a:spcPct val="150000"/>
-              </a:lnSpc>
-            </a:pPr>
-            <a:r>
-              <a:rPr lang="zh-CN" altLang="en-US" sz="1000" dirty="0"/>
-              <a:t>        </a:t>
-            </a:r>
-            <a:r>
-              <a:rPr lang="en-US" altLang="zh-CN" sz="1000" dirty="0"/>
-              <a:t>if &lt;</a:t>
-            </a:r>
-            <a:r>
-              <a:rPr lang="zh-CN" altLang="en-US" sz="1000" dirty="0"/>
-              <a:t>请求用户不存在</a:t>
-            </a:r>
-            <a:r>
-              <a:rPr lang="en-US" altLang="zh-CN" sz="1000" dirty="0"/>
-              <a:t>&gt; then</a:t>
-            </a:r>
-          </a:p>
-          <a:p>
-            <a:pPr>
-              <a:lnSpc>
-                <a:spcPct val="150000"/>
-              </a:lnSpc>
-            </a:pPr>
-            <a:r>
-              <a:rPr lang="en-US" altLang="zh-CN" sz="1000" dirty="0"/>
-              <a:t>            </a:t>
-            </a:r>
-            <a:r>
-              <a:rPr lang="zh-CN" altLang="en-US" sz="1000" dirty="0"/>
-              <a:t>返回用户未找到出错页面</a:t>
-            </a:r>
-          </a:p>
-          <a:p>
-            <a:pPr>
-              <a:lnSpc>
-                <a:spcPct val="150000"/>
-              </a:lnSpc>
-            </a:pPr>
-            <a:r>
-              <a:rPr lang="zh-CN" altLang="en-US" sz="1000" dirty="0"/>
-              <a:t>        </a:t>
-            </a:r>
-            <a:r>
-              <a:rPr lang="en-US" altLang="zh-CN" sz="1000" dirty="0"/>
-              <a:t>begin &lt;</a:t>
-            </a:r>
-            <a:r>
-              <a:rPr lang="zh-CN" altLang="en-US" sz="1000" dirty="0"/>
-              <a:t>整合信息</a:t>
-            </a:r>
-            <a:r>
-              <a:rPr lang="en-US" altLang="zh-CN" sz="1000" dirty="0"/>
-              <a:t>&gt;</a:t>
-            </a:r>
-          </a:p>
-          <a:p>
-            <a:pPr>
-              <a:lnSpc>
-                <a:spcPct val="150000"/>
-              </a:lnSpc>
-            </a:pPr>
-            <a:r>
-              <a:rPr lang="en-US" altLang="zh-CN" sz="1000" dirty="0"/>
-              <a:t>           </a:t>
-            </a:r>
-            <a:r>
-              <a:rPr lang="zh-CN" altLang="en-US" sz="1000" dirty="0"/>
-              <a:t>将</a:t>
-            </a:r>
-            <a:r>
-              <a:rPr lang="en-US" altLang="zh-CN" sz="1000" dirty="0"/>
-              <a:t>code</a:t>
-            </a:r>
-            <a:r>
-              <a:rPr lang="zh-CN" altLang="en-US" sz="1000" dirty="0"/>
-              <a:t>和服务器小程序相关</a:t>
-            </a:r>
-            <a:r>
-              <a:rPr lang="en-US" altLang="zh-CN" sz="1000" dirty="0"/>
-              <a:t>id</a:t>
-            </a:r>
-            <a:r>
-              <a:rPr lang="zh-CN" altLang="en-US" sz="1000" dirty="0"/>
-              <a:t>等等准备发送至微信服务接口</a:t>
-            </a:r>
-          </a:p>
-          <a:p>
-            <a:pPr>
-              <a:lnSpc>
-                <a:spcPct val="150000"/>
-              </a:lnSpc>
-            </a:pPr>
-            <a:r>
-              <a:rPr lang="zh-CN" altLang="en-US" sz="1000" dirty="0"/>
-              <a:t>        </a:t>
-            </a:r>
-            <a:r>
-              <a:rPr lang="en-US" altLang="zh-CN" sz="1000" dirty="0"/>
-              <a:t>end</a:t>
-            </a:r>
-          </a:p>
-          <a:p>
-            <a:pPr>
-              <a:lnSpc>
-                <a:spcPct val="150000"/>
-              </a:lnSpc>
-            </a:pPr>
-            <a:r>
-              <a:rPr lang="en-US" altLang="zh-CN" sz="1000" dirty="0"/>
-              <a:t>     </a:t>
-            </a:r>
-            <a:r>
-              <a:rPr lang="zh-CN" altLang="en-US" sz="1000" dirty="0"/>
-              <a:t>微信服务接口接收信息成功，产生相应反馈</a:t>
-            </a:r>
-          </a:p>
-          <a:p>
-            <a:pPr>
-              <a:lnSpc>
-                <a:spcPct val="150000"/>
-              </a:lnSpc>
-            </a:pPr>
-            <a:r>
-              <a:rPr lang="zh-CN" altLang="en-US" sz="1000" dirty="0"/>
-              <a:t>用户登录成功</a:t>
-            </a:r>
-          </a:p>
-          <a:p>
-            <a:pPr>
-              <a:lnSpc>
-                <a:spcPct val="150000"/>
-              </a:lnSpc>
-            </a:pPr>
-            <a:r>
-              <a:rPr lang="en-US" altLang="zh-CN" sz="1000" dirty="0"/>
-              <a:t>end</a:t>
-            </a:r>
-            <a:endParaRPr lang="en-US" altLang="zh-CN" sz="1000" dirty="0"/>
+              <a:rPr lang="zh-CN" altLang="en-US" sz="2200" dirty="0">
+                <a:latin typeface="微软雅黑 Light" pitchFamily="34" charset="-122"/>
+                <a:ea typeface="微软雅黑 Light" pitchFamily="34" charset="-122"/>
+              </a:rPr>
+              <a:t>获取用户</a:t>
+            </a:r>
+            <a:r>
+              <a:rPr lang="zh-CN" altLang="en-US" sz="2200" dirty="0" smtClean="0">
+                <a:latin typeface="微软雅黑 Light" pitchFamily="34" charset="-122"/>
+                <a:ea typeface="微软雅黑 Light" pitchFamily="34" charset="-122"/>
+              </a:rPr>
+              <a:t>皮肤解锁情况</a:t>
+            </a:r>
+            <a:endParaRPr lang="en-US" altLang="zh-CN" sz="2200" dirty="0" smtClean="0">
+              <a:latin typeface="微软雅黑 Light" pitchFamily="34" charset="-122"/>
+              <a:ea typeface="微软雅黑 Light" pitchFamily="34" charset="-122"/>
+            </a:endParaRPr>
           </a:p>
         </p:txBody>
       </p:sp>
@@ -7241,7 +6930,7 @@
         <p:spPr bwMode="auto">
           <a:xfrm>
             <a:off x="1403338" y="1537874"/>
-            <a:ext cx="3672718" cy="584775"/>
+            <a:ext cx="3024646" cy="584775"/>
           </a:xfrm>
           <a:prstGeom prst="rect">
             <a:avLst/>
@@ -7277,7 +6966,7 @@
           <a:lstStyle/>
           <a:p>
             <a:r>
-              <a:rPr lang="zh-CN" altLang="en-US" sz="3200" b="1" dirty="0">
+              <a:rPr lang="zh-CN" altLang="en-US" sz="3200" b="1" dirty="0" smtClean="0">
                 <a:solidFill>
                   <a:srgbClr val="3A3838"/>
                 </a:solidFill>
@@ -7285,18 +6974,7 @@
                 <a:ea typeface="微软雅黑 Light" pitchFamily="34" charset="-122"/>
                 <a:sym typeface="方正仿宋简体" charset="-122"/>
               </a:rPr>
-              <a:t>信息</a:t>
-            </a:r>
-            <a:r>
-              <a:rPr lang="zh-CN" altLang="en-US" sz="3200" b="1" dirty="0" smtClean="0">
-                <a:solidFill>
-                  <a:srgbClr val="3A3838"/>
-                </a:solidFill>
-                <a:latin typeface="微软雅黑 Light" pitchFamily="34" charset="-122"/>
-                <a:ea typeface="微软雅黑 Light" pitchFamily="34" charset="-122"/>
-                <a:sym typeface="方正仿宋简体" charset="-122"/>
-              </a:rPr>
-              <a:t>更新子系统</a:t>
+              <a:t>模块具体流程</a:t>
             </a:r>
             <a:endParaRPr lang="en-US" sz="3200" b="1" dirty="0">
               <a:solidFill>
@@ -7311,14 +6989,14 @@
       </p:sp>
       <p:sp>
         <p:nvSpPr>
-          <p:cNvPr id="6" name="TextBox 5"/>
+          <p:cNvPr id="17" name="TextBox 16"/>
           <p:cNvSpPr txBox="1"/>
           <p:nvPr/>
         </p:nvSpPr>
         <p:spPr>
           <a:xfrm>
             <a:off x="1475656" y="2137420"/>
-            <a:ext cx="6048672" cy="2616101"/>
+            <a:ext cx="6768752" cy="3554819"/>
           </a:xfrm>
           <a:prstGeom prst="rect">
             <a:avLst/>
@@ -7331,81 +7009,326 @@
           </a:bodyPr>
           <a:lstStyle/>
           <a:p>
-            <a:r>
-              <a:rPr lang="zh-CN" altLang="en-US" sz="2400" dirty="0">
-                <a:latin typeface="微软雅黑 Light" pitchFamily="34" charset="-122"/>
-                <a:ea typeface="微软雅黑 Light" pitchFamily="34" charset="-122"/>
-              </a:rPr>
-              <a:t>概述：位于服务器端，关于游戏结束后从数据库将用户上次游戏的积分调出</a:t>
-            </a:r>
-            <a:r>
-              <a:rPr lang="zh-CN" altLang="en-US" sz="2400" dirty="0" smtClean="0">
-                <a:latin typeface="微软雅黑 Light" pitchFamily="34" charset="-122"/>
-                <a:ea typeface="微软雅黑 Light" pitchFamily="34" charset="-122"/>
-              </a:rPr>
-              <a:t>；位于</a:t>
-            </a:r>
-            <a:r>
-              <a:rPr lang="zh-CN" altLang="en-US" sz="2400" dirty="0">
-                <a:latin typeface="微软雅黑 Light" pitchFamily="34" charset="-122"/>
-                <a:ea typeface="微软雅黑 Light" pitchFamily="34" charset="-122"/>
-              </a:rPr>
-              <a:t>服务器端，关于游戏结束后从数据库将用户最新游戏的积分和皮肤信息更新。</a:t>
-            </a:r>
-          </a:p>
-          <a:p>
-            <a:r>
-              <a:rPr lang="zh-CN" altLang="en-US" sz="2400" dirty="0" smtClean="0">
-                <a:latin typeface="微软雅黑 Light" pitchFamily="34" charset="-122"/>
-                <a:ea typeface="微软雅黑 Light" pitchFamily="34" charset="-122"/>
-              </a:rPr>
-              <a:t>功能</a:t>
-            </a:r>
-            <a:r>
-              <a:rPr lang="zh-CN" altLang="en-US" sz="2400" dirty="0" smtClean="0">
-                <a:latin typeface="微软雅黑 Light" pitchFamily="34" charset="-122"/>
-                <a:ea typeface="微软雅黑 Light" pitchFamily="34" charset="-122"/>
-              </a:rPr>
-              <a:t>：</a:t>
-            </a:r>
-            <a:endParaRPr lang="en-US" altLang="zh-CN" sz="2400" dirty="0" smtClean="0">
-              <a:latin typeface="微软雅黑 Light" pitchFamily="34" charset="-122"/>
-              <a:ea typeface="微软雅黑 Light" pitchFamily="34" charset="-122"/>
-            </a:endParaRPr>
-          </a:p>
-          <a:p>
-            <a:pPr marL="342900" indent="-342900">
-              <a:buFont typeface="Wingdings" pitchFamily="2" charset="2"/>
-              <a:buChar char="Ø"/>
+            <a:pPr>
+              <a:lnSpc>
+                <a:spcPct val="150000"/>
+              </a:lnSpc>
             </a:pPr>
             <a:r>
-              <a:rPr lang="zh-CN" altLang="en-US" sz="2200" dirty="0" smtClean="0">
-                <a:latin typeface="微软雅黑 Light" pitchFamily="34" charset="-122"/>
-                <a:ea typeface="微软雅黑 Light" pitchFamily="34" charset="-122"/>
-              </a:rPr>
-              <a:t>获取用户最高得分和皮肤信息</a:t>
-            </a:r>
-            <a:endParaRPr lang="en-US" altLang="zh-CN" sz="2200" dirty="0" smtClean="0">
-              <a:latin typeface="微软雅黑 Light" pitchFamily="34" charset="-122"/>
-              <a:ea typeface="微软雅黑 Light" pitchFamily="34" charset="-122"/>
-            </a:endParaRPr>
-          </a:p>
-          <a:p>
-            <a:pPr marL="342900" indent="-342900">
-              <a:buFont typeface="Wingdings" pitchFamily="2" charset="2"/>
-              <a:buChar char="Ø"/>
+              <a:rPr lang="en-US" altLang="zh-CN" sz="1000" dirty="0"/>
+              <a:t>procedure &lt;</a:t>
+            </a:r>
+            <a:r>
+              <a:rPr lang="zh-CN" altLang="en-US" sz="1000" dirty="0"/>
+              <a:t>处理来自</a:t>
+            </a:r>
+            <a:r>
+              <a:rPr lang="en-US" altLang="zh-CN" sz="1000" dirty="0"/>
+              <a:t>/remark/</a:t>
+            </a:r>
+            <a:r>
+              <a:rPr lang="en-US" altLang="zh-CN" sz="1000" dirty="0" err="1"/>
+              <a:t>delete?id</a:t>
+            </a:r>
+            <a:r>
+              <a:rPr lang="en-US" altLang="zh-CN" sz="1000" dirty="0"/>
+              <a:t>=</a:t>
+            </a:r>
+            <a:r>
+              <a:rPr lang="zh-CN" altLang="en-US" sz="1000" dirty="0"/>
+              <a:t>的请求</a:t>
+            </a:r>
+            <a:r>
+              <a:rPr lang="en-US" altLang="zh-CN" sz="1000" dirty="0"/>
+              <a:t>&gt; interface&lt;http</a:t>
+            </a:r>
+            <a:r>
+              <a:rPr lang="zh-CN" altLang="en-US" sz="1000" dirty="0"/>
+              <a:t>请求对象</a:t>
+            </a:r>
+            <a:r>
+              <a:rPr lang="en-US" altLang="zh-CN" sz="1000" dirty="0"/>
+              <a:t>&gt; is</a:t>
+            </a:r>
+          </a:p>
+          <a:p>
+            <a:pPr>
+              <a:lnSpc>
+                <a:spcPct val="150000"/>
+              </a:lnSpc>
             </a:pPr>
             <a:r>
-              <a:rPr lang="zh-CN" altLang="en-US" sz="2200" dirty="0" smtClean="0">
-                <a:latin typeface="微软雅黑 Light" pitchFamily="34" charset="-122"/>
-                <a:ea typeface="微软雅黑 Light" pitchFamily="34" charset="-122"/>
-              </a:rPr>
-              <a:t>更新用户最高得分和皮肤信息</a:t>
-            </a:r>
-            <a:endParaRPr lang="en-US" altLang="zh-CN" sz="2200" dirty="0" smtClean="0">
-              <a:latin typeface="微软雅黑 Light" pitchFamily="34" charset="-122"/>
-              <a:ea typeface="微软雅黑 Light" pitchFamily="34" charset="-122"/>
-            </a:endParaRPr>
+              <a:rPr lang="en-US" altLang="zh-CN" sz="1000" dirty="0"/>
+              <a:t>begin</a:t>
+            </a:r>
+          </a:p>
+          <a:p>
+            <a:pPr>
+              <a:lnSpc>
+                <a:spcPct val="150000"/>
+              </a:lnSpc>
+            </a:pPr>
+            <a:r>
+              <a:rPr lang="en-US" altLang="zh-CN" sz="1000" dirty="0"/>
+              <a:t>    if &lt;</a:t>
+            </a:r>
+            <a:r>
+              <a:rPr lang="zh-CN" altLang="en-US" sz="1000" dirty="0"/>
+              <a:t>从</a:t>
+            </a:r>
+            <a:r>
+              <a:rPr lang="en-US" altLang="zh-CN" sz="1000" dirty="0"/>
+              <a:t>request</a:t>
+            </a:r>
+            <a:r>
+              <a:rPr lang="zh-CN" altLang="en-US" sz="1000" dirty="0"/>
+              <a:t>对象的</a:t>
+            </a:r>
+            <a:r>
+              <a:rPr lang="en-US" altLang="zh-CN" sz="1000" dirty="0"/>
+              <a:t>session</a:t>
+            </a:r>
+            <a:r>
+              <a:rPr lang="zh-CN" altLang="en-US" sz="1000" dirty="0"/>
+              <a:t>中得出没有登录</a:t>
+            </a:r>
+            <a:r>
+              <a:rPr lang="en-US" altLang="zh-CN" sz="1000" dirty="0"/>
+              <a:t>&gt; then</a:t>
+            </a:r>
+          </a:p>
+          <a:p>
+            <a:pPr>
+              <a:lnSpc>
+                <a:spcPct val="150000"/>
+              </a:lnSpc>
+            </a:pPr>
+            <a:r>
+              <a:rPr lang="en-US" altLang="zh-CN" sz="1000" dirty="0"/>
+              <a:t>        </a:t>
+            </a:r>
+            <a:r>
+              <a:rPr lang="zh-CN" altLang="en-US" sz="1000" dirty="0"/>
+              <a:t>重定向到‘非法操作’页面</a:t>
+            </a:r>
+          </a:p>
+          <a:p>
+            <a:pPr>
+              <a:lnSpc>
+                <a:spcPct val="150000"/>
+              </a:lnSpc>
+            </a:pPr>
+            <a:r>
+              <a:rPr lang="zh-CN" altLang="en-US" sz="1000" dirty="0"/>
+              <a:t>    </a:t>
+            </a:r>
+            <a:r>
+              <a:rPr lang="en-US" altLang="zh-CN" sz="1000" dirty="0"/>
+              <a:t>else if &lt;</a:t>
+            </a:r>
+            <a:r>
+              <a:rPr lang="zh-CN" altLang="en-US" sz="1000" dirty="0"/>
+              <a:t>请求不是</a:t>
+            </a:r>
+            <a:r>
+              <a:rPr lang="en-US" altLang="zh-CN" sz="1000" dirty="0"/>
+              <a:t>get</a:t>
+            </a:r>
+            <a:r>
+              <a:rPr lang="zh-CN" altLang="en-US" sz="1000" dirty="0"/>
+              <a:t>请求</a:t>
+            </a:r>
+            <a:r>
+              <a:rPr lang="en-US" altLang="zh-CN" sz="1000" dirty="0"/>
+              <a:t>&gt; then</a:t>
+            </a:r>
+          </a:p>
+          <a:p>
+            <a:pPr>
+              <a:lnSpc>
+                <a:spcPct val="150000"/>
+              </a:lnSpc>
+            </a:pPr>
+            <a:r>
+              <a:rPr lang="en-US" altLang="zh-CN" sz="1000" dirty="0"/>
+              <a:t>        raise 404</a:t>
+            </a:r>
+            <a:r>
+              <a:rPr lang="zh-CN" altLang="en-US" sz="1000" dirty="0"/>
+              <a:t>异常</a:t>
+            </a:r>
+          </a:p>
+          <a:p>
+            <a:pPr>
+              <a:lnSpc>
+                <a:spcPct val="150000"/>
+              </a:lnSpc>
+            </a:pPr>
+            <a:r>
+              <a:rPr lang="zh-CN" altLang="en-US" sz="1000" dirty="0"/>
+              <a:t>    </a:t>
+            </a:r>
+            <a:r>
+              <a:rPr lang="en-US" altLang="zh-CN" sz="1000" dirty="0"/>
+              <a:t>else #</a:t>
+            </a:r>
+            <a:r>
+              <a:rPr lang="zh-CN" altLang="en-US" sz="1000" dirty="0"/>
+              <a:t>请求是</a:t>
+            </a:r>
+            <a:r>
+              <a:rPr lang="en-US" altLang="zh-CN" sz="1000" dirty="0"/>
+              <a:t>get</a:t>
+            </a:r>
+            <a:r>
+              <a:rPr lang="zh-CN" altLang="en-US" sz="1000" dirty="0"/>
+              <a:t>请求</a:t>
+            </a:r>
+          </a:p>
+          <a:p>
+            <a:pPr>
+              <a:lnSpc>
+                <a:spcPct val="150000"/>
+              </a:lnSpc>
+            </a:pPr>
+            <a:r>
+              <a:rPr lang="zh-CN" altLang="en-US" sz="1000" dirty="0"/>
+              <a:t>        </a:t>
+            </a:r>
+            <a:r>
+              <a:rPr lang="en-US" altLang="zh-CN" sz="1000" dirty="0"/>
+              <a:t>if &lt;</a:t>
+            </a:r>
+            <a:r>
+              <a:rPr lang="zh-CN" altLang="en-US" sz="1000" dirty="0"/>
+              <a:t>请求用户不存在</a:t>
+            </a:r>
+            <a:r>
+              <a:rPr lang="en-US" altLang="zh-CN" sz="1000" dirty="0"/>
+              <a:t>&gt; then</a:t>
+            </a:r>
+          </a:p>
+          <a:p>
+            <a:pPr>
+              <a:lnSpc>
+                <a:spcPct val="150000"/>
+              </a:lnSpc>
+            </a:pPr>
+            <a:r>
+              <a:rPr lang="en-US" altLang="zh-CN" sz="1000" dirty="0"/>
+              <a:t>            </a:t>
+            </a:r>
+            <a:r>
+              <a:rPr lang="zh-CN" altLang="en-US" sz="1000" dirty="0"/>
+              <a:t>返回用户未找到出错页面</a:t>
+            </a:r>
+          </a:p>
+          <a:p>
+            <a:pPr>
+              <a:lnSpc>
+                <a:spcPct val="150000"/>
+              </a:lnSpc>
+            </a:pPr>
+            <a:r>
+              <a:rPr lang="zh-CN" altLang="en-US" sz="1000" dirty="0"/>
+              <a:t>        </a:t>
+            </a:r>
+            <a:r>
+              <a:rPr lang="en-US" altLang="zh-CN" sz="1000" dirty="0"/>
+              <a:t>begin &lt;</a:t>
+            </a:r>
+            <a:r>
+              <a:rPr lang="zh-CN" altLang="en-US" sz="1000" dirty="0"/>
+              <a:t>整合信息</a:t>
+            </a:r>
+            <a:r>
+              <a:rPr lang="en-US" altLang="zh-CN" sz="1000" dirty="0"/>
+              <a:t>&gt;</a:t>
+            </a:r>
+          </a:p>
+          <a:p>
+            <a:pPr>
+              <a:lnSpc>
+                <a:spcPct val="150000"/>
+              </a:lnSpc>
+            </a:pPr>
+            <a:r>
+              <a:rPr lang="en-US" altLang="zh-CN" sz="1000" dirty="0"/>
+              <a:t>           </a:t>
+            </a:r>
+            <a:r>
+              <a:rPr lang="zh-CN" altLang="en-US" sz="1000" dirty="0"/>
+              <a:t>将</a:t>
+            </a:r>
+            <a:r>
+              <a:rPr lang="en-US" altLang="zh-CN" sz="1000" dirty="0"/>
+              <a:t>code</a:t>
+            </a:r>
+            <a:r>
+              <a:rPr lang="zh-CN" altLang="en-US" sz="1000" dirty="0"/>
+              <a:t>和服务器小程序相关</a:t>
+            </a:r>
+            <a:r>
+              <a:rPr lang="en-US" altLang="zh-CN" sz="1000" dirty="0"/>
+              <a:t>id</a:t>
+            </a:r>
+            <a:r>
+              <a:rPr lang="zh-CN" altLang="en-US" sz="1000" dirty="0"/>
+              <a:t>等等准备发送至微信服务接口</a:t>
+            </a:r>
+          </a:p>
+          <a:p>
+            <a:pPr>
+              <a:lnSpc>
+                <a:spcPct val="150000"/>
+              </a:lnSpc>
+            </a:pPr>
+            <a:r>
+              <a:rPr lang="zh-CN" altLang="en-US" sz="1000" dirty="0"/>
+              <a:t>        </a:t>
+            </a:r>
+            <a:r>
+              <a:rPr lang="en-US" altLang="zh-CN" sz="1000" dirty="0"/>
+              <a:t>end</a:t>
+            </a:r>
+          </a:p>
+          <a:p>
+            <a:pPr>
+              <a:lnSpc>
+                <a:spcPct val="150000"/>
+              </a:lnSpc>
+            </a:pPr>
+            <a:r>
+              <a:rPr lang="en-US" altLang="zh-CN" sz="1000" dirty="0"/>
+              <a:t>     </a:t>
+            </a:r>
+            <a:r>
+              <a:rPr lang="zh-CN" altLang="en-US" sz="1000" dirty="0"/>
+              <a:t>微信服务接口接收信息成功，产生相应反馈</a:t>
+            </a:r>
+          </a:p>
+          <a:p>
+            <a:pPr>
+              <a:lnSpc>
+                <a:spcPct val="150000"/>
+              </a:lnSpc>
+            </a:pPr>
+            <a:r>
+              <a:rPr lang="zh-CN" altLang="en-US" sz="1000" dirty="0"/>
+              <a:t>用户登录成功</a:t>
+            </a:r>
+          </a:p>
+          <a:p>
+            <a:pPr>
+              <a:lnSpc>
+                <a:spcPct val="150000"/>
+              </a:lnSpc>
+            </a:pPr>
+            <a:r>
+              <a:rPr lang="en-US" altLang="zh-CN" sz="1000" dirty="0"/>
+              <a:t>end</a:t>
+            </a:r>
+            <a:endParaRPr lang="en-US" altLang="zh-CN" sz="1000" dirty="0"/>
           </a:p>
         </p:txBody>
       </p:sp>
@@ -7552,7 +7475,7 @@
         <p:spPr bwMode="auto">
           <a:xfrm>
             <a:off x="1403338" y="1537874"/>
-            <a:ext cx="3024646" cy="584775"/>
+            <a:ext cx="3672718" cy="584775"/>
           </a:xfrm>
           <a:prstGeom prst="rect">
             <a:avLst/>
@@ -7588,7 +7511,7 @@
           <a:lstStyle/>
           <a:p>
             <a:r>
-              <a:rPr lang="zh-CN" altLang="en-US" sz="3200" b="1" dirty="0" smtClean="0">
+              <a:rPr lang="zh-CN" altLang="en-US" sz="3200" b="1" dirty="0">
                 <a:solidFill>
                   <a:srgbClr val="3A3838"/>
                 </a:solidFill>
@@ -7596,7 +7519,18 @@
                 <a:ea typeface="微软雅黑 Light" pitchFamily="34" charset="-122"/>
                 <a:sym typeface="方正仿宋简体" charset="-122"/>
               </a:rPr>
-              <a:t>模块具体流程</a:t>
+              <a:t>信息</a:t>
+            </a:r>
+            <a:r>
+              <a:rPr lang="zh-CN" altLang="en-US" sz="3200" b="1" dirty="0" smtClean="0">
+                <a:solidFill>
+                  <a:srgbClr val="3A3838"/>
+                </a:solidFill>
+                <a:latin typeface="微软雅黑 Light" pitchFamily="34" charset="-122"/>
+                <a:ea typeface="微软雅黑 Light" pitchFamily="34" charset="-122"/>
+                <a:sym typeface="方正仿宋简体" charset="-122"/>
+              </a:rPr>
+              <a:t>更新子系统</a:t>
             </a:r>
             <a:endParaRPr lang="en-US" sz="3200" b="1" dirty="0">
               <a:solidFill>
@@ -7611,14 +7545,14 @@
       </p:sp>
       <p:sp>
         <p:nvSpPr>
-          <p:cNvPr id="17" name="TextBox 16"/>
+          <p:cNvPr id="6" name="TextBox 5"/>
           <p:cNvSpPr txBox="1"/>
           <p:nvPr/>
         </p:nvSpPr>
         <p:spPr>
           <a:xfrm>
             <a:off x="1475656" y="2137420"/>
-            <a:ext cx="6768752" cy="3397277"/>
+            <a:ext cx="6048672" cy="2616101"/>
           </a:xfrm>
           <a:prstGeom prst="rect">
             <a:avLst/>
@@ -7631,458 +7565,88 @@
           </a:bodyPr>
           <a:lstStyle/>
           <a:p>
-            <a:pPr>
-              <a:lnSpc>
-                <a:spcPct val="150000"/>
-              </a:lnSpc>
+            <a:r>
+              <a:rPr lang="zh-CN" altLang="en-US" sz="2400" dirty="0">
+                <a:latin typeface="微软雅黑 Light" pitchFamily="34" charset="-122"/>
+                <a:ea typeface="微软雅黑 Light" pitchFamily="34" charset="-122"/>
+              </a:rPr>
+              <a:t>概述：位于服务器端，关于游戏结束后从数据库将用户上次游戏的积分调出</a:t>
+            </a:r>
+            <a:r>
+              <a:rPr lang="zh-CN" altLang="en-US" sz="2400" dirty="0" smtClean="0">
+                <a:latin typeface="微软雅黑 Light" pitchFamily="34" charset="-122"/>
+                <a:ea typeface="微软雅黑 Light" pitchFamily="34" charset="-122"/>
+              </a:rPr>
+              <a:t>；位于</a:t>
+            </a:r>
+            <a:r>
+              <a:rPr lang="zh-CN" altLang="en-US" sz="2400" dirty="0">
+                <a:latin typeface="微软雅黑 Light" pitchFamily="34" charset="-122"/>
+                <a:ea typeface="微软雅黑 Light" pitchFamily="34" charset="-122"/>
+              </a:rPr>
+              <a:t>服务器端，关于游戏结束后从数据库将用户最新游戏的积分和皮肤信息更新。</a:t>
+            </a:r>
+          </a:p>
+          <a:p>
+            <a:r>
+              <a:rPr lang="zh-CN" altLang="en-US" sz="2400" dirty="0" smtClean="0">
+                <a:latin typeface="微软雅黑 Light" pitchFamily="34" charset="-122"/>
+                <a:ea typeface="微软雅黑 Light" pitchFamily="34" charset="-122"/>
+              </a:rPr>
+              <a:t>功能</a:t>
+            </a:r>
+            <a:r>
+              <a:rPr lang="zh-CN" altLang="en-US" sz="2400" dirty="0" smtClean="0">
+                <a:latin typeface="微软雅黑 Light" pitchFamily="34" charset="-122"/>
+                <a:ea typeface="微软雅黑 Light" pitchFamily="34" charset="-122"/>
+              </a:rPr>
+              <a:t>：</a:t>
+            </a:r>
+            <a:endParaRPr lang="en-US" altLang="zh-CN" sz="2400" dirty="0" smtClean="0">
+              <a:latin typeface="微软雅黑 Light" pitchFamily="34" charset="-122"/>
+              <a:ea typeface="微软雅黑 Light" pitchFamily="34" charset="-122"/>
+            </a:endParaRPr>
+          </a:p>
+          <a:p>
+            <a:pPr marL="342900" indent="-342900">
+              <a:buFont typeface="Wingdings" pitchFamily="2" charset="2"/>
+              <a:buChar char="Ø"/>
             </a:pPr>
             <a:r>
-              <a:rPr lang="en-US" altLang="zh-CN" sz="800" dirty="0"/>
-              <a:t>#</a:t>
-            </a:r>
-            <a:r>
-              <a:rPr lang="zh-CN" altLang="en-US" sz="800" dirty="0"/>
-              <a:t>积分提取</a:t>
-            </a:r>
-          </a:p>
-          <a:p>
-            <a:pPr>
-              <a:lnSpc>
-                <a:spcPct val="150000"/>
-              </a:lnSpc>
+              <a:rPr lang="zh-CN" altLang="en-US" sz="2200" dirty="0" smtClean="0">
+                <a:latin typeface="微软雅黑 Light" pitchFamily="34" charset="-122"/>
+                <a:ea typeface="微软雅黑 Light" pitchFamily="34" charset="-122"/>
+              </a:rPr>
+              <a:t>获取用户最高得分和皮肤信息</a:t>
+            </a:r>
+            <a:endParaRPr lang="en-US" altLang="zh-CN" sz="2200" dirty="0" smtClean="0">
+              <a:latin typeface="微软雅黑 Light" pitchFamily="34" charset="-122"/>
+              <a:ea typeface="微软雅黑 Light" pitchFamily="34" charset="-122"/>
+            </a:endParaRPr>
+          </a:p>
+          <a:p>
+            <a:pPr marL="342900" indent="-342900">
+              <a:buFont typeface="Wingdings" pitchFamily="2" charset="2"/>
+              <a:buChar char="Ø"/>
             </a:pPr>
             <a:r>
-              <a:rPr lang="en-US" altLang="zh-CN" sz="800" dirty="0"/>
-              <a:t>procedure &lt;</a:t>
-            </a:r>
-            <a:r>
-              <a:rPr lang="zh-CN" altLang="en-US" sz="800" dirty="0"/>
-              <a:t>处理来自</a:t>
-            </a:r>
-            <a:r>
-              <a:rPr lang="en-US" altLang="zh-CN" sz="800" dirty="0"/>
-              <a:t>/remark</a:t>
-            </a:r>
-            <a:r>
-              <a:rPr lang="zh-CN" altLang="en-US" sz="800" dirty="0"/>
-              <a:t>的请求</a:t>
-            </a:r>
-            <a:r>
-              <a:rPr lang="en-US" altLang="zh-CN" sz="800" dirty="0"/>
-              <a:t>&gt; interface&lt;http</a:t>
-            </a:r>
-            <a:r>
-              <a:rPr lang="zh-CN" altLang="en-US" sz="800" dirty="0"/>
-              <a:t>请求对象</a:t>
-            </a:r>
-            <a:r>
-              <a:rPr lang="en-US" altLang="zh-CN" sz="800" dirty="0"/>
-              <a:t>&gt; is</a:t>
-            </a:r>
-          </a:p>
-          <a:p>
-            <a:pPr>
-              <a:lnSpc>
-                <a:spcPct val="150000"/>
-              </a:lnSpc>
-            </a:pPr>
-            <a:r>
-              <a:rPr lang="en-US" altLang="zh-CN" sz="800" dirty="0"/>
-              <a:t>begin</a:t>
-            </a:r>
-          </a:p>
-          <a:p>
-            <a:pPr>
-              <a:lnSpc>
-                <a:spcPct val="150000"/>
-              </a:lnSpc>
-            </a:pPr>
-            <a:r>
-              <a:rPr lang="en-US" altLang="zh-CN" sz="800" dirty="0"/>
-              <a:t>	if &lt;</a:t>
-            </a:r>
-            <a:r>
-              <a:rPr lang="zh-CN" altLang="en-US" sz="800" dirty="0"/>
-              <a:t>从</a:t>
-            </a:r>
-            <a:r>
-              <a:rPr lang="en-US" altLang="zh-CN" sz="800" dirty="0"/>
-              <a:t>request</a:t>
-            </a:r>
-            <a:r>
-              <a:rPr lang="zh-CN" altLang="en-US" sz="800" dirty="0"/>
-              <a:t>对象的</a:t>
-            </a:r>
-            <a:r>
-              <a:rPr lang="en-US" altLang="zh-CN" sz="800" dirty="0"/>
-              <a:t>session</a:t>
-            </a:r>
-            <a:r>
-              <a:rPr lang="zh-CN" altLang="en-US" sz="800" dirty="0"/>
-              <a:t>中得出没有登录</a:t>
-            </a:r>
-            <a:r>
-              <a:rPr lang="en-US" altLang="zh-CN" sz="800" dirty="0"/>
-              <a:t>&gt; then</a:t>
-            </a:r>
-          </a:p>
-          <a:p>
-            <a:pPr>
-              <a:lnSpc>
-                <a:spcPct val="150000"/>
-              </a:lnSpc>
-            </a:pPr>
-            <a:r>
-              <a:rPr lang="en-US" altLang="zh-CN" sz="800" dirty="0"/>
-              <a:t>        </a:t>
-            </a:r>
-            <a:r>
-              <a:rPr lang="zh-CN" altLang="en-US" sz="800" dirty="0"/>
-              <a:t>重定向到‘用户未登录’页面</a:t>
-            </a:r>
-          </a:p>
-          <a:p>
-            <a:pPr>
-              <a:lnSpc>
-                <a:spcPct val="150000"/>
-              </a:lnSpc>
-            </a:pPr>
-            <a:r>
-              <a:rPr lang="zh-CN" altLang="en-US" sz="800" dirty="0"/>
-              <a:t>    </a:t>
-            </a:r>
-            <a:r>
-              <a:rPr lang="en-US" altLang="zh-CN" sz="800" dirty="0"/>
-              <a:t>if &lt;</a:t>
-            </a:r>
-            <a:r>
-              <a:rPr lang="zh-CN" altLang="en-US" sz="800" dirty="0"/>
-              <a:t>请求是</a:t>
-            </a:r>
-            <a:r>
-              <a:rPr lang="en-US" altLang="zh-CN" sz="800" dirty="0"/>
-              <a:t>POST</a:t>
-            </a:r>
-            <a:r>
-              <a:rPr lang="zh-CN" altLang="en-US" sz="800" dirty="0"/>
-              <a:t>请求</a:t>
-            </a:r>
-            <a:r>
-              <a:rPr lang="en-US" altLang="zh-CN" sz="800" dirty="0"/>
-              <a:t>&gt; then</a:t>
-            </a:r>
-          </a:p>
-          <a:p>
-            <a:pPr>
-              <a:lnSpc>
-                <a:spcPct val="150000"/>
-              </a:lnSpc>
-            </a:pPr>
-            <a:r>
-              <a:rPr lang="en-US" altLang="zh-CN" sz="800" dirty="0"/>
-              <a:t>		form = </a:t>
-            </a:r>
-            <a:r>
-              <a:rPr lang="zh-CN" altLang="en-US" sz="800" dirty="0"/>
-              <a:t>调用</a:t>
-            </a:r>
-            <a:r>
-              <a:rPr lang="en-US" altLang="zh-CN" sz="800" dirty="0" err="1"/>
-              <a:t>RemarkForm</a:t>
-            </a:r>
-            <a:r>
-              <a:rPr lang="zh-CN" altLang="en-US" sz="800" dirty="0"/>
-              <a:t>生成的表单</a:t>
-            </a:r>
-          </a:p>
-          <a:p>
-            <a:pPr>
-              <a:lnSpc>
-                <a:spcPct val="150000"/>
-              </a:lnSpc>
-            </a:pPr>
-            <a:r>
-              <a:rPr lang="zh-CN" altLang="en-US" sz="800" dirty="0"/>
-              <a:t>		</a:t>
-            </a:r>
-            <a:r>
-              <a:rPr lang="en-US" altLang="zh-CN" sz="800" dirty="0"/>
-              <a:t>if &lt;</a:t>
-            </a:r>
-            <a:r>
-              <a:rPr lang="zh-CN" altLang="en-US" sz="800" dirty="0"/>
-              <a:t>表单验证成功</a:t>
-            </a:r>
-            <a:r>
-              <a:rPr lang="en-US" altLang="zh-CN" sz="800" dirty="0"/>
-              <a:t>&gt; then</a:t>
-            </a:r>
-          </a:p>
-          <a:p>
-            <a:pPr>
-              <a:lnSpc>
-                <a:spcPct val="150000"/>
-              </a:lnSpc>
-            </a:pPr>
-            <a:r>
-              <a:rPr lang="en-US" altLang="zh-CN" sz="800" dirty="0"/>
-              <a:t>			</a:t>
-            </a:r>
-            <a:r>
-              <a:rPr lang="en-US" altLang="zh-CN" sz="800" dirty="0" err="1"/>
-              <a:t>myremark</a:t>
-            </a:r>
-            <a:r>
-              <a:rPr lang="en-US" altLang="zh-CN" sz="800" dirty="0"/>
-              <a:t> = </a:t>
-            </a:r>
-            <a:r>
-              <a:rPr lang="zh-CN" altLang="en-US" sz="800" dirty="0"/>
-              <a:t>调用</a:t>
-            </a:r>
-            <a:r>
-              <a:rPr lang="en-US" altLang="zh-CN" sz="800" dirty="0"/>
-              <a:t>Remark</a:t>
-            </a:r>
-            <a:r>
-              <a:rPr lang="zh-CN" altLang="en-US" sz="800" dirty="0"/>
-              <a:t>生成的</a:t>
-            </a:r>
-            <a:r>
-              <a:rPr lang="en-US" altLang="zh-CN" sz="800" dirty="0"/>
-              <a:t>Remark</a:t>
-            </a:r>
-            <a:r>
-              <a:rPr lang="zh-CN" altLang="en-US" sz="800" dirty="0"/>
-              <a:t>模型</a:t>
-            </a:r>
-          </a:p>
-          <a:p>
-            <a:pPr>
-              <a:lnSpc>
-                <a:spcPct val="150000"/>
-              </a:lnSpc>
-            </a:pPr>
-            <a:r>
-              <a:rPr lang="zh-CN" altLang="en-US" sz="800" dirty="0"/>
-              <a:t>			</a:t>
-            </a:r>
-            <a:r>
-              <a:rPr lang="en-US" altLang="zh-CN" sz="800" dirty="0"/>
-              <a:t>myremark.id = </a:t>
-            </a:r>
-            <a:r>
-              <a:rPr lang="zh-CN" altLang="en-US" sz="800" dirty="0"/>
-              <a:t>表单中</a:t>
-            </a:r>
-            <a:r>
-              <a:rPr lang="en-US" altLang="zh-CN" sz="800" dirty="0"/>
-              <a:t>'id'</a:t>
-            </a:r>
-            <a:r>
-              <a:rPr lang="zh-CN" altLang="en-US" sz="800" dirty="0"/>
-              <a:t>字段的数据  </a:t>
-            </a:r>
-            <a:r>
-              <a:rPr lang="en-US" altLang="zh-CN" sz="800" dirty="0"/>
-              <a:t>//</a:t>
-            </a:r>
-            <a:r>
-              <a:rPr lang="zh-CN" altLang="en-US" sz="800" dirty="0"/>
-              <a:t>资源</a:t>
-            </a:r>
-            <a:r>
-              <a:rPr lang="en-US" altLang="zh-CN" sz="800" dirty="0"/>
-              <a:t>id</a:t>
-            </a:r>
-          </a:p>
-          <a:p>
-            <a:pPr>
-              <a:lnSpc>
-                <a:spcPct val="150000"/>
-              </a:lnSpc>
-            </a:pPr>
-            <a:r>
-              <a:rPr lang="en-US" altLang="zh-CN" sz="800" dirty="0"/>
-              <a:t>			</a:t>
-            </a:r>
-            <a:r>
-              <a:rPr lang="en-US" altLang="zh-CN" sz="800" dirty="0" err="1"/>
-              <a:t>myremark.subject</a:t>
-            </a:r>
-            <a:r>
-              <a:rPr lang="en-US" altLang="zh-CN" sz="800" dirty="0"/>
-              <a:t> = </a:t>
-            </a:r>
-            <a:r>
-              <a:rPr lang="zh-CN" altLang="en-US" sz="800" dirty="0"/>
-              <a:t>表单中</a:t>
-            </a:r>
-            <a:r>
-              <a:rPr lang="en-US" altLang="zh-CN" sz="800" dirty="0"/>
-              <a:t>'subject'</a:t>
-            </a:r>
-            <a:r>
-              <a:rPr lang="zh-CN" altLang="en-US" sz="800" dirty="0"/>
-              <a:t>字段的数据  </a:t>
-            </a:r>
-            <a:r>
-              <a:rPr lang="en-US" altLang="zh-CN" sz="800" dirty="0"/>
-              <a:t>//</a:t>
-            </a:r>
-            <a:r>
-              <a:rPr lang="zh-CN" altLang="en-US" sz="800" dirty="0"/>
-              <a:t>用户</a:t>
-            </a:r>
-            <a:r>
-              <a:rPr lang="en-US" altLang="zh-CN" sz="800" dirty="0"/>
-              <a:t>subject</a:t>
-            </a:r>
-          </a:p>
-          <a:p>
-            <a:pPr>
-              <a:lnSpc>
-                <a:spcPct val="150000"/>
-              </a:lnSpc>
-            </a:pPr>
-            <a:r>
-              <a:rPr lang="en-US" altLang="zh-CN" sz="800" dirty="0"/>
-              <a:t>			</a:t>
-            </a:r>
-            <a:r>
-              <a:rPr lang="en-US" altLang="zh-CN" sz="800" dirty="0" err="1"/>
-              <a:t>myremark.score</a:t>
-            </a:r>
-            <a:r>
-              <a:rPr lang="en-US" altLang="zh-CN" sz="800" dirty="0"/>
-              <a:t>= </a:t>
-            </a:r>
-            <a:r>
-              <a:rPr lang="zh-CN" altLang="en-US" sz="800" dirty="0"/>
-              <a:t>表单中</a:t>
-            </a:r>
-            <a:r>
-              <a:rPr lang="en-US" altLang="zh-CN" sz="800" dirty="0"/>
-              <a:t>'score'</a:t>
-            </a:r>
-            <a:r>
-              <a:rPr lang="zh-CN" altLang="en-US" sz="800" dirty="0"/>
-              <a:t>字段的数据  </a:t>
-            </a:r>
-            <a:r>
-              <a:rPr lang="en-US" altLang="zh-CN" sz="800" dirty="0"/>
-              <a:t>//</a:t>
-            </a:r>
-            <a:r>
-              <a:rPr lang="zh-CN" altLang="en-US" sz="800" dirty="0"/>
-              <a:t>积分</a:t>
-            </a:r>
-            <a:r>
-              <a:rPr lang="en-US" altLang="zh-CN" sz="800" dirty="0"/>
-              <a:t>score</a:t>
-            </a:r>
-          </a:p>
-          <a:p>
-            <a:pPr>
-              <a:lnSpc>
-                <a:spcPct val="150000"/>
-              </a:lnSpc>
-            </a:pPr>
-            <a:r>
-              <a:rPr lang="en-US" altLang="zh-CN" sz="800" dirty="0"/>
-              <a:t>			</a:t>
-            </a:r>
-            <a:r>
-              <a:rPr lang="zh-CN" altLang="en-US" sz="800" dirty="0"/>
-              <a:t>保存</a:t>
-            </a:r>
-            <a:r>
-              <a:rPr lang="en-US" altLang="zh-CN" sz="800" dirty="0" err="1"/>
-              <a:t>myremark</a:t>
-            </a:r>
-            <a:r>
-              <a:rPr lang="zh-CN" altLang="en-US" sz="800" dirty="0"/>
-              <a:t>并上传至游戏前端			</a:t>
-            </a:r>
-          </a:p>
-          <a:p>
-            <a:pPr>
-              <a:lnSpc>
-                <a:spcPct val="150000"/>
-              </a:lnSpc>
-            </a:pPr>
-            <a:r>
-              <a:rPr lang="zh-CN" altLang="en-US" sz="800" dirty="0"/>
-              <a:t>出现“相应积分：”提示信息</a:t>
-            </a:r>
-          </a:p>
-          <a:p>
-            <a:pPr>
-              <a:lnSpc>
-                <a:spcPct val="150000"/>
-              </a:lnSpc>
-            </a:pPr>
-            <a:r>
-              <a:rPr lang="zh-CN" altLang="en-US" sz="800" dirty="0"/>
-              <a:t>    </a:t>
-            </a:r>
-            <a:r>
-              <a:rPr lang="en-US" altLang="zh-CN" sz="800" dirty="0"/>
-              <a:t>else</a:t>
-            </a:r>
-          </a:p>
-          <a:p>
-            <a:pPr>
-              <a:lnSpc>
-                <a:spcPct val="150000"/>
-              </a:lnSpc>
-            </a:pPr>
-            <a:r>
-              <a:rPr lang="en-US" altLang="zh-CN" sz="800" dirty="0"/>
-              <a:t>		form = </a:t>
-            </a:r>
-            <a:r>
-              <a:rPr lang="zh-CN" altLang="en-US" sz="800" dirty="0"/>
-              <a:t>空的</a:t>
-            </a:r>
-            <a:r>
-              <a:rPr lang="en-US" altLang="zh-CN" sz="800" dirty="0" err="1"/>
-              <a:t>RemarkForm</a:t>
-            </a:r>
-            <a:endParaRPr lang="en-US" altLang="zh-CN" sz="800" dirty="0"/>
-          </a:p>
-          <a:p>
-            <a:pPr>
-              <a:lnSpc>
-                <a:spcPct val="150000"/>
-              </a:lnSpc>
-            </a:pPr>
-            <a:r>
-              <a:rPr lang="en-US" altLang="zh-CN" sz="800" dirty="0"/>
-              <a:t>	</a:t>
-            </a:r>
-            <a:r>
-              <a:rPr lang="zh-CN" altLang="en-US" sz="800" dirty="0"/>
-              <a:t>返回‘主界面’并显示该用户当前积分</a:t>
-            </a:r>
-          </a:p>
-          <a:p>
-            <a:pPr>
-              <a:lnSpc>
-                <a:spcPct val="150000"/>
-              </a:lnSpc>
-            </a:pPr>
-            <a:r>
-              <a:rPr lang="en-US" altLang="zh-CN" sz="800" dirty="0"/>
-              <a:t>end</a:t>
-            </a:r>
+              <a:rPr lang="zh-CN" altLang="en-US" sz="2200" dirty="0" smtClean="0">
+                <a:latin typeface="微软雅黑 Light" pitchFamily="34" charset="-122"/>
+                <a:ea typeface="微软雅黑 Light" pitchFamily="34" charset="-122"/>
+              </a:rPr>
+              <a:t>更新用户最高得分和皮肤信息</a:t>
+            </a:r>
+            <a:endParaRPr lang="en-US" altLang="zh-CN" sz="2200" dirty="0" smtClean="0">
+              <a:latin typeface="微软雅黑 Light" pitchFamily="34" charset="-122"/>
+              <a:ea typeface="微软雅黑 Light" pitchFamily="34" charset="-122"/>
+            </a:endParaRPr>
           </a:p>
         </p:txBody>
       </p:sp>
     </p:spTree>
     <p:extLst>
       <p:ext uri="{BB962C8B-B14F-4D97-AF65-F5344CB8AC3E}">
-        <p14:creationId xmlns:p14="http://schemas.microsoft.com/office/powerpoint/2010/main" val="3779799479"/>
+        <p14:creationId xmlns:p14="http://schemas.microsoft.com/office/powerpoint/2010/main" val="661409680"/>
       </p:ext>
     </p:extLst>
   </p:cSld>
@@ -8288,7 +7852,7 @@
         <p:spPr>
           <a:xfrm>
             <a:off x="1475656" y="2137420"/>
-            <a:ext cx="6768752" cy="3394840"/>
+            <a:ext cx="6768752" cy="3397277"/>
           </a:xfrm>
           <a:prstGeom prst="rect">
             <a:avLst/>
@@ -8307,12 +7871,12 @@
               </a:lnSpc>
             </a:pPr>
             <a:r>
-              <a:rPr lang="en-US" altLang="zh-CN" sz="900" dirty="0"/>
+              <a:rPr lang="en-US" altLang="zh-CN" sz="800" dirty="0"/>
               <a:t>#</a:t>
             </a:r>
             <a:r>
-              <a:rPr lang="zh-CN" altLang="en-US" sz="900" dirty="0"/>
-              <a:t>信息更新</a:t>
+              <a:rPr lang="zh-CN" altLang="en-US" sz="800" dirty="0"/>
+              <a:t>积分提取</a:t>
             </a:r>
           </a:p>
           <a:p>
@@ -8322,39 +7886,31 @@
               </a:lnSpc>
             </a:pPr>
             <a:r>
-              <a:rPr lang="en-US" altLang="zh-CN" sz="900" dirty="0"/>
+              <a:rPr lang="en-US" altLang="zh-CN" sz="800" dirty="0"/>
               <a:t>procedure &lt;</a:t>
             </a:r>
             <a:r>
-              <a:rPr lang="zh-CN" altLang="en-US" sz="900" dirty="0"/>
+              <a:rPr lang="zh-CN" altLang="en-US" sz="800" dirty="0"/>
               <a:t>处理来自</a:t>
             </a:r>
             <a:r>
-              <a:rPr lang="en-US" altLang="zh-CN" sz="900" dirty="0"/>
-              <a:t>/remark/</a:t>
-            </a:r>
-            <a:r>
-              <a:rPr lang="en-US" altLang="zh-CN" sz="900" dirty="0" err="1"/>
-              <a:t>delete?id</a:t>
-            </a:r>
-            <a:r>
-              <a:rPr lang="en-US" altLang="zh-CN" sz="900" dirty="0"/>
-              <a:t>=</a:t>
-            </a:r>
-            <a:r>
-              <a:rPr lang="zh-CN" altLang="en-US" sz="900" dirty="0"/>
+              <a:rPr lang="en-US" altLang="zh-CN" sz="800" dirty="0"/>
+              <a:t>/remark</a:t>
+            </a:r>
+            <a:r>
+              <a:rPr lang="zh-CN" altLang="en-US" sz="800" dirty="0"/>
               <a:t>的请求</a:t>
             </a:r>
             <a:r>
-              <a:rPr lang="en-US" altLang="zh-CN" sz="900" dirty="0"/>
+              <a:rPr lang="en-US" altLang="zh-CN" sz="800" dirty="0"/>
               <a:t>&gt; interface&lt;http</a:t>
             </a:r>
             <a:r>
-              <a:rPr lang="zh-CN" altLang="en-US" sz="900" dirty="0"/>
+              <a:rPr lang="zh-CN" altLang="en-US" sz="800" dirty="0"/>
               <a:t>请求对象</a:t>
             </a:r>
             <a:r>
-              <a:rPr lang="en-US" altLang="zh-CN" sz="900" dirty="0"/>
+              <a:rPr lang="en-US" altLang="zh-CN" sz="800" dirty="0"/>
               <a:t>&gt; is</a:t>
             </a:r>
           </a:p>
@@ -8365,7 +7921,7 @@
               </a:lnSpc>
             </a:pPr>
             <a:r>
-              <a:rPr lang="en-US" altLang="zh-CN" sz="900" dirty="0"/>
+              <a:rPr lang="en-US" altLang="zh-CN" sz="800" dirty="0"/>
               <a:t>begin</a:t>
             </a:r>
           </a:p>
@@ -8376,31 +7932,31 @@
               </a:lnSpc>
             </a:pPr>
             <a:r>
-              <a:rPr lang="en-US" altLang="zh-CN" sz="900" dirty="0"/>
-              <a:t>    if &lt;</a:t>
-            </a:r>
-            <a:r>
-              <a:rPr lang="zh-CN" altLang="en-US" sz="900" dirty="0"/>
+              <a:rPr lang="en-US" altLang="zh-CN" sz="800" dirty="0"/>
+              <a:t>	if &lt;</a:t>
+            </a:r>
+            <a:r>
+              <a:rPr lang="zh-CN" altLang="en-US" sz="800" dirty="0"/>
               <a:t>从</a:t>
             </a:r>
             <a:r>
-              <a:rPr lang="en-US" altLang="zh-CN" sz="900" dirty="0"/>
+              <a:rPr lang="en-US" altLang="zh-CN" sz="800" dirty="0"/>
               <a:t>request</a:t>
             </a:r>
             <a:r>
-              <a:rPr lang="zh-CN" altLang="en-US" sz="900" dirty="0"/>
+              <a:rPr lang="zh-CN" altLang="en-US" sz="800" dirty="0"/>
               <a:t>对象的</a:t>
             </a:r>
             <a:r>
-              <a:rPr lang="en-US" altLang="zh-CN" sz="900" dirty="0"/>
+              <a:rPr lang="en-US" altLang="zh-CN" sz="800" dirty="0"/>
               <a:t>session</a:t>
             </a:r>
             <a:r>
-              <a:rPr lang="zh-CN" altLang="en-US" sz="900" dirty="0"/>
+              <a:rPr lang="zh-CN" altLang="en-US" sz="800" dirty="0"/>
               <a:t>中得出没有登录</a:t>
             </a:r>
             <a:r>
-              <a:rPr lang="en-US" altLang="zh-CN" sz="900" dirty="0"/>
+              <a:rPr lang="en-US" altLang="zh-CN" sz="800" dirty="0"/>
               <a:t>&gt; then</a:t>
             </a:r>
           </a:p>
@@ -8411,12 +7967,12 @@
               </a:lnSpc>
             </a:pPr>
             <a:r>
-              <a:rPr lang="en-US" altLang="zh-CN" sz="900" dirty="0"/>
+              <a:rPr lang="en-US" altLang="zh-CN" sz="800" dirty="0"/>
               <a:t>        </a:t>
             </a:r>
             <a:r>
-              <a:rPr lang="zh-CN" altLang="en-US" sz="900" dirty="0"/>
-              <a:t>重定向到‘非法操作’页面</a:t>
+              <a:rPr lang="zh-CN" altLang="en-US" sz="800" dirty="0"/>
+              <a:t>重定向到‘用户未登录’页面</a:t>
             </a:r>
           </a:p>
           <a:p>
@@ -8426,27 +7982,27 @@
               </a:lnSpc>
             </a:pPr>
             <a:r>
-              <a:rPr lang="zh-CN" altLang="en-US" sz="900" dirty="0"/>
+              <a:rPr lang="zh-CN" altLang="en-US" sz="800" dirty="0"/>
               <a:t>    </a:t>
             </a:r>
             <a:r>
-              <a:rPr lang="en-US" altLang="zh-CN" sz="900" dirty="0"/>
-              <a:t>else if &lt;</a:t>
-            </a:r>
-            <a:r>
-              <a:rPr lang="zh-CN" altLang="en-US" sz="900" dirty="0"/>
-              <a:t>请求不是</a:t>
-            </a:r>
-            <a:r>
-              <a:rPr lang="en-US" altLang="zh-CN" sz="900" dirty="0"/>
-              <a:t>get</a:t>
-            </a:r>
-            <a:r>
-              <a:rPr lang="zh-CN" altLang="en-US" sz="900" dirty="0"/>
+              <a:rPr lang="en-US" altLang="zh-CN" sz="800" dirty="0"/>
+              <a:t>if &lt;</a:t>
+            </a:r>
+            <a:r>
+              <a:rPr lang="zh-CN" altLang="en-US" sz="800" dirty="0"/>
+              <a:t>请求是</a:t>
+            </a:r>
+            <a:r>
+              <a:rPr lang="en-US" altLang="zh-CN" sz="800" dirty="0"/>
+              <a:t>POST</a:t>
+            </a:r>
+            <a:r>
+              <a:rPr lang="zh-CN" altLang="en-US" sz="800" dirty="0"/>
               <a:t>请求</a:t>
             </a:r>
             <a:r>
-              <a:rPr lang="en-US" altLang="zh-CN" sz="900" dirty="0"/>
+              <a:rPr lang="en-US" altLang="zh-CN" sz="800" dirty="0"/>
               <a:t>&gt; then</a:t>
             </a:r>
           </a:p>
@@ -8457,12 +8013,20 @@
               </a:lnSpc>
             </a:pPr>
             <a:r>
-              <a:rPr lang="en-US" altLang="zh-CN" sz="900" dirty="0"/>
-              <a:t>        raise 404</a:t>
-            </a:r>
-            <a:r>
-              <a:rPr lang="zh-CN" altLang="en-US" sz="900" dirty="0"/>
-              <a:t>异常</a:t>
+              <a:rPr lang="en-US" altLang="zh-CN" sz="800" dirty="0"/>
+              <a:t>		form = </a:t>
+            </a:r>
+            <a:r>
+              <a:rPr lang="zh-CN" altLang="en-US" sz="800" dirty="0"/>
+              <a:t>调用</a:t>
+            </a:r>
+            <a:r>
+              <a:rPr lang="en-US" altLang="zh-CN" sz="800" dirty="0" err="1"/>
+              <a:t>RemarkForm</a:t>
+            </a:r>
+            <a:r>
+              <a:rPr lang="zh-CN" altLang="en-US" sz="800" dirty="0"/>
+              <a:t>生成的表单</a:t>
             </a:r>
           </a:p>
           <a:p>
@@ -8472,24 +8036,20 @@
               </a:lnSpc>
             </a:pPr>
             <a:r>
-              <a:rPr lang="zh-CN" altLang="en-US" sz="900" dirty="0"/>
-              <a:t>    </a:t>
-            </a:r>
-            <a:r>
-              <a:rPr lang="en-US" altLang="zh-CN" sz="900" dirty="0"/>
-              <a:t>else #</a:t>
-            </a:r>
-            <a:r>
-              <a:rPr lang="zh-CN" altLang="en-US" sz="900" dirty="0"/>
-              <a:t>请求是</a:t>
-            </a:r>
-            <a:r>
-              <a:rPr lang="en-US" altLang="zh-CN" sz="900" dirty="0"/>
-              <a:t>get</a:t>
-            </a:r>
-            <a:r>
-              <a:rPr lang="zh-CN" altLang="en-US" sz="900" dirty="0"/>
-              <a:t>请求</a:t>
+              <a:rPr lang="zh-CN" altLang="en-US" sz="800" dirty="0"/>
+              <a:t>		</a:t>
+            </a:r>
+            <a:r>
+              <a:rPr lang="en-US" altLang="zh-CN" sz="800" dirty="0"/>
+              <a:t>if &lt;</a:t>
+            </a:r>
+            <a:r>
+              <a:rPr lang="zh-CN" altLang="en-US" sz="800" dirty="0"/>
+              <a:t>表单验证成功</a:t>
+            </a:r>
+            <a:r>
+              <a:rPr lang="en-US" altLang="zh-CN" sz="800" dirty="0"/>
+              <a:t>&gt; then</a:t>
             </a:r>
           </a:p>
           <a:p>
@@ -8499,20 +8059,36 @@
               </a:lnSpc>
             </a:pPr>
             <a:r>
-              <a:rPr lang="zh-CN" altLang="en-US" sz="900" dirty="0"/>
-              <a:t>        </a:t>
-            </a:r>
-            <a:r>
-              <a:rPr lang="en-US" altLang="zh-CN" sz="900" dirty="0"/>
-              <a:t>if &lt;</a:t>
-            </a:r>
-            <a:r>
-              <a:rPr lang="zh-CN" altLang="en-US" sz="900" dirty="0"/>
-              <a:t>请求信息不存在</a:t>
-            </a:r>
-            <a:r>
-              <a:rPr lang="en-US" altLang="zh-CN" sz="900" dirty="0"/>
-              <a:t>&gt; then</a:t>
+              <a:rPr lang="en-US" altLang="zh-CN" sz="800" dirty="0"/>
+              <a:t>			</a:t>
+            </a:r>
+            <a:r>
+              <a:rPr lang="en-US" altLang="zh-CN" sz="800" dirty="0" err="1"/>
+              <a:t>myremark</a:t>
+            </a:r>
+            <a:r>
+              <a:rPr lang="en-US" altLang="zh-CN" sz="800" dirty="0"/>
+              <a:t> = </a:t>
+            </a:r>
+            <a:r>
+              <a:rPr lang="zh-CN" altLang="en-US" sz="800" dirty="0"/>
+              <a:t>调用</a:t>
+            </a:r>
+            <a:r>
+              <a:rPr lang="en-US" altLang="zh-CN" sz="800" dirty="0"/>
+              <a:t>Remark</a:t>
+            </a:r>
+            <a:r>
+              <a:rPr lang="zh-CN" altLang="en-US" sz="800" dirty="0"/>
+              <a:t>生成的</a:t>
+            </a:r>
+            <a:r>
+              <a:rPr lang="en-US" altLang="zh-CN" sz="800" dirty="0"/>
+              <a:t>Remark</a:t>
+            </a:r>
+            <a:r>
+              <a:rPr lang="zh-CN" altLang="en-US" sz="800" dirty="0"/>
+              <a:t>模型</a:t>
             </a:r>
           </a:p>
           <a:p>
@@ -8522,12 +8098,36 @@
               </a:lnSpc>
             </a:pPr>
             <a:r>
-              <a:rPr lang="en-US" altLang="zh-CN" sz="900" dirty="0"/>
-              <a:t>            </a:t>
-            </a:r>
-            <a:r>
-              <a:rPr lang="zh-CN" altLang="en-US" sz="900" dirty="0"/>
-              <a:t>返回用户信息未找到出错页面</a:t>
+              <a:rPr lang="zh-CN" altLang="en-US" sz="800" dirty="0"/>
+              <a:t>			</a:t>
+            </a:r>
+            <a:r>
+              <a:rPr lang="en-US" altLang="zh-CN" sz="800" dirty="0"/>
+              <a:t>myremark.id = </a:t>
+            </a:r>
+            <a:r>
+              <a:rPr lang="zh-CN" altLang="en-US" sz="800" dirty="0"/>
+              <a:t>表单中</a:t>
+            </a:r>
+            <a:r>
+              <a:rPr lang="en-US" altLang="zh-CN" sz="800" dirty="0"/>
+              <a:t>'id'</a:t>
+            </a:r>
+            <a:r>
+              <a:rPr lang="zh-CN" altLang="en-US" sz="800" dirty="0"/>
+              <a:t>字段的数据  </a:t>
+            </a:r>
+            <a:r>
+              <a:rPr lang="en-US" altLang="zh-CN" sz="800" dirty="0"/>
+              <a:t>//</a:t>
+            </a:r>
+            <a:r>
+              <a:rPr lang="zh-CN" altLang="en-US" sz="800" dirty="0"/>
+              <a:t>资源</a:t>
+            </a:r>
+            <a:r>
+              <a:rPr lang="en-US" altLang="zh-CN" sz="800" dirty="0"/>
+              <a:t>id</a:t>
             </a:r>
           </a:p>
           <a:p>
@@ -8537,20 +8137,40 @@
               </a:lnSpc>
             </a:pPr>
             <a:r>
-              <a:rPr lang="zh-CN" altLang="en-US" sz="900" dirty="0"/>
-              <a:t>        </a:t>
-            </a:r>
-            <a:r>
-              <a:rPr lang="en-US" altLang="zh-CN" sz="900" dirty="0"/>
-              <a:t>begin &lt;</a:t>
-            </a:r>
-            <a:r>
-              <a:rPr lang="zh-CN" altLang="en-US" sz="900" dirty="0"/>
-              <a:t>更新信息</a:t>
-            </a:r>
-            <a:r>
-              <a:rPr lang="en-US" altLang="zh-CN" sz="900" dirty="0"/>
-              <a:t>&gt;</a:t>
+              <a:rPr lang="en-US" altLang="zh-CN" sz="800" dirty="0"/>
+              <a:t>			</a:t>
+            </a:r>
+            <a:r>
+              <a:rPr lang="en-US" altLang="zh-CN" sz="800" dirty="0" err="1"/>
+              <a:t>myremark.subject</a:t>
+            </a:r>
+            <a:r>
+              <a:rPr lang="en-US" altLang="zh-CN" sz="800" dirty="0"/>
+              <a:t> = </a:t>
+            </a:r>
+            <a:r>
+              <a:rPr lang="zh-CN" altLang="en-US" sz="800" dirty="0"/>
+              <a:t>表单中</a:t>
+            </a:r>
+            <a:r>
+              <a:rPr lang="en-US" altLang="zh-CN" sz="800" dirty="0"/>
+              <a:t>'subject'</a:t>
+            </a:r>
+            <a:r>
+              <a:rPr lang="zh-CN" altLang="en-US" sz="800" dirty="0"/>
+              <a:t>字段的数据  </a:t>
+            </a:r>
+            <a:r>
+              <a:rPr lang="en-US" altLang="zh-CN" sz="800" dirty="0"/>
+              <a:t>//</a:t>
+            </a:r>
+            <a:r>
+              <a:rPr lang="zh-CN" altLang="en-US" sz="800" dirty="0"/>
+              <a:t>用户</a:t>
+            </a:r>
+            <a:r>
+              <a:rPr lang="en-US" altLang="zh-CN" sz="800" dirty="0"/>
+              <a:t>subject</a:t>
             </a:r>
           </a:p>
           <a:p>
@@ -8560,12 +8180,40 @@
               </a:lnSpc>
             </a:pPr>
             <a:r>
-              <a:rPr lang="en-US" altLang="zh-CN" sz="900" dirty="0"/>
-              <a:t>            </a:t>
-            </a:r>
-            <a:r>
-              <a:rPr lang="zh-CN" altLang="en-US" sz="900" dirty="0"/>
-              <a:t>更新相应信息至数据库</a:t>
+              <a:rPr lang="en-US" altLang="zh-CN" sz="800" dirty="0"/>
+              <a:t>			</a:t>
+            </a:r>
+            <a:r>
+              <a:rPr lang="en-US" altLang="zh-CN" sz="800" dirty="0" err="1"/>
+              <a:t>myremark.score</a:t>
+            </a:r>
+            <a:r>
+              <a:rPr lang="en-US" altLang="zh-CN" sz="800" dirty="0"/>
+              <a:t>= </a:t>
+            </a:r>
+            <a:r>
+              <a:rPr lang="zh-CN" altLang="en-US" sz="800" dirty="0"/>
+              <a:t>表单中</a:t>
+            </a:r>
+            <a:r>
+              <a:rPr lang="en-US" altLang="zh-CN" sz="800" dirty="0"/>
+              <a:t>'score'</a:t>
+            </a:r>
+            <a:r>
+              <a:rPr lang="zh-CN" altLang="en-US" sz="800" dirty="0"/>
+              <a:t>字段的数据  </a:t>
+            </a:r>
+            <a:r>
+              <a:rPr lang="en-US" altLang="zh-CN" sz="800" dirty="0"/>
+              <a:t>//</a:t>
+            </a:r>
+            <a:r>
+              <a:rPr lang="zh-CN" altLang="en-US" sz="800" dirty="0"/>
+              <a:t>积分</a:t>
+            </a:r>
+            <a:r>
+              <a:rPr lang="en-US" altLang="zh-CN" sz="800" dirty="0"/>
+              <a:t>score</a:t>
             </a:r>
           </a:p>
           <a:p>
@@ -8575,12 +8223,20 @@
               </a:lnSpc>
             </a:pPr>
             <a:r>
-              <a:rPr lang="zh-CN" altLang="en-US" sz="900" dirty="0"/>
-              <a:t>        </a:t>
-            </a:r>
-            <a:r>
-              <a:rPr lang="en-US" altLang="zh-CN" sz="900" dirty="0"/>
-              <a:t>end</a:t>
+              <a:rPr lang="en-US" altLang="zh-CN" sz="800" dirty="0"/>
+              <a:t>			</a:t>
+            </a:r>
+            <a:r>
+              <a:rPr lang="zh-CN" altLang="en-US" sz="800" dirty="0"/>
+              <a:t>保存</a:t>
+            </a:r>
+            <a:r>
+              <a:rPr lang="en-US" altLang="zh-CN" sz="800" dirty="0" err="1"/>
+              <a:t>myremark</a:t>
+            </a:r>
+            <a:r>
+              <a:rPr lang="zh-CN" altLang="en-US" sz="800" dirty="0"/>
+              <a:t>并上传至游戏前端			</a:t>
             </a:r>
           </a:p>
           <a:p>
@@ -8590,8 +8246,8 @@
               </a:lnSpc>
             </a:pPr>
             <a:r>
-              <a:rPr lang="zh-CN" altLang="en-US" sz="900" dirty="0"/>
-              <a:t>出现新的积分排行榜</a:t>
+              <a:rPr lang="zh-CN" altLang="en-US" sz="800" dirty="0"/>
+              <a:t>出现“相应积分：”提示信息</a:t>
             </a:r>
           </a:p>
           <a:p>
@@ -8601,8 +8257,12 @@
               </a:lnSpc>
             </a:pPr>
             <a:r>
-              <a:rPr lang="zh-CN" altLang="en-US" sz="900" dirty="0"/>
-              <a:t>             返回‘主界面’并显示该用户当前积分</a:t>
+              <a:rPr lang="zh-CN" altLang="en-US" sz="800" dirty="0"/>
+              <a:t>    </a:t>
+            </a:r>
+            <a:r>
+              <a:rPr lang="en-US" altLang="zh-CN" sz="800" dirty="0"/>
+              <a:t>else</a:t>
             </a:r>
           </a:p>
           <a:p>
@@ -8612,7 +8272,42 @@
               </a:lnSpc>
             </a:pPr>
             <a:r>
-              <a:rPr lang="en-US" altLang="zh-CN" sz="900" dirty="0"/>
+              <a:rPr lang="en-US" altLang="zh-CN" sz="800" dirty="0"/>
+              <a:t>		form = </a:t>
+            </a:r>
+            <a:r>
+              <a:rPr lang="zh-CN" altLang="en-US" sz="800" dirty="0"/>
+              <a:t>空的</a:t>
+            </a:r>
+            <a:r>
+              <a:rPr lang="en-US" altLang="zh-CN" sz="800" dirty="0" err="1"/>
+              <a:t>RemarkForm</a:t>
+            </a:r>
+            <a:endParaRPr lang="en-US" altLang="zh-CN" sz="800" dirty="0"/>
+          </a:p>
+          <a:p>
+            <a:pPr>
+              <a:lnSpc>
+                <a:spcPct val="150000"/>
+              </a:lnSpc>
+            </a:pPr>
+            <a:r>
+              <a:rPr lang="en-US" altLang="zh-CN" sz="800" dirty="0"/>
+              <a:t>	</a:t>
+            </a:r>
+            <a:r>
+              <a:rPr lang="zh-CN" altLang="en-US" sz="800" dirty="0"/>
+              <a:t>返回‘主界面’并显示该用户当前积分</a:t>
+            </a:r>
+          </a:p>
+          <a:p>
+            <a:pPr>
+              <a:lnSpc>
+                <a:spcPct val="150000"/>
+              </a:lnSpc>
+            </a:pPr>
+            <a:r>
+              <a:rPr lang="en-US" altLang="zh-CN" sz="800" dirty="0"/>
               <a:t>end</a:t>
             </a:r>
           </a:p>
@@ -8621,7 +8316,7 @@
     </p:spTree>
     <p:extLst>
       <p:ext uri="{BB962C8B-B14F-4D97-AF65-F5344CB8AC3E}">
-        <p14:creationId xmlns:p14="http://schemas.microsoft.com/office/powerpoint/2010/main" val="459008709"/>
+        <p14:creationId xmlns:p14="http://schemas.microsoft.com/office/powerpoint/2010/main" val="3779799479"/>
       </p:ext>
     </p:extLst>
   </p:cSld>
@@ -8761,7 +8456,7 @@
         <p:spPr bwMode="auto">
           <a:xfrm>
             <a:off x="1403338" y="1537874"/>
-            <a:ext cx="3672718" cy="584775"/>
+            <a:ext cx="3024646" cy="584775"/>
           </a:xfrm>
           <a:prstGeom prst="rect">
             <a:avLst/>
@@ -8797,7 +8492,7 @@
           <a:lstStyle/>
           <a:p>
             <a:r>
-              <a:rPr lang="zh-CN" altLang="en-US" sz="3200" b="1" dirty="0">
+              <a:rPr lang="zh-CN" altLang="en-US" sz="3200" b="1" dirty="0" smtClean="0">
                 <a:solidFill>
                   <a:srgbClr val="3A3838"/>
                 </a:solidFill>
@@ -8805,20 +8500,9 @@
                 <a:ea typeface="微软雅黑 Light" pitchFamily="34" charset="-122"/>
                 <a:sym typeface="方正仿宋简体" charset="-122"/>
               </a:rPr>
-              <a:t>游戏</a:t>
-            </a:r>
-            <a:r>
-              <a:rPr lang="zh-CN" altLang="en-US" sz="3200" b="1" dirty="0" smtClean="0">
-                <a:solidFill>
-                  <a:srgbClr val="3A3838"/>
-                </a:solidFill>
-                <a:latin typeface="微软雅黑 Light" pitchFamily="34" charset="-122"/>
-                <a:ea typeface="微软雅黑 Light" pitchFamily="34" charset="-122"/>
-                <a:sym typeface="方正仿宋简体" charset="-122"/>
-              </a:rPr>
-              <a:t>进行子系统</a:t>
-            </a:r>
-            <a:endParaRPr lang="en-US" altLang="zh-CN" sz="3200" b="1" dirty="0">
+              <a:t>模块具体流程</a:t>
+            </a:r>
+            <a:endParaRPr lang="en-US" sz="3200" b="1" dirty="0">
               <a:solidFill>
                 <a:srgbClr val="3A3838"/>
               </a:solidFill>
@@ -8831,14 +8515,14 @@
       </p:sp>
       <p:sp>
         <p:nvSpPr>
-          <p:cNvPr id="6" name="TextBox 5"/>
+          <p:cNvPr id="17" name="TextBox 16"/>
           <p:cNvSpPr txBox="1"/>
           <p:nvPr/>
         </p:nvSpPr>
         <p:spPr>
           <a:xfrm>
             <a:off x="1475656" y="2137420"/>
-            <a:ext cx="6048672" cy="3231654"/>
+            <a:ext cx="6768752" cy="3394840"/>
           </a:xfrm>
           <a:prstGeom prst="rect">
             <a:avLst/>
@@ -8851,163 +8535,327 @@
           </a:bodyPr>
           <a:lstStyle/>
           <a:p>
-            <a:r>
-              <a:rPr lang="zh-CN" altLang="en-US" sz="2400" dirty="0">
-                <a:latin typeface="微软雅黑 Light" pitchFamily="34" charset="-122"/>
-                <a:ea typeface="微软雅黑 Light" pitchFamily="34" charset="-122"/>
-              </a:rPr>
-              <a:t>概述：载入下一场景地图，判断用户是否过关，并进行分数的累加</a:t>
-            </a:r>
-            <a:r>
-              <a:rPr lang="zh-CN" altLang="en-US" sz="2400" dirty="0" smtClean="0">
-                <a:latin typeface="微软雅黑 Light" pitchFamily="34" charset="-122"/>
-                <a:ea typeface="微软雅黑 Light" pitchFamily="34" charset="-122"/>
-              </a:rPr>
-              <a:t>。</a:t>
-            </a:r>
-            <a:endParaRPr lang="en-US" altLang="zh-CN" sz="2400" dirty="0" smtClean="0">
-              <a:latin typeface="微软雅黑 Light" pitchFamily="34" charset="-122"/>
-              <a:ea typeface="微软雅黑 Light" pitchFamily="34" charset="-122"/>
-            </a:endParaRPr>
-          </a:p>
-          <a:p>
-            <a:r>
-              <a:rPr lang="zh-CN" altLang="en-US" sz="2400" dirty="0" smtClean="0">
-                <a:latin typeface="微软雅黑 Light" pitchFamily="34" charset="-122"/>
-                <a:ea typeface="微软雅黑 Light" pitchFamily="34" charset="-122"/>
-              </a:rPr>
-              <a:t>功能</a:t>
-            </a:r>
-            <a:r>
-              <a:rPr lang="zh-CN" altLang="en-US" sz="2400" dirty="0" smtClean="0">
-                <a:latin typeface="微软雅黑 Light" pitchFamily="34" charset="-122"/>
-                <a:ea typeface="微软雅黑 Light" pitchFamily="34" charset="-122"/>
-              </a:rPr>
-              <a:t>：</a:t>
-            </a:r>
-            <a:endParaRPr lang="en-US" altLang="zh-CN" sz="2400" dirty="0" smtClean="0">
-              <a:latin typeface="微软雅黑 Light" pitchFamily="34" charset="-122"/>
-              <a:ea typeface="微软雅黑 Light" pitchFamily="34" charset="-122"/>
-            </a:endParaRPr>
-          </a:p>
-          <a:p>
-            <a:pPr marL="342900" indent="-342900">
-              <a:buFont typeface="Wingdings" pitchFamily="2" charset="2"/>
-              <a:buChar char="Ø"/>
+            <a:pPr>
+              <a:lnSpc>
+                <a:spcPct val="150000"/>
+              </a:lnSpc>
             </a:pPr>
             <a:r>
-              <a:rPr lang="zh-CN" altLang="en-US" sz="2200" dirty="0" smtClean="0">
-                <a:latin typeface="微软雅黑 Light" pitchFamily="34" charset="-122"/>
-                <a:ea typeface="微软雅黑 Light" pitchFamily="34" charset="-122"/>
-              </a:rPr>
-              <a:t>随机选择函数（物品位置等数据）</a:t>
-            </a:r>
-            <a:endParaRPr lang="en-US" altLang="zh-CN" sz="2200" dirty="0" smtClean="0">
-              <a:latin typeface="微软雅黑 Light" pitchFamily="34" charset="-122"/>
-              <a:ea typeface="微软雅黑 Light" pitchFamily="34" charset="-122"/>
-            </a:endParaRPr>
-          </a:p>
-          <a:p>
-            <a:pPr marL="342900" indent="-342900">
-              <a:buFont typeface="Wingdings" pitchFamily="2" charset="2"/>
-              <a:buChar char="Ø"/>
+              <a:rPr lang="en-US" altLang="zh-CN" sz="900" dirty="0"/>
+              <a:t>#</a:t>
+            </a:r>
+            <a:r>
+              <a:rPr lang="zh-CN" altLang="en-US" sz="900" dirty="0"/>
+              <a:t>信息更新</a:t>
+            </a:r>
+          </a:p>
+          <a:p>
+            <a:pPr>
+              <a:lnSpc>
+                <a:spcPct val="150000"/>
+              </a:lnSpc>
             </a:pPr>
             <a:r>
-              <a:rPr lang="zh-CN" altLang="en-US" sz="2200" dirty="0" smtClean="0">
-                <a:latin typeface="微软雅黑 Light" pitchFamily="34" charset="-122"/>
-                <a:ea typeface="微软雅黑 Light" pitchFamily="34" charset="-122"/>
-              </a:rPr>
-              <a:t>计算水平位移</a:t>
-            </a:r>
-            <a:endParaRPr lang="en-US" altLang="zh-CN" sz="2200" dirty="0" smtClean="0">
-              <a:latin typeface="微软雅黑 Light" pitchFamily="34" charset="-122"/>
-              <a:ea typeface="微软雅黑 Light" pitchFamily="34" charset="-122"/>
-            </a:endParaRPr>
-          </a:p>
-          <a:p>
-            <a:pPr marL="342900" indent="-342900">
-              <a:buFont typeface="Wingdings" pitchFamily="2" charset="2"/>
-              <a:buChar char="Ø"/>
+              <a:rPr lang="en-US" altLang="zh-CN" sz="900" dirty="0"/>
+              <a:t>procedure &lt;</a:t>
+            </a:r>
+            <a:r>
+              <a:rPr lang="zh-CN" altLang="en-US" sz="900" dirty="0"/>
+              <a:t>处理来自</a:t>
+            </a:r>
+            <a:r>
+              <a:rPr lang="en-US" altLang="zh-CN" sz="900" dirty="0"/>
+              <a:t>/remark/</a:t>
+            </a:r>
+            <a:r>
+              <a:rPr lang="en-US" altLang="zh-CN" sz="900" dirty="0" err="1"/>
+              <a:t>delete?id</a:t>
+            </a:r>
+            <a:r>
+              <a:rPr lang="en-US" altLang="zh-CN" sz="900" dirty="0"/>
+              <a:t>=</a:t>
+            </a:r>
+            <a:r>
+              <a:rPr lang="zh-CN" altLang="en-US" sz="900" dirty="0"/>
+              <a:t>的请求</a:t>
+            </a:r>
+            <a:r>
+              <a:rPr lang="en-US" altLang="zh-CN" sz="900" dirty="0"/>
+              <a:t>&gt; interface&lt;http</a:t>
+            </a:r>
+            <a:r>
+              <a:rPr lang="zh-CN" altLang="en-US" sz="900" dirty="0"/>
+              <a:t>请求对象</a:t>
+            </a:r>
+            <a:r>
+              <a:rPr lang="en-US" altLang="zh-CN" sz="900" dirty="0"/>
+              <a:t>&gt; is</a:t>
+            </a:r>
+          </a:p>
+          <a:p>
+            <a:pPr>
+              <a:lnSpc>
+                <a:spcPct val="150000"/>
+              </a:lnSpc>
             </a:pPr>
             <a:r>
-              <a:rPr lang="zh-CN" altLang="en-US" sz="2200" dirty="0" smtClean="0">
-                <a:latin typeface="微软雅黑 Light" pitchFamily="34" charset="-122"/>
-                <a:ea typeface="微软雅黑 Light" pitchFamily="34" charset="-122"/>
-              </a:rPr>
-              <a:t>判断是否套中</a:t>
-            </a:r>
-            <a:endParaRPr lang="en-US" altLang="zh-CN" sz="2200" dirty="0" smtClean="0">
-              <a:latin typeface="微软雅黑 Light" pitchFamily="34" charset="-122"/>
-              <a:ea typeface="微软雅黑 Light" pitchFamily="34" charset="-122"/>
-            </a:endParaRPr>
-          </a:p>
-          <a:p>
-            <a:pPr marL="342900" indent="-342900">
-              <a:buFont typeface="Wingdings" pitchFamily="2" charset="2"/>
-              <a:buChar char="Ø"/>
+              <a:rPr lang="en-US" altLang="zh-CN" sz="900" dirty="0"/>
+              <a:t>begin</a:t>
+            </a:r>
+          </a:p>
+          <a:p>
+            <a:pPr>
+              <a:lnSpc>
+                <a:spcPct val="150000"/>
+              </a:lnSpc>
             </a:pPr>
             <a:r>
-              <a:rPr lang="zh-CN" altLang="en-US" sz="2200" dirty="0">
-                <a:latin typeface="微软雅黑 Light" pitchFamily="34" charset="-122"/>
-                <a:ea typeface="微软雅黑 Light" pitchFamily="34" charset="-122"/>
-              </a:rPr>
-              <a:t>得分</a:t>
-            </a:r>
-            <a:r>
-              <a:rPr lang="zh-CN" altLang="en-US" sz="2200" dirty="0" smtClean="0">
-                <a:latin typeface="微软雅黑 Light" pitchFamily="34" charset="-122"/>
-                <a:ea typeface="微软雅黑 Light" pitchFamily="34" charset="-122"/>
-              </a:rPr>
-              <a:t>计算</a:t>
-            </a:r>
-            <a:endParaRPr lang="en-US" altLang="zh-CN" sz="2200" dirty="0" smtClean="0">
-              <a:latin typeface="微软雅黑 Light" pitchFamily="34" charset="-122"/>
-              <a:ea typeface="微软雅黑 Light" pitchFamily="34" charset="-122"/>
-            </a:endParaRPr>
-          </a:p>
-          <a:p>
-            <a:pPr marL="342900" indent="-342900">
-              <a:buFont typeface="Wingdings" pitchFamily="2" charset="2"/>
-              <a:buChar char="Ø"/>
+              <a:rPr lang="en-US" altLang="zh-CN" sz="900" dirty="0"/>
+              <a:t>    if &lt;</a:t>
+            </a:r>
+            <a:r>
+              <a:rPr lang="zh-CN" altLang="en-US" sz="900" dirty="0"/>
+              <a:t>从</a:t>
+            </a:r>
+            <a:r>
+              <a:rPr lang="en-US" altLang="zh-CN" sz="900" dirty="0"/>
+              <a:t>request</a:t>
+            </a:r>
+            <a:r>
+              <a:rPr lang="zh-CN" altLang="en-US" sz="900" dirty="0"/>
+              <a:t>对象的</a:t>
+            </a:r>
+            <a:r>
+              <a:rPr lang="en-US" altLang="zh-CN" sz="900" dirty="0"/>
+              <a:t>session</a:t>
+            </a:r>
+            <a:r>
+              <a:rPr lang="zh-CN" altLang="en-US" sz="900" dirty="0"/>
+              <a:t>中得出没有登录</a:t>
+            </a:r>
+            <a:r>
+              <a:rPr lang="en-US" altLang="zh-CN" sz="900" dirty="0"/>
+              <a:t>&gt; then</a:t>
+            </a:r>
+          </a:p>
+          <a:p>
+            <a:pPr>
+              <a:lnSpc>
+                <a:spcPct val="150000"/>
+              </a:lnSpc>
             </a:pPr>
-            <a:endParaRPr lang="en-US" altLang="zh-CN" sz="2200" dirty="0">
-              <a:latin typeface="微软雅黑 Light" pitchFamily="34" charset="-122"/>
-              <a:ea typeface="微软雅黑 Light" pitchFamily="34" charset="-122"/>
-            </a:endParaRPr>
-          </a:p>
-          <a:p>
-            <a:r>
-              <a:rPr lang="zh-CN" altLang="en-US" sz="2200" dirty="0" smtClean="0">
-                <a:latin typeface="微软雅黑 Light" pitchFamily="34" charset="-122"/>
-                <a:ea typeface="微软雅黑 Light" pitchFamily="34" charset="-122"/>
-              </a:rPr>
-              <a:t>具体伪代码详见 </a:t>
-            </a:r>
-            <a:r>
-              <a:rPr lang="zh-CN" altLang="en-US" sz="2200" u="sng" dirty="0" smtClean="0">
-                <a:latin typeface="微软雅黑 Light" pitchFamily="34" charset="-122"/>
-                <a:ea typeface="微软雅黑 Light" pitchFamily="34" charset="-122"/>
-              </a:rPr>
-              <a:t>游戏进行</a:t>
-            </a:r>
-            <a:r>
-              <a:rPr lang="en-US" altLang="zh-CN" sz="2200" u="sng" dirty="0" smtClean="0">
-                <a:latin typeface="微软雅黑 Light" pitchFamily="34" charset="-122"/>
-                <a:ea typeface="微软雅黑 Light" pitchFamily="34" charset="-122"/>
-              </a:rPr>
-              <a:t>.doc</a:t>
-            </a:r>
-            <a:endParaRPr lang="en-US" altLang="zh-CN" sz="2200" u="sng" dirty="0" smtClean="0">
-              <a:latin typeface="微软雅黑 Light" pitchFamily="34" charset="-122"/>
-              <a:ea typeface="微软雅黑 Light" pitchFamily="34" charset="-122"/>
-            </a:endParaRPr>
+            <a:r>
+              <a:rPr lang="en-US" altLang="zh-CN" sz="900" dirty="0"/>
+              <a:t>        </a:t>
+            </a:r>
+            <a:r>
+              <a:rPr lang="zh-CN" altLang="en-US" sz="900" dirty="0"/>
+              <a:t>重定向到‘非法操作’页面</a:t>
+            </a:r>
+          </a:p>
+          <a:p>
+            <a:pPr>
+              <a:lnSpc>
+                <a:spcPct val="150000"/>
+              </a:lnSpc>
+            </a:pPr>
+            <a:r>
+              <a:rPr lang="zh-CN" altLang="en-US" sz="900" dirty="0"/>
+              <a:t>    </a:t>
+            </a:r>
+            <a:r>
+              <a:rPr lang="en-US" altLang="zh-CN" sz="900" dirty="0"/>
+              <a:t>else if &lt;</a:t>
+            </a:r>
+            <a:r>
+              <a:rPr lang="zh-CN" altLang="en-US" sz="900" dirty="0"/>
+              <a:t>请求不是</a:t>
+            </a:r>
+            <a:r>
+              <a:rPr lang="en-US" altLang="zh-CN" sz="900" dirty="0"/>
+              <a:t>get</a:t>
+            </a:r>
+            <a:r>
+              <a:rPr lang="zh-CN" altLang="en-US" sz="900" dirty="0"/>
+              <a:t>请求</a:t>
+            </a:r>
+            <a:r>
+              <a:rPr lang="en-US" altLang="zh-CN" sz="900" dirty="0"/>
+              <a:t>&gt; then</a:t>
+            </a:r>
+          </a:p>
+          <a:p>
+            <a:pPr>
+              <a:lnSpc>
+                <a:spcPct val="150000"/>
+              </a:lnSpc>
+            </a:pPr>
+            <a:r>
+              <a:rPr lang="en-US" altLang="zh-CN" sz="900" dirty="0"/>
+              <a:t>        raise 404</a:t>
+            </a:r>
+            <a:r>
+              <a:rPr lang="zh-CN" altLang="en-US" sz="900" dirty="0"/>
+              <a:t>异常</a:t>
+            </a:r>
+          </a:p>
+          <a:p>
+            <a:pPr>
+              <a:lnSpc>
+                <a:spcPct val="150000"/>
+              </a:lnSpc>
+            </a:pPr>
+            <a:r>
+              <a:rPr lang="zh-CN" altLang="en-US" sz="900" dirty="0"/>
+              <a:t>    </a:t>
+            </a:r>
+            <a:r>
+              <a:rPr lang="en-US" altLang="zh-CN" sz="900" dirty="0"/>
+              <a:t>else #</a:t>
+            </a:r>
+            <a:r>
+              <a:rPr lang="zh-CN" altLang="en-US" sz="900" dirty="0"/>
+              <a:t>请求是</a:t>
+            </a:r>
+            <a:r>
+              <a:rPr lang="en-US" altLang="zh-CN" sz="900" dirty="0"/>
+              <a:t>get</a:t>
+            </a:r>
+            <a:r>
+              <a:rPr lang="zh-CN" altLang="en-US" sz="900" dirty="0"/>
+              <a:t>请求</a:t>
+            </a:r>
+          </a:p>
+          <a:p>
+            <a:pPr>
+              <a:lnSpc>
+                <a:spcPct val="150000"/>
+              </a:lnSpc>
+            </a:pPr>
+            <a:r>
+              <a:rPr lang="zh-CN" altLang="en-US" sz="900" dirty="0"/>
+              <a:t>        </a:t>
+            </a:r>
+            <a:r>
+              <a:rPr lang="en-US" altLang="zh-CN" sz="900" dirty="0"/>
+              <a:t>if &lt;</a:t>
+            </a:r>
+            <a:r>
+              <a:rPr lang="zh-CN" altLang="en-US" sz="900" dirty="0"/>
+              <a:t>请求信息不存在</a:t>
+            </a:r>
+            <a:r>
+              <a:rPr lang="en-US" altLang="zh-CN" sz="900" dirty="0"/>
+              <a:t>&gt; then</a:t>
+            </a:r>
+          </a:p>
+          <a:p>
+            <a:pPr>
+              <a:lnSpc>
+                <a:spcPct val="150000"/>
+              </a:lnSpc>
+            </a:pPr>
+            <a:r>
+              <a:rPr lang="en-US" altLang="zh-CN" sz="900" dirty="0"/>
+              <a:t>            </a:t>
+            </a:r>
+            <a:r>
+              <a:rPr lang="zh-CN" altLang="en-US" sz="900" dirty="0"/>
+              <a:t>返回用户信息未找到出错页面</a:t>
+            </a:r>
+          </a:p>
+          <a:p>
+            <a:pPr>
+              <a:lnSpc>
+                <a:spcPct val="150000"/>
+              </a:lnSpc>
+            </a:pPr>
+            <a:r>
+              <a:rPr lang="zh-CN" altLang="en-US" sz="900" dirty="0"/>
+              <a:t>        </a:t>
+            </a:r>
+            <a:r>
+              <a:rPr lang="en-US" altLang="zh-CN" sz="900" dirty="0"/>
+              <a:t>begin &lt;</a:t>
+            </a:r>
+            <a:r>
+              <a:rPr lang="zh-CN" altLang="en-US" sz="900" dirty="0"/>
+              <a:t>更新信息</a:t>
+            </a:r>
+            <a:r>
+              <a:rPr lang="en-US" altLang="zh-CN" sz="900" dirty="0"/>
+              <a:t>&gt;</a:t>
+            </a:r>
+          </a:p>
+          <a:p>
+            <a:pPr>
+              <a:lnSpc>
+                <a:spcPct val="150000"/>
+              </a:lnSpc>
+            </a:pPr>
+            <a:r>
+              <a:rPr lang="en-US" altLang="zh-CN" sz="900" dirty="0"/>
+              <a:t>            </a:t>
+            </a:r>
+            <a:r>
+              <a:rPr lang="zh-CN" altLang="en-US" sz="900" dirty="0"/>
+              <a:t>更新相应信息至数据库</a:t>
+            </a:r>
+          </a:p>
+          <a:p>
+            <a:pPr>
+              <a:lnSpc>
+                <a:spcPct val="150000"/>
+              </a:lnSpc>
+            </a:pPr>
+            <a:r>
+              <a:rPr lang="zh-CN" altLang="en-US" sz="900" dirty="0"/>
+              <a:t>        </a:t>
+            </a:r>
+            <a:r>
+              <a:rPr lang="en-US" altLang="zh-CN" sz="900" dirty="0"/>
+              <a:t>end</a:t>
+            </a:r>
+          </a:p>
+          <a:p>
+            <a:pPr>
+              <a:lnSpc>
+                <a:spcPct val="150000"/>
+              </a:lnSpc>
+            </a:pPr>
+            <a:r>
+              <a:rPr lang="zh-CN" altLang="en-US" sz="900" dirty="0"/>
+              <a:t>出现新的积分排行榜</a:t>
+            </a:r>
+          </a:p>
+          <a:p>
+            <a:pPr>
+              <a:lnSpc>
+                <a:spcPct val="150000"/>
+              </a:lnSpc>
+            </a:pPr>
+            <a:r>
+              <a:rPr lang="zh-CN" altLang="en-US" sz="900" dirty="0"/>
+              <a:t>             返回‘主界面’并显示该用户当前积分</a:t>
+            </a:r>
+          </a:p>
+          <a:p>
+            <a:pPr>
+              <a:lnSpc>
+                <a:spcPct val="150000"/>
+              </a:lnSpc>
+            </a:pPr>
+            <a:r>
+              <a:rPr lang="en-US" altLang="zh-CN" sz="900" dirty="0"/>
+              <a:t>end</a:t>
+            </a:r>
           </a:p>
         </p:txBody>
       </p:sp>
     </p:spTree>
     <p:extLst>
       <p:ext uri="{BB962C8B-B14F-4D97-AF65-F5344CB8AC3E}">
-        <p14:creationId xmlns:p14="http://schemas.microsoft.com/office/powerpoint/2010/main" val="661409680"/>
+        <p14:creationId xmlns:p14="http://schemas.microsoft.com/office/powerpoint/2010/main" val="459008709"/>
       </p:ext>
     </p:extLst>
   </p:cSld>
@@ -10798,6 +10646,392 @@
 </file>
 
 <file path=ppt/slides/slide20.xml><?xml version="1.0" encoding="utf-8"?>
+<p:sld xmlns:a="http://schemas.openxmlformats.org/drawingml/2006/main" xmlns:r="http://schemas.openxmlformats.org/officeDocument/2006/relationships" xmlns:p="http://schemas.openxmlformats.org/presentationml/2006/main">
+  <p:cSld>
+    <p:spTree>
+      <p:nvGrpSpPr>
+        <p:cNvPr id="1" name=""/>
+        <p:cNvGrpSpPr/>
+        <p:nvPr/>
+      </p:nvGrpSpPr>
+      <p:grpSpPr>
+        <a:xfrm>
+          <a:off x="0" y="0"/>
+          <a:ext cx="0" cy="0"/>
+          <a:chOff x="0" y="0"/>
+          <a:chExt cx="0" cy="0"/>
+        </a:xfrm>
+      </p:grpSpPr>
+      <p:pic>
+        <p:nvPicPr>
+          <p:cNvPr id="2" name="그림 6" descr="0006.jpg"/>
+          <p:cNvPicPr>
+            <a:picLocks noChangeAspect="1" noChangeArrowheads="1"/>
+          </p:cNvPicPr>
+          <p:nvPr/>
+        </p:nvPicPr>
+        <p:blipFill>
+          <a:blip r:embed="rId2">
+            <a:extLst>
+              <a:ext uri="{28A0092B-C50C-407E-A947-70E740481C1C}">
+                <a14:useLocalDpi xmlns:a14="http://schemas.microsoft.com/office/drawing/2010/main" val="0"/>
+              </a:ext>
+            </a:extLst>
+          </a:blip>
+          <a:srcRect/>
+          <a:stretch>
+            <a:fillRect/>
+          </a:stretch>
+        </p:blipFill>
+        <p:spPr bwMode="auto">
+          <a:xfrm>
+            <a:off x="4763" y="0"/>
+            <a:ext cx="9144000" cy="5715000"/>
+          </a:xfrm>
+          <a:prstGeom prst="rect">
+            <a:avLst/>
+          </a:prstGeom>
+          <a:noFill/>
+          <a:ln>
+            <a:noFill/>
+          </a:ln>
+          <a:extLst>
+            <a:ext uri="{909E8E84-426E-40DD-AFC4-6F175D3DCCD1}">
+              <a14:hiddenFill xmlns:a14="http://schemas.microsoft.com/office/drawing/2010/main">
+                <a:solidFill>
+                  <a:srgbClr val="FFFFFF"/>
+                </a:solidFill>
+              </a14:hiddenFill>
+            </a:ext>
+            <a:ext uri="{91240B29-F687-4F45-9708-019B960494DF}">
+              <a14:hiddenLine xmlns:a14="http://schemas.microsoft.com/office/drawing/2010/main" w="9525">
+                <a:solidFill>
+                  <a:srgbClr val="000000"/>
+                </a:solidFill>
+                <a:miter lim="800000"/>
+                <a:headEnd/>
+                <a:tailEnd/>
+              </a14:hiddenLine>
+            </a:ext>
+          </a:extLst>
+        </p:spPr>
+      </p:pic>
+      <p:sp>
+        <p:nvSpPr>
+          <p:cNvPr id="14" name="矩形 3"/>
+          <p:cNvSpPr>
+            <a:spLocks noChangeArrowheads="1"/>
+          </p:cNvSpPr>
+          <p:nvPr/>
+        </p:nvSpPr>
+        <p:spPr bwMode="auto">
+          <a:xfrm>
+            <a:off x="1" y="1256771"/>
+            <a:ext cx="9148763" cy="820208"/>
+          </a:xfrm>
+          <a:prstGeom prst="rect">
+            <a:avLst/>
+          </a:prstGeom>
+          <a:solidFill>
+            <a:srgbClr val="92D050">
+              <a:alpha val="85097"/>
+            </a:srgbClr>
+          </a:solidFill>
+          <a:ln>
+            <a:noFill/>
+          </a:ln>
+        </p:spPr>
+        <p:txBody>
+          <a:bodyPr anchor="ctr"/>
+          <a:lstStyle/>
+          <a:p>
+            <a:pPr algn="ctr"/>
+            <a:endParaRPr lang="zh-CN" altLang="zh-CN">
+              <a:solidFill>
+                <a:srgbClr val="FFFFFF"/>
+              </a:solidFill>
+              <a:latin typeface="宋体" pitchFamily="2" charset="-122"/>
+              <a:sym typeface="宋体" pitchFamily="2" charset="-122"/>
+            </a:endParaRPr>
+          </a:p>
+        </p:txBody>
+      </p:sp>
+      <p:sp>
+        <p:nvSpPr>
+          <p:cNvPr id="16" name="文本框 2"/>
+          <p:cNvSpPr>
+            <a:spLocks noChangeArrowheads="1"/>
+          </p:cNvSpPr>
+          <p:nvPr/>
+        </p:nvSpPr>
+        <p:spPr bwMode="auto">
+          <a:xfrm>
+            <a:off x="1403338" y="1537874"/>
+            <a:ext cx="3672718" cy="584775"/>
+          </a:xfrm>
+          <a:prstGeom prst="rect">
+            <a:avLst/>
+          </a:prstGeom>
+          <a:noFill/>
+          <a:ln>
+            <a:noFill/>
+          </a:ln>
+          <a:extLst>
+            <a:ext uri="{909E8E84-426E-40DD-AFC4-6F175D3DCCD1}">
+              <a14:hiddenFill xmlns:a14="http://schemas.microsoft.com/office/drawing/2010/main">
+                <a:solidFill>
+                  <a:srgbClr val="FFFFFF"/>
+                </a:solidFill>
+              </a14:hiddenFill>
+            </a:ext>
+            <a:ext uri="{91240B29-F687-4F45-9708-019B960494DF}">
+              <a14:hiddenLine xmlns:a14="http://schemas.microsoft.com/office/drawing/2010/main" w="9525">
+                <a:solidFill>
+                  <a:srgbClr val="000000"/>
+                </a:solidFill>
+                <a:miter lim="800000"/>
+                <a:headEnd/>
+                <a:tailEnd/>
+              </a14:hiddenLine>
+            </a:ext>
+          </a:extLst>
+        </p:spPr>
+        <p:txBody>
+          <a:bodyPr wrap="square">
+            <a:spAutoFit/>
+          </a:bodyPr>
+          <a:lstStyle/>
+          <a:p>
+            <a:r>
+              <a:rPr lang="zh-CN" altLang="en-US" sz="3200" b="1" dirty="0">
+                <a:solidFill>
+                  <a:srgbClr val="3A3838"/>
+                </a:solidFill>
+                <a:latin typeface="微软雅黑 Light" pitchFamily="34" charset="-122"/>
+                <a:ea typeface="微软雅黑 Light" pitchFamily="34" charset="-122"/>
+                <a:sym typeface="方正仿宋简体" charset="-122"/>
+              </a:rPr>
+              <a:t>游戏</a:t>
+            </a:r>
+            <a:r>
+              <a:rPr lang="zh-CN" altLang="en-US" sz="3200" b="1" dirty="0" smtClean="0">
+                <a:solidFill>
+                  <a:srgbClr val="3A3838"/>
+                </a:solidFill>
+                <a:latin typeface="微软雅黑 Light" pitchFamily="34" charset="-122"/>
+                <a:ea typeface="微软雅黑 Light" pitchFamily="34" charset="-122"/>
+                <a:sym typeface="方正仿宋简体" charset="-122"/>
+              </a:rPr>
+              <a:t>进行子系统</a:t>
+            </a:r>
+            <a:endParaRPr lang="en-US" altLang="zh-CN" sz="3200" b="1" dirty="0">
+              <a:solidFill>
+                <a:srgbClr val="3A3838"/>
+              </a:solidFill>
+              <a:latin typeface="微软雅黑 Light" pitchFamily="34" charset="-122"/>
+              <a:ea typeface="微软雅黑 Light" pitchFamily="34" charset="-122"/>
+              <a:sym typeface="方正仿宋简体" charset="-122"/>
+            </a:endParaRPr>
+          </a:p>
+        </p:txBody>
+      </p:sp>
+      <p:sp>
+        <p:nvSpPr>
+          <p:cNvPr id="6" name="TextBox 5"/>
+          <p:cNvSpPr txBox="1"/>
+          <p:nvPr/>
+        </p:nvSpPr>
+        <p:spPr>
+          <a:xfrm>
+            <a:off x="1475656" y="2137420"/>
+            <a:ext cx="6048672" cy="3231654"/>
+          </a:xfrm>
+          <a:prstGeom prst="rect">
+            <a:avLst/>
+          </a:prstGeom>
+          <a:noFill/>
+        </p:spPr>
+        <p:txBody>
+          <a:bodyPr wrap="square" rtlCol="0">
+            <a:spAutoFit/>
+          </a:bodyPr>
+          <a:lstStyle/>
+          <a:p>
+            <a:r>
+              <a:rPr lang="zh-CN" altLang="en-US" sz="2400" dirty="0">
+                <a:latin typeface="微软雅黑 Light" pitchFamily="34" charset="-122"/>
+                <a:ea typeface="微软雅黑 Light" pitchFamily="34" charset="-122"/>
+              </a:rPr>
+              <a:t>概述：载入下一场景地图，判断用户是否过关，并进行分数的累加</a:t>
+            </a:r>
+            <a:r>
+              <a:rPr lang="zh-CN" altLang="en-US" sz="2400" dirty="0" smtClean="0">
+                <a:latin typeface="微软雅黑 Light" pitchFamily="34" charset="-122"/>
+                <a:ea typeface="微软雅黑 Light" pitchFamily="34" charset="-122"/>
+              </a:rPr>
+              <a:t>。</a:t>
+            </a:r>
+            <a:endParaRPr lang="en-US" altLang="zh-CN" sz="2400" dirty="0" smtClean="0">
+              <a:latin typeface="微软雅黑 Light" pitchFamily="34" charset="-122"/>
+              <a:ea typeface="微软雅黑 Light" pitchFamily="34" charset="-122"/>
+            </a:endParaRPr>
+          </a:p>
+          <a:p>
+            <a:r>
+              <a:rPr lang="zh-CN" altLang="en-US" sz="2400" dirty="0" smtClean="0">
+                <a:latin typeface="微软雅黑 Light" pitchFamily="34" charset="-122"/>
+                <a:ea typeface="微软雅黑 Light" pitchFamily="34" charset="-122"/>
+              </a:rPr>
+              <a:t>功能</a:t>
+            </a:r>
+            <a:r>
+              <a:rPr lang="zh-CN" altLang="en-US" sz="2400" dirty="0" smtClean="0">
+                <a:latin typeface="微软雅黑 Light" pitchFamily="34" charset="-122"/>
+                <a:ea typeface="微软雅黑 Light" pitchFamily="34" charset="-122"/>
+              </a:rPr>
+              <a:t>：</a:t>
+            </a:r>
+            <a:endParaRPr lang="en-US" altLang="zh-CN" sz="2400" dirty="0" smtClean="0">
+              <a:latin typeface="微软雅黑 Light" pitchFamily="34" charset="-122"/>
+              <a:ea typeface="微软雅黑 Light" pitchFamily="34" charset="-122"/>
+            </a:endParaRPr>
+          </a:p>
+          <a:p>
+            <a:pPr marL="342900" indent="-342900">
+              <a:buFont typeface="Wingdings" pitchFamily="2" charset="2"/>
+              <a:buChar char="Ø"/>
+            </a:pPr>
+            <a:r>
+              <a:rPr lang="zh-CN" altLang="en-US" sz="2200" dirty="0" smtClean="0">
+                <a:latin typeface="微软雅黑 Light" pitchFamily="34" charset="-122"/>
+                <a:ea typeface="微软雅黑 Light" pitchFamily="34" charset="-122"/>
+              </a:rPr>
+              <a:t>随机选择函数（物品位置等数据）</a:t>
+            </a:r>
+            <a:endParaRPr lang="en-US" altLang="zh-CN" sz="2200" dirty="0" smtClean="0">
+              <a:latin typeface="微软雅黑 Light" pitchFamily="34" charset="-122"/>
+              <a:ea typeface="微软雅黑 Light" pitchFamily="34" charset="-122"/>
+            </a:endParaRPr>
+          </a:p>
+          <a:p>
+            <a:pPr marL="342900" indent="-342900">
+              <a:buFont typeface="Wingdings" pitchFamily="2" charset="2"/>
+              <a:buChar char="Ø"/>
+            </a:pPr>
+            <a:r>
+              <a:rPr lang="zh-CN" altLang="en-US" sz="2200" dirty="0" smtClean="0">
+                <a:latin typeface="微软雅黑 Light" pitchFamily="34" charset="-122"/>
+                <a:ea typeface="微软雅黑 Light" pitchFamily="34" charset="-122"/>
+              </a:rPr>
+              <a:t>计算水平位移</a:t>
+            </a:r>
+            <a:endParaRPr lang="en-US" altLang="zh-CN" sz="2200" dirty="0" smtClean="0">
+              <a:latin typeface="微软雅黑 Light" pitchFamily="34" charset="-122"/>
+              <a:ea typeface="微软雅黑 Light" pitchFamily="34" charset="-122"/>
+            </a:endParaRPr>
+          </a:p>
+          <a:p>
+            <a:pPr marL="342900" indent="-342900">
+              <a:buFont typeface="Wingdings" pitchFamily="2" charset="2"/>
+              <a:buChar char="Ø"/>
+            </a:pPr>
+            <a:r>
+              <a:rPr lang="zh-CN" altLang="en-US" sz="2200" dirty="0" smtClean="0">
+                <a:latin typeface="微软雅黑 Light" pitchFamily="34" charset="-122"/>
+                <a:ea typeface="微软雅黑 Light" pitchFamily="34" charset="-122"/>
+              </a:rPr>
+              <a:t>判断是否套中</a:t>
+            </a:r>
+            <a:endParaRPr lang="en-US" altLang="zh-CN" sz="2200" dirty="0" smtClean="0">
+              <a:latin typeface="微软雅黑 Light" pitchFamily="34" charset="-122"/>
+              <a:ea typeface="微软雅黑 Light" pitchFamily="34" charset="-122"/>
+            </a:endParaRPr>
+          </a:p>
+          <a:p>
+            <a:pPr marL="342900" indent="-342900">
+              <a:buFont typeface="Wingdings" pitchFamily="2" charset="2"/>
+              <a:buChar char="Ø"/>
+            </a:pPr>
+            <a:r>
+              <a:rPr lang="zh-CN" altLang="en-US" sz="2200" dirty="0">
+                <a:latin typeface="微软雅黑 Light" pitchFamily="34" charset="-122"/>
+                <a:ea typeface="微软雅黑 Light" pitchFamily="34" charset="-122"/>
+              </a:rPr>
+              <a:t>得分</a:t>
+            </a:r>
+            <a:r>
+              <a:rPr lang="zh-CN" altLang="en-US" sz="2200" dirty="0" smtClean="0">
+                <a:latin typeface="微软雅黑 Light" pitchFamily="34" charset="-122"/>
+                <a:ea typeface="微软雅黑 Light" pitchFamily="34" charset="-122"/>
+              </a:rPr>
+              <a:t>计算</a:t>
+            </a:r>
+            <a:endParaRPr lang="en-US" altLang="zh-CN" sz="2200" dirty="0" smtClean="0">
+              <a:latin typeface="微软雅黑 Light" pitchFamily="34" charset="-122"/>
+              <a:ea typeface="微软雅黑 Light" pitchFamily="34" charset="-122"/>
+            </a:endParaRPr>
+          </a:p>
+          <a:p>
+            <a:pPr marL="342900" indent="-342900">
+              <a:buFont typeface="Wingdings" pitchFamily="2" charset="2"/>
+              <a:buChar char="Ø"/>
+            </a:pPr>
+            <a:endParaRPr lang="en-US" altLang="zh-CN" sz="2200" dirty="0">
+              <a:latin typeface="微软雅黑 Light" pitchFamily="34" charset="-122"/>
+              <a:ea typeface="微软雅黑 Light" pitchFamily="34" charset="-122"/>
+            </a:endParaRPr>
+          </a:p>
+          <a:p>
+            <a:r>
+              <a:rPr lang="zh-CN" altLang="en-US" sz="2200" dirty="0" smtClean="0">
+                <a:latin typeface="微软雅黑 Light" pitchFamily="34" charset="-122"/>
+                <a:ea typeface="微软雅黑 Light" pitchFamily="34" charset="-122"/>
+              </a:rPr>
+              <a:t>具体伪代码详见 </a:t>
+            </a:r>
+            <a:r>
+              <a:rPr lang="zh-CN" altLang="en-US" sz="2200" u="sng" dirty="0" smtClean="0">
+                <a:latin typeface="微软雅黑 Light" pitchFamily="34" charset="-122"/>
+                <a:ea typeface="微软雅黑 Light" pitchFamily="34" charset="-122"/>
+              </a:rPr>
+              <a:t>游戏进行</a:t>
+            </a:r>
+            <a:r>
+              <a:rPr lang="en-US" altLang="zh-CN" sz="2200" u="sng" dirty="0" smtClean="0">
+                <a:latin typeface="微软雅黑 Light" pitchFamily="34" charset="-122"/>
+                <a:ea typeface="微软雅黑 Light" pitchFamily="34" charset="-122"/>
+              </a:rPr>
+              <a:t>.doc</a:t>
+            </a:r>
+            <a:endParaRPr lang="en-US" altLang="zh-CN" sz="2200" u="sng" dirty="0" smtClean="0">
+              <a:latin typeface="微软雅黑 Light" pitchFamily="34" charset="-122"/>
+              <a:ea typeface="微软雅黑 Light" pitchFamily="34" charset="-122"/>
+            </a:endParaRPr>
+          </a:p>
+        </p:txBody>
+      </p:sp>
+    </p:spTree>
+    <p:extLst>
+      <p:ext uri="{BB962C8B-B14F-4D97-AF65-F5344CB8AC3E}">
+        <p14:creationId xmlns:p14="http://schemas.microsoft.com/office/powerpoint/2010/main" val="661409680"/>
+      </p:ext>
+    </p:extLst>
+  </p:cSld>
+  <p:clrMapOvr>
+    <a:masterClrMapping/>
+  </p:clrMapOvr>
+  <p:transition spd="slow"/>
+  <p:timing>
+    <p:tnLst>
+      <p:par>
+        <p:cTn id="1" dur="indefinite" restart="never" nodeType="tmRoot"/>
+      </p:par>
+    </p:tnLst>
+  </p:timing>
+</p:sld>
+</file>
+
+<file path=ppt/slides/slide21.xml><?xml version="1.0" encoding="utf-8"?>
 <p:sld xmlns:a="http://schemas.openxmlformats.org/drawingml/2006/main" xmlns:r="http://schemas.openxmlformats.org/officeDocument/2006/relationships" xmlns:p="http://schemas.openxmlformats.org/presentationml/2006/main">
   <p:cSld>
     <p:spTree>
@@ -11420,7 +11654,7 @@
 </p:sld>
 </file>
 
-<file path=ppt/slides/slide21.xml><?xml version="1.0" encoding="utf-8"?>
+<file path=ppt/slides/slide22.xml><?xml version="1.0" encoding="utf-8"?>
 <p:sld xmlns:a="http://schemas.openxmlformats.org/drawingml/2006/main" xmlns:r="http://schemas.openxmlformats.org/officeDocument/2006/relationships" xmlns:p="http://schemas.openxmlformats.org/presentationml/2006/main">
   <p:cSld>
     <p:spTree>
@@ -11661,7 +11895,7 @@
 </p:sld>
 </file>
 
-<file path=ppt/slides/slide22.xml><?xml version="1.0" encoding="utf-8"?>
+<file path=ppt/slides/slide23.xml><?xml version="1.0" encoding="utf-8"?>
 <p:sld xmlns:a="http://schemas.openxmlformats.org/drawingml/2006/main" xmlns:r="http://schemas.openxmlformats.org/officeDocument/2006/relationships" xmlns:p="http://schemas.openxmlformats.org/presentationml/2006/main">
   <p:cSld>
     <p:spTree>
@@ -12930,7 +13164,7 @@
           <a:lstStyle/>
           <a:p>
             <a:r>
-              <a:rPr lang="en-US" altLang="zh-CN" sz="1400" dirty="0">
+              <a:rPr lang="en-US" altLang="zh-CN" sz="1400" b="1" dirty="0">
                 <a:latin typeface="微软雅黑 Light" pitchFamily="34" charset="-122"/>
                 <a:ea typeface="微软雅黑 Light" pitchFamily="34" charset="-122"/>
               </a:rPr>
@@ -12995,7 +13229,7 @@
           </a:p>
           <a:p>
             <a:r>
-              <a:rPr lang="en-US" altLang="zh-CN" sz="1400" dirty="0" smtClean="0">
+              <a:rPr lang="en-US" altLang="zh-CN" sz="1400" b="1" dirty="0" smtClean="0">
                 <a:latin typeface="微软雅黑 Light" pitchFamily="34" charset="-122"/>
                 <a:ea typeface="微软雅黑 Light" pitchFamily="34" charset="-122"/>
               </a:rPr>
@@ -13013,7 +13247,21 @@
                 <a:latin typeface="微软雅黑 Light" pitchFamily="34" charset="-122"/>
                 <a:ea typeface="微软雅黑 Light" pitchFamily="34" charset="-122"/>
               </a:rPr>
-              <a:t>https://blog.csdn.net/beijiguangyong/article/details/5906367 #_Toc521464967</a:t>
+              <a:t>https://</a:t>
+            </a:r>
+            <a:r>
+              <a:rPr lang="en-US" altLang="zh-CN" sz="1400" dirty="0" smtClean="0">
+                <a:latin typeface="微软雅黑 Light" pitchFamily="34" charset="-122"/>
+                <a:ea typeface="微软雅黑 Light" pitchFamily="34" charset="-122"/>
+              </a:rPr>
+              <a:t>blog.csdn.net/beijiguangyong/article/details/5906367#_</a:t>
+            </a:r>
+            <a:r>
+              <a:rPr lang="en-US" altLang="zh-CN" sz="1400" dirty="0">
+                <a:latin typeface="微软雅黑 Light" pitchFamily="34" charset="-122"/>
+                <a:ea typeface="微软雅黑 Light" pitchFamily="34" charset="-122"/>
+              </a:rPr>
+              <a:t>Toc521464967</a:t>
             </a:r>
             <a:r>
               <a:rPr lang="zh-CN" altLang="en-US" sz="1400" dirty="0">
@@ -13036,7 +13284,7 @@
           </a:p>
           <a:p>
             <a:r>
-              <a:rPr lang="en-US" altLang="zh-CN" sz="1400" dirty="0" smtClean="0">
+              <a:rPr lang="en-US" altLang="zh-CN" sz="1400" b="1" dirty="0" smtClean="0">
                 <a:latin typeface="微软雅黑 Light" pitchFamily="34" charset="-122"/>
                 <a:ea typeface="微软雅黑 Light" pitchFamily="34" charset="-122"/>
               </a:rPr>
@@ -13062,7 +13310,13 @@
               <a:rPr lang="en-US" altLang="zh-CN" sz="1400" dirty="0">
                 <a:latin typeface="+mn-ea"/>
               </a:rPr>
-              <a:t>https://wenku.baidu.com/view/36f85876 ac02de80d4d8d15abe23482fb4da0289.html?from=search</a:t>
+              <a:t>https://</a:t>
+            </a:r>
+            <a:r>
+              <a:rPr lang="en-US" altLang="zh-CN" sz="1400" dirty="0" smtClean="0">
+                <a:latin typeface="+mn-ea"/>
+              </a:rPr>
+              <a:t>wenku.baidu.com/view/36f85876ac02de80d4d8d15abe23482fb4da0289.html?from=search</a:t>
             </a:r>
             <a:r>
               <a:rPr lang="zh-CN" altLang="zh-CN" sz="1400" dirty="0">
@@ -13082,7 +13336,7 @@
           </a:p>
           <a:p>
             <a:r>
-              <a:rPr lang="en-US" altLang="zh-CN" sz="1400" dirty="0" smtClean="0">
+              <a:rPr lang="en-US" altLang="zh-CN" sz="1400" b="1" dirty="0" smtClean="0">
                 <a:latin typeface="微软雅黑 Light" pitchFamily="34" charset="-122"/>
                 <a:ea typeface="微软雅黑 Light" pitchFamily="34" charset="-122"/>
               </a:rPr>
@@ -13107,7 +13361,14 @@
                 <a:latin typeface="微软雅黑 Light" pitchFamily="34" charset="-122"/>
                 <a:ea typeface="微软雅黑 Light" pitchFamily="34" charset="-122"/>
               </a:rPr>
-              <a:t>https://wenku.baidu.com/view/90b569 e8a48da 0116 c175 f0e7cd184254b351b9c.html</a:t>
+              <a:t>https://</a:t>
+            </a:r>
+            <a:r>
+              <a:rPr lang="en-US" altLang="zh-CN" sz="1400" dirty="0" smtClean="0">
+                <a:latin typeface="微软雅黑 Light" pitchFamily="34" charset="-122"/>
+                <a:ea typeface="微软雅黑 Light" pitchFamily="34" charset="-122"/>
+              </a:rPr>
+              <a:t>wenku.baidu.com/view/90b569e8a48da0116c175f0e7cd184254b351b9c.html</a:t>
             </a:r>
             <a:r>
               <a:rPr lang="zh-CN" altLang="en-US" sz="1400" dirty="0">
@@ -13126,7 +13387,7 @@
           </a:p>
           <a:p>
             <a:r>
-              <a:rPr lang="en-US" altLang="zh-CN" sz="1400" dirty="0" smtClean="0">
+              <a:rPr lang="en-US" altLang="zh-CN" sz="1400" b="1" dirty="0" smtClean="0">
                 <a:latin typeface="微软雅黑 Light" pitchFamily="34" charset="-122"/>
                 <a:ea typeface="微软雅黑 Light" pitchFamily="34" charset="-122"/>
               </a:rPr>
@@ -13163,18 +13424,25 @@
           </a:p>
           <a:p>
             <a:r>
-              <a:rPr lang="en-US" altLang="zh-CN" sz="1400" dirty="0">
+              <a:rPr lang="en-US" altLang="zh-CN" sz="1400" b="1" dirty="0">
                 <a:latin typeface="微软雅黑 Light" pitchFamily="34" charset="-122"/>
                 <a:ea typeface="微软雅黑 Light" pitchFamily="34" charset="-122"/>
               </a:rPr>
-              <a:t>[6] [5]</a:t>
+              <a:t>[6] </a:t>
+            </a:r>
+            <a:r>
+              <a:rPr lang="zh-CN" altLang="en-US" sz="1400" dirty="0" smtClean="0">
+                <a:latin typeface="微软雅黑 Light" pitchFamily="34" charset="-122"/>
+                <a:ea typeface="微软雅黑 Light" pitchFamily="34" charset="-122"/>
+              </a:rPr>
+              <a:t>倾听</a:t>
             </a:r>
             <a:r>
               <a:rPr lang="zh-CN" altLang="en-US" sz="1400" dirty="0">
                 <a:latin typeface="微软雅黑 Light" pitchFamily="34" charset="-122"/>
                 <a:ea typeface="微软雅黑 Light" pitchFamily="34" charset="-122"/>
               </a:rPr>
-              <a:t>倾听岁月，微信小程序 </a:t>
+              <a:t>岁月，微信小程序 </a:t>
             </a:r>
             <a:r>
               <a:rPr lang="en-US" altLang="zh-CN" sz="1400" dirty="0">
@@ -13500,13 +13768,13 @@
               </a:ext>
             </a:extLst>
           </a:blip>
-          <a:srcRect t="9434" b="7834"/>
+          <a:srcRect l="1282" t="9434" r="2443" b="7834"/>
           <a:stretch/>
         </p:blipFill>
         <p:spPr bwMode="auto">
           <a:xfrm>
-            <a:off x="2944016" y="4072491"/>
-            <a:ext cx="5811788" cy="799139"/>
+            <a:off x="3018560" y="4072491"/>
+            <a:ext cx="5595242" cy="799139"/>
           </a:xfrm>
           <a:prstGeom prst="rect">
             <a:avLst/>
@@ -14254,6 +14522,254 @@
               <a:latin typeface="微软雅黑 Light" pitchFamily="34" charset="-122"/>
               <a:ea typeface="微软雅黑 Light" pitchFamily="34" charset="-122"/>
               <a:sym typeface="方正仿宋简体" charset="-122"/>
+            </a:endParaRPr>
+          </a:p>
+        </p:txBody>
+      </p:sp>
+      <p:pic>
+        <p:nvPicPr>
+          <p:cNvPr id="4099" name="Picture 3"/>
+          <p:cNvPicPr>
+            <a:picLocks noChangeAspect="1" noChangeArrowheads="1"/>
+          </p:cNvPicPr>
+          <p:nvPr/>
+        </p:nvPicPr>
+        <p:blipFill>
+          <a:blip r:embed="rId3">
+            <a:extLst>
+              <a:ext uri="{28A0092B-C50C-407E-A947-70E740481C1C}">
+                <a14:useLocalDpi xmlns:a14="http://schemas.microsoft.com/office/drawing/2010/main" val="0"/>
+              </a:ext>
+            </a:extLst>
+          </a:blip>
+          <a:srcRect/>
+          <a:stretch>
+            <a:fillRect/>
+          </a:stretch>
+        </p:blipFill>
+        <p:spPr bwMode="auto">
+          <a:xfrm>
+            <a:off x="4716016" y="2076979"/>
+            <a:ext cx="1872973" cy="3515489"/>
+          </a:xfrm>
+          <a:prstGeom prst="rect">
+            <a:avLst/>
+          </a:prstGeom>
+          <a:noFill/>
+          <a:ln>
+            <a:noFill/>
+          </a:ln>
+          <a:effectLst/>
+          <a:extLst>
+            <a:ext uri="{909E8E84-426E-40DD-AFC4-6F175D3DCCD1}">
+              <a14:hiddenFill xmlns:a14="http://schemas.microsoft.com/office/drawing/2010/main">
+                <a:solidFill>
+                  <a:schemeClr val="accent1"/>
+                </a:solidFill>
+              </a14:hiddenFill>
+            </a:ext>
+            <a:ext uri="{91240B29-F687-4F45-9708-019B960494DF}">
+              <a14:hiddenLine xmlns:a14="http://schemas.microsoft.com/office/drawing/2010/main" w="9525">
+                <a:solidFill>
+                  <a:schemeClr val="tx1"/>
+                </a:solidFill>
+                <a:miter lim="800000"/>
+                <a:headEnd/>
+                <a:tailEnd/>
+              </a14:hiddenLine>
+            </a:ext>
+            <a:ext uri="{AF507438-7753-43E0-B8FC-AC1667EBCBE1}">
+              <a14:hiddenEffects xmlns:a14="http://schemas.microsoft.com/office/drawing/2010/main">
+                <a:effectLst>
+                  <a:outerShdw dist="35921" dir="2700000" algn="ctr" rotWithShape="0">
+                    <a:schemeClr val="bg2"/>
+                  </a:outerShdw>
+                </a:effectLst>
+              </a14:hiddenEffects>
+            </a:ext>
+          </a:extLst>
+        </p:spPr>
+      </p:pic>
+      <p:pic>
+        <p:nvPicPr>
+          <p:cNvPr id="4100" name="Picture 4"/>
+          <p:cNvPicPr>
+            <a:picLocks noChangeAspect="1" noChangeArrowheads="1"/>
+          </p:cNvPicPr>
+          <p:nvPr/>
+        </p:nvPicPr>
+        <p:blipFill>
+          <a:blip r:embed="rId4">
+            <a:extLst>
+              <a:ext uri="{28A0092B-C50C-407E-A947-70E740481C1C}">
+                <a14:useLocalDpi xmlns:a14="http://schemas.microsoft.com/office/drawing/2010/main" val="0"/>
+              </a:ext>
+            </a:extLst>
+          </a:blip>
+          <a:srcRect/>
+          <a:stretch>
+            <a:fillRect/>
+          </a:stretch>
+        </p:blipFill>
+        <p:spPr bwMode="auto">
+          <a:xfrm>
+            <a:off x="1380440" y="2076979"/>
+            <a:ext cx="1829231" cy="3515489"/>
+          </a:xfrm>
+          <a:prstGeom prst="rect">
+            <a:avLst/>
+          </a:prstGeom>
+          <a:noFill/>
+          <a:ln>
+            <a:noFill/>
+          </a:ln>
+          <a:effectLst/>
+          <a:extLst>
+            <a:ext uri="{909E8E84-426E-40DD-AFC4-6F175D3DCCD1}">
+              <a14:hiddenFill xmlns:a14="http://schemas.microsoft.com/office/drawing/2010/main">
+                <a:solidFill>
+                  <a:schemeClr val="accent1"/>
+                </a:solidFill>
+              </a14:hiddenFill>
+            </a:ext>
+            <a:ext uri="{91240B29-F687-4F45-9708-019B960494DF}">
+              <a14:hiddenLine xmlns:a14="http://schemas.microsoft.com/office/drawing/2010/main" w="9525">
+                <a:solidFill>
+                  <a:schemeClr val="tx1"/>
+                </a:solidFill>
+                <a:miter lim="800000"/>
+                <a:headEnd/>
+                <a:tailEnd/>
+              </a14:hiddenLine>
+            </a:ext>
+            <a:ext uri="{AF507438-7753-43E0-B8FC-AC1667EBCBE1}">
+              <a14:hiddenEffects xmlns:a14="http://schemas.microsoft.com/office/drawing/2010/main">
+                <a:effectLst>
+                  <a:outerShdw dist="35921" dir="2700000" algn="ctr" rotWithShape="0">
+                    <a:schemeClr val="bg2"/>
+                  </a:outerShdw>
+                </a:effectLst>
+              </a14:hiddenEffects>
+            </a:ext>
+          </a:extLst>
+        </p:spPr>
+      </p:pic>
+      <p:sp>
+        <p:nvSpPr>
+          <p:cNvPr id="3" name="右箭头 2"/>
+          <p:cNvSpPr/>
+          <p:nvPr/>
+        </p:nvSpPr>
+        <p:spPr bwMode="auto">
+          <a:xfrm>
+            <a:off x="3563888" y="3289548"/>
+            <a:ext cx="792088" cy="648072"/>
+          </a:xfrm>
+          <a:prstGeom prst="rightArrow">
+            <a:avLst/>
+          </a:prstGeom>
+          <a:solidFill>
+            <a:srgbClr val="92D050"/>
+          </a:solidFill>
+          <a:ln w="9525" cap="flat" cmpd="sng" algn="ctr">
+            <a:solidFill>
+              <a:schemeClr val="tx1"/>
+            </a:solidFill>
+            <a:prstDash val="solid"/>
+            <a:round/>
+            <a:headEnd type="none" w="med" len="med"/>
+            <a:tailEnd type="none" w="med" len="med"/>
+          </a:ln>
+        </p:spPr>
+        <p:txBody>
+          <a:bodyPr vert="horz" wrap="square" lIns="91440" tIns="45720" rIns="91440" bIns="45720" numCol="1" rtlCol="0" anchor="t" anchorCtr="0" compatLnSpc="1"/>
+          <a:lstStyle/>
+          <a:p>
+            <a:pPr marL="0" marR="0" indent="0" algn="l" defTabSz="914400" rtl="0" eaLnBrk="1" fontAlgn="base" latinLnBrk="0" hangingPunct="1">
+              <a:lnSpc>
+                <a:spcPct val="100000"/>
+              </a:lnSpc>
+              <a:spcBef>
+                <a:spcPct val="0"/>
+              </a:spcBef>
+              <a:spcAft>
+                <a:spcPct val="0"/>
+              </a:spcAft>
+              <a:buClrTx/>
+              <a:buSzTx/>
+              <a:buFont typeface="Arial" panose="020B0604020202020204" pitchFamily="34" charset="0"/>
+              <a:buNone/>
+            </a:pPr>
+            <a:endParaRPr kumimoji="0" lang="zh-CN" altLang="en-US" sz="1800" b="0" i="0" u="none" strike="noStrike" cap="none" normalizeH="0" baseline="0" smtClean="0">
+              <a:ln>
+                <a:noFill/>
+              </a:ln>
+              <a:solidFill>
+                <a:schemeClr val="tx1"/>
+              </a:solidFill>
+              <a:effectLst/>
+              <a:latin typeface="Calibri" panose="020F0502020204030204" pitchFamily="34" charset="0"/>
+              <a:ea typeface="宋体" panose="02010600030101010101" pitchFamily="2" charset="-122"/>
+            </a:endParaRPr>
+          </a:p>
+        </p:txBody>
+      </p:sp>
+      <p:sp>
+        <p:nvSpPr>
+          <p:cNvPr id="9" name="右箭头 8"/>
+          <p:cNvSpPr/>
+          <p:nvPr/>
+        </p:nvSpPr>
+        <p:spPr bwMode="auto">
+          <a:xfrm>
+            <a:off x="7020272" y="3289548"/>
+            <a:ext cx="792088" cy="648072"/>
+          </a:xfrm>
+          <a:prstGeom prst="rightArrow">
+            <a:avLst/>
+          </a:prstGeom>
+          <a:solidFill>
+            <a:srgbClr val="92D050"/>
+          </a:solidFill>
+          <a:ln w="9525" cap="flat" cmpd="sng" algn="ctr">
+            <a:solidFill>
+              <a:schemeClr val="tx1"/>
+            </a:solidFill>
+            <a:prstDash val="solid"/>
+            <a:round/>
+            <a:headEnd type="none" w="med" len="med"/>
+            <a:tailEnd type="none" w="med" len="med"/>
+          </a:ln>
+        </p:spPr>
+        <p:txBody>
+          <a:bodyPr vert="horz" wrap="square" lIns="91440" tIns="45720" rIns="91440" bIns="45720" numCol="1" rtlCol="0" anchor="t" anchorCtr="0" compatLnSpc="1"/>
+          <a:lstStyle/>
+          <a:p>
+            <a:pPr marL="0" marR="0" indent="0" algn="l" defTabSz="914400" rtl="0" eaLnBrk="1" fontAlgn="base" latinLnBrk="0" hangingPunct="1">
+              <a:lnSpc>
+                <a:spcPct val="100000"/>
+              </a:lnSpc>
+              <a:spcBef>
+                <a:spcPct val="0"/>
+              </a:spcBef>
+              <a:spcAft>
+                <a:spcPct val="0"/>
+              </a:spcAft>
+              <a:buClrTx/>
+              <a:buSzTx/>
+              <a:buFont typeface="Arial" panose="020B0604020202020204" pitchFamily="34" charset="0"/>
+              <a:buNone/>
+            </a:pPr>
+            <a:endParaRPr kumimoji="0" lang="zh-CN" altLang="en-US" sz="1800" b="0" i="0" u="none" strike="noStrike" cap="none" normalizeH="0" baseline="0" smtClean="0">
+              <a:ln>
+                <a:noFill/>
+              </a:ln>
+              <a:solidFill>
+                <a:schemeClr val="tx1"/>
+              </a:solidFill>
+              <a:effectLst/>
+              <a:latin typeface="Calibri" panose="020F0502020204030204" pitchFamily="34" charset="0"/>
+              <a:ea typeface="宋体" panose="02010600030101010101" pitchFamily="2" charset="-122"/>
             </a:endParaRPr>
           </a:p>
         </p:txBody>
@@ -14400,8 +14916,8 @@
         </p:nvSpPr>
         <p:spPr bwMode="auto">
           <a:xfrm>
-            <a:off x="1403338" y="1537874"/>
-            <a:ext cx="3024646" cy="584775"/>
+            <a:off x="1187624" y="1489348"/>
+            <a:ext cx="2448582" cy="523220"/>
           </a:xfrm>
           <a:prstGeom prst="rect">
             <a:avLst/>
@@ -14437,7 +14953,7 @@
           <a:lstStyle/>
           <a:p>
             <a:r>
-              <a:rPr lang="en-US" altLang="zh-CN" sz="3200" b="1" dirty="0" smtClean="0">
+              <a:rPr lang="zh-CN" altLang="en-US" sz="2800" b="1" dirty="0" smtClean="0">
                 <a:solidFill>
                   <a:srgbClr val="3A3838"/>
                 </a:solidFill>
@@ -14445,20 +14961,9 @@
                 <a:ea typeface="微软雅黑 Light" pitchFamily="34" charset="-122"/>
                 <a:sym typeface="方正仿宋简体" charset="-122"/>
               </a:rPr>
-              <a:t>HIPO</a:t>
-            </a:r>
-            <a:r>
-              <a:rPr lang="zh-CN" altLang="en-US" sz="3200" b="1" dirty="0" smtClean="0">
-                <a:solidFill>
-                  <a:srgbClr val="3A3838"/>
-                </a:solidFill>
-                <a:latin typeface="微软雅黑 Light" pitchFamily="34" charset="-122"/>
-                <a:ea typeface="微软雅黑 Light" pitchFamily="34" charset="-122"/>
-                <a:sym typeface="方正仿宋简体" charset="-122"/>
-              </a:rPr>
-              <a:t>图</a:t>
-            </a:r>
-            <a:endParaRPr lang="en-US" sz="3200" b="1" dirty="0">
+              <a:t>界面原型设计</a:t>
+            </a:r>
+            <a:endParaRPr lang="en-US" sz="2800" b="1" dirty="0">
               <a:solidFill>
                 <a:srgbClr val="3A3838"/>
               </a:solidFill>
@@ -14469,32 +14974,322 @@
           </a:p>
         </p:txBody>
       </p:sp>
+      <p:sp>
+        <p:nvSpPr>
+          <p:cNvPr id="3" name="右箭头 2"/>
+          <p:cNvSpPr/>
+          <p:nvPr/>
+        </p:nvSpPr>
+        <p:spPr bwMode="auto">
+          <a:xfrm>
+            <a:off x="2915816" y="3326876"/>
+            <a:ext cx="792088" cy="648072"/>
+          </a:xfrm>
+          <a:prstGeom prst="rightArrow">
+            <a:avLst/>
+          </a:prstGeom>
+          <a:solidFill>
+            <a:srgbClr val="92D050"/>
+          </a:solidFill>
+          <a:ln w="9525" cap="flat" cmpd="sng" algn="ctr">
+            <a:solidFill>
+              <a:schemeClr val="tx1"/>
+            </a:solidFill>
+            <a:prstDash val="solid"/>
+            <a:round/>
+            <a:headEnd type="none" w="med" len="med"/>
+            <a:tailEnd type="none" w="med" len="med"/>
+          </a:ln>
+        </p:spPr>
+        <p:txBody>
+          <a:bodyPr vert="horz" wrap="square" lIns="91440" tIns="45720" rIns="91440" bIns="45720" numCol="1" rtlCol="0" anchor="t" anchorCtr="0" compatLnSpc="1"/>
+          <a:lstStyle/>
+          <a:p>
+            <a:pPr marL="0" marR="0" indent="0" algn="l" defTabSz="914400" rtl="0" eaLnBrk="1" fontAlgn="base" latinLnBrk="0" hangingPunct="1">
+              <a:lnSpc>
+                <a:spcPct val="100000"/>
+              </a:lnSpc>
+              <a:spcBef>
+                <a:spcPct val="0"/>
+              </a:spcBef>
+              <a:spcAft>
+                <a:spcPct val="0"/>
+              </a:spcAft>
+              <a:buClrTx/>
+              <a:buSzTx/>
+              <a:buFont typeface="Arial" panose="020B0604020202020204" pitchFamily="34" charset="0"/>
+              <a:buNone/>
+            </a:pPr>
+            <a:endParaRPr kumimoji="0" lang="zh-CN" altLang="en-US" sz="1800" b="0" i="0" u="none" strike="noStrike" cap="none" normalizeH="0" baseline="0" smtClean="0">
+              <a:ln>
+                <a:noFill/>
+              </a:ln>
+              <a:solidFill>
+                <a:schemeClr val="tx1"/>
+              </a:solidFill>
+              <a:effectLst/>
+              <a:latin typeface="Calibri" panose="020F0502020204030204" pitchFamily="34" charset="0"/>
+              <a:ea typeface="宋体" panose="02010600030101010101" pitchFamily="2" charset="-122"/>
+            </a:endParaRPr>
+          </a:p>
+        </p:txBody>
+      </p:sp>
+      <p:sp>
+        <p:nvSpPr>
+          <p:cNvPr id="9" name="右箭头 8"/>
+          <p:cNvSpPr/>
+          <p:nvPr/>
+        </p:nvSpPr>
+        <p:spPr bwMode="auto">
+          <a:xfrm>
+            <a:off x="5796136" y="3327872"/>
+            <a:ext cx="792088" cy="648072"/>
+          </a:xfrm>
+          <a:prstGeom prst="rightArrow">
+            <a:avLst/>
+          </a:prstGeom>
+          <a:solidFill>
+            <a:srgbClr val="92D050"/>
+          </a:solidFill>
+          <a:ln w="9525" cap="flat" cmpd="sng" algn="ctr">
+            <a:solidFill>
+              <a:schemeClr val="tx1"/>
+            </a:solidFill>
+            <a:prstDash val="solid"/>
+            <a:round/>
+            <a:headEnd type="none" w="med" len="med"/>
+            <a:tailEnd type="none" w="med" len="med"/>
+          </a:ln>
+        </p:spPr>
+        <p:txBody>
+          <a:bodyPr vert="horz" wrap="square" lIns="91440" tIns="45720" rIns="91440" bIns="45720" numCol="1" rtlCol="0" anchor="t" anchorCtr="0" compatLnSpc="1"/>
+          <a:lstStyle/>
+          <a:p>
+            <a:pPr marL="0" marR="0" indent="0" algn="l" defTabSz="914400" rtl="0" eaLnBrk="1" fontAlgn="base" latinLnBrk="0" hangingPunct="1">
+              <a:lnSpc>
+                <a:spcPct val="100000"/>
+              </a:lnSpc>
+              <a:spcBef>
+                <a:spcPct val="0"/>
+              </a:spcBef>
+              <a:spcAft>
+                <a:spcPct val="0"/>
+              </a:spcAft>
+              <a:buClrTx/>
+              <a:buSzTx/>
+              <a:buFont typeface="Arial" panose="020B0604020202020204" pitchFamily="34" charset="0"/>
+              <a:buNone/>
+            </a:pPr>
+            <a:endParaRPr kumimoji="0" lang="zh-CN" altLang="en-US" sz="1800" b="0" i="0" u="none" strike="noStrike" cap="none" normalizeH="0" baseline="0" smtClean="0">
+              <a:ln>
+                <a:noFill/>
+              </a:ln>
+              <a:solidFill>
+                <a:schemeClr val="tx1"/>
+              </a:solidFill>
+              <a:effectLst/>
+              <a:latin typeface="Calibri" panose="020F0502020204030204" pitchFamily="34" charset="0"/>
+              <a:ea typeface="宋体" panose="02010600030101010101" pitchFamily="2" charset="-122"/>
+            </a:endParaRPr>
+          </a:p>
+        </p:txBody>
+      </p:sp>
       <p:pic>
         <p:nvPicPr>
-          <p:cNvPr id="5" name="图片 4"/>
-          <p:cNvPicPr/>
+          <p:cNvPr id="5122" name="Picture 2"/>
+          <p:cNvPicPr>
+            <a:picLocks noChangeAspect="1" noChangeArrowheads="1"/>
+          </p:cNvPicPr>
           <p:nvPr/>
         </p:nvPicPr>
         <p:blipFill>
-          <a:blip r:embed="rId3"/>
+          <a:blip r:embed="rId3" cstate="print">
+            <a:extLst>
+              <a:ext uri="{28A0092B-C50C-407E-A947-70E740481C1C}">
+                <a14:useLocalDpi xmlns:a14="http://schemas.microsoft.com/office/drawing/2010/main" val="0"/>
+              </a:ext>
+            </a:extLst>
+          </a:blip>
+          <a:srcRect/>
           <a:stretch>
             <a:fillRect/>
           </a:stretch>
         </p:blipFill>
-        <p:spPr>
+        <p:spPr bwMode="auto">
           <a:xfrm>
-            <a:off x="3203848" y="1633364"/>
-            <a:ext cx="4790962" cy="3700219"/>
+            <a:off x="899592" y="2076978"/>
+            <a:ext cx="1791520" cy="3454780"/>
           </a:xfrm>
           <a:prstGeom prst="rect">
             <a:avLst/>
           </a:prstGeom>
+          <a:noFill/>
+          <a:ln>
+            <a:noFill/>
+          </a:ln>
+          <a:effectLst/>
+          <a:extLst>
+            <a:ext uri="{909E8E84-426E-40DD-AFC4-6F175D3DCCD1}">
+              <a14:hiddenFill xmlns:a14="http://schemas.microsoft.com/office/drawing/2010/main">
+                <a:solidFill>
+                  <a:schemeClr val="accent1"/>
+                </a:solidFill>
+              </a14:hiddenFill>
+            </a:ext>
+            <a:ext uri="{91240B29-F687-4F45-9708-019B960494DF}">
+              <a14:hiddenLine xmlns:a14="http://schemas.microsoft.com/office/drawing/2010/main" w="9525">
+                <a:solidFill>
+                  <a:schemeClr val="tx1"/>
+                </a:solidFill>
+                <a:miter lim="800000"/>
+                <a:headEnd/>
+                <a:tailEnd/>
+              </a14:hiddenLine>
+            </a:ext>
+            <a:ext uri="{AF507438-7753-43E0-B8FC-AC1667EBCBE1}">
+              <a14:hiddenEffects xmlns:a14="http://schemas.microsoft.com/office/drawing/2010/main">
+                <a:effectLst>
+                  <a:outerShdw dist="35921" dir="2700000" algn="ctr" rotWithShape="0">
+                    <a:schemeClr val="bg2"/>
+                  </a:outerShdw>
+                </a:effectLst>
+              </a14:hiddenEffects>
+            </a:ext>
+          </a:extLst>
+        </p:spPr>
+      </p:pic>
+      <p:pic>
+        <p:nvPicPr>
+          <p:cNvPr id="5123" name="Picture 3"/>
+          <p:cNvPicPr>
+            <a:picLocks noChangeAspect="1" noChangeArrowheads="1"/>
+          </p:cNvPicPr>
+          <p:nvPr/>
+        </p:nvPicPr>
+        <p:blipFill>
+          <a:blip r:embed="rId4">
+            <a:extLst>
+              <a:ext uri="{28A0092B-C50C-407E-A947-70E740481C1C}">
+                <a14:useLocalDpi xmlns:a14="http://schemas.microsoft.com/office/drawing/2010/main" val="0"/>
+              </a:ext>
+            </a:extLst>
+          </a:blip>
+          <a:srcRect/>
+          <a:stretch>
+            <a:fillRect/>
+          </a:stretch>
+        </p:blipFill>
+        <p:spPr bwMode="auto">
+          <a:xfrm>
+            <a:off x="3851920" y="2076978"/>
+            <a:ext cx="1787673" cy="3454781"/>
+          </a:xfrm>
+          <a:prstGeom prst="rect">
+            <a:avLst/>
+          </a:prstGeom>
+          <a:noFill/>
+          <a:ln>
+            <a:noFill/>
+          </a:ln>
+          <a:effectLst/>
+          <a:extLst>
+            <a:ext uri="{909E8E84-426E-40DD-AFC4-6F175D3DCCD1}">
+              <a14:hiddenFill xmlns:a14="http://schemas.microsoft.com/office/drawing/2010/main">
+                <a:solidFill>
+                  <a:schemeClr val="accent1"/>
+                </a:solidFill>
+              </a14:hiddenFill>
+            </a:ext>
+            <a:ext uri="{91240B29-F687-4F45-9708-019B960494DF}">
+              <a14:hiddenLine xmlns:a14="http://schemas.microsoft.com/office/drawing/2010/main" w="9525">
+                <a:solidFill>
+                  <a:schemeClr val="tx1"/>
+                </a:solidFill>
+                <a:miter lim="800000"/>
+                <a:headEnd/>
+                <a:tailEnd/>
+              </a14:hiddenLine>
+            </a:ext>
+            <a:ext uri="{AF507438-7753-43E0-B8FC-AC1667EBCBE1}">
+              <a14:hiddenEffects xmlns:a14="http://schemas.microsoft.com/office/drawing/2010/main">
+                <a:effectLst>
+                  <a:outerShdw dist="35921" dir="2700000" algn="ctr" rotWithShape="0">
+                    <a:schemeClr val="bg2"/>
+                  </a:outerShdw>
+                </a:effectLst>
+              </a14:hiddenEffects>
+            </a:ext>
+          </a:extLst>
+        </p:spPr>
+      </p:pic>
+      <p:pic>
+        <p:nvPicPr>
+          <p:cNvPr id="5124" name="Picture 4"/>
+          <p:cNvPicPr>
+            <a:picLocks noChangeAspect="1" noChangeArrowheads="1"/>
+          </p:cNvPicPr>
+          <p:nvPr/>
+        </p:nvPicPr>
+        <p:blipFill>
+          <a:blip r:embed="rId5" cstate="print">
+            <a:extLst>
+              <a:ext uri="{28A0092B-C50C-407E-A947-70E740481C1C}">
+                <a14:useLocalDpi xmlns:a14="http://schemas.microsoft.com/office/drawing/2010/main" val="0"/>
+              </a:ext>
+            </a:extLst>
+          </a:blip>
+          <a:srcRect/>
+          <a:stretch>
+            <a:fillRect/>
+          </a:stretch>
+        </p:blipFill>
+        <p:spPr bwMode="auto">
+          <a:xfrm>
+            <a:off x="6753694" y="2076979"/>
+            <a:ext cx="1795657" cy="3454779"/>
+          </a:xfrm>
+          <a:prstGeom prst="rect">
+            <a:avLst/>
+          </a:prstGeom>
+          <a:noFill/>
+          <a:ln>
+            <a:noFill/>
+          </a:ln>
+          <a:effectLst/>
+          <a:extLst>
+            <a:ext uri="{909E8E84-426E-40DD-AFC4-6F175D3DCCD1}">
+              <a14:hiddenFill xmlns:a14="http://schemas.microsoft.com/office/drawing/2010/main">
+                <a:solidFill>
+                  <a:schemeClr val="accent1"/>
+                </a:solidFill>
+              </a14:hiddenFill>
+            </a:ext>
+            <a:ext uri="{91240B29-F687-4F45-9708-019B960494DF}">
+              <a14:hiddenLine xmlns:a14="http://schemas.microsoft.com/office/drawing/2010/main" w="9525">
+                <a:solidFill>
+                  <a:schemeClr val="tx1"/>
+                </a:solidFill>
+                <a:miter lim="800000"/>
+                <a:headEnd/>
+                <a:tailEnd/>
+              </a14:hiddenLine>
+            </a:ext>
+            <a:ext uri="{AF507438-7753-43E0-B8FC-AC1667EBCBE1}">
+              <a14:hiddenEffects xmlns:a14="http://schemas.microsoft.com/office/drawing/2010/main">
+                <a:effectLst>
+                  <a:outerShdw dist="35921" dir="2700000" algn="ctr" rotWithShape="0">
+                    <a:schemeClr val="bg2"/>
+                  </a:outerShdw>
+                </a:effectLst>
+              </a14:hiddenEffects>
+            </a:ext>
+          </a:extLst>
         </p:spPr>
       </p:pic>
     </p:spTree>
     <p:extLst>
       <p:ext uri="{BB962C8B-B14F-4D97-AF65-F5344CB8AC3E}">
-        <p14:creationId xmlns:p14="http://schemas.microsoft.com/office/powerpoint/2010/main" val="2269971977"/>
+        <p14:creationId xmlns:p14="http://schemas.microsoft.com/office/powerpoint/2010/main" val="2783394328"/>
       </p:ext>
     </p:extLst>
   </p:cSld>
@@ -14634,7 +15429,7 @@
         <p:spPr bwMode="auto">
           <a:xfrm>
             <a:off x="1403338" y="1537874"/>
-            <a:ext cx="3024646" cy="584775"/>
+            <a:ext cx="4104766" cy="584775"/>
           </a:xfrm>
           <a:prstGeom prst="rect">
             <a:avLst/>
@@ -14691,7 +15486,40 @@
               </a:rPr>
               <a:t>图</a:t>
             </a:r>
-            <a:endParaRPr lang="en-US" sz="3200" b="1" dirty="0">
+            <a:r>
+              <a:rPr lang="zh-CN" altLang="en-US" sz="1400" b="1" dirty="0" smtClean="0">
+                <a:solidFill>
+                  <a:srgbClr val="3A3838"/>
+                </a:solidFill>
+                <a:latin typeface="微软雅黑 Light" pitchFamily="34" charset="-122"/>
+                <a:ea typeface="微软雅黑 Light" pitchFamily="34" charset="-122"/>
+                <a:sym typeface="方正仿宋简体" charset="-122"/>
+              </a:rPr>
+              <a:t>（详见 详细的实现计划</a:t>
+            </a:r>
+            <a:r>
+              <a:rPr lang="en-US" altLang="zh-CN" sz="1400" b="1" dirty="0" smtClean="0">
+                <a:solidFill>
+                  <a:srgbClr val="3A3838"/>
+                </a:solidFill>
+                <a:latin typeface="微软雅黑 Light" pitchFamily="34" charset="-122"/>
+                <a:ea typeface="微软雅黑 Light" pitchFamily="34" charset="-122"/>
+                <a:sym typeface="方正仿宋简体" charset="-122"/>
+              </a:rPr>
+              <a:t>.doc</a:t>
+            </a:r>
+            <a:r>
+              <a:rPr lang="zh-CN" altLang="en-US" sz="1400" b="1" dirty="0" smtClean="0">
+                <a:solidFill>
+                  <a:srgbClr val="3A3838"/>
+                </a:solidFill>
+                <a:latin typeface="微软雅黑 Light" pitchFamily="34" charset="-122"/>
+                <a:ea typeface="微软雅黑 Light" pitchFamily="34" charset="-122"/>
+                <a:sym typeface="方正仿宋简体" charset="-122"/>
+              </a:rPr>
+              <a:t>）</a:t>
+            </a:r>
+            <a:endParaRPr lang="en-US" sz="1400" b="1" dirty="0">
               <a:solidFill>
                 <a:srgbClr val="3A3838"/>
               </a:solidFill>
@@ -14704,7 +15532,7 @@
       </p:sp>
       <p:pic>
         <p:nvPicPr>
-          <p:cNvPr id="6" name="图片 5"/>
+          <p:cNvPr id="5" name="图片 4"/>
           <p:cNvPicPr/>
           <p:nvPr/>
         </p:nvPicPr>
@@ -14716,8 +15544,8 @@
         </p:blipFill>
         <p:spPr>
           <a:xfrm>
-            <a:off x="3203848" y="1537874"/>
-            <a:ext cx="4716199" cy="3945118"/>
+            <a:off x="1547664" y="2076979"/>
+            <a:ext cx="4502930" cy="3444817"/>
           </a:xfrm>
           <a:prstGeom prst="rect">
             <a:avLst/>
@@ -14727,7 +15555,7 @@
     </p:spTree>
     <p:extLst>
       <p:ext uri="{BB962C8B-B14F-4D97-AF65-F5344CB8AC3E}">
-        <p14:creationId xmlns:p14="http://schemas.microsoft.com/office/powerpoint/2010/main" val="1398337265"/>
+        <p14:creationId xmlns:p14="http://schemas.microsoft.com/office/powerpoint/2010/main" val="2269971977"/>
       </p:ext>
     </p:extLst>
   </p:cSld>

--- a/SE2018春-G07/详细设计/SE2018春-G07-总体与详细设计.pptx
+++ b/SE2018春-G07/详细设计/SE2018春-G07-总体与详细设计.pptx
@@ -6675,14 +6675,7 @@
                 <a:latin typeface="微软雅黑 Light" pitchFamily="34" charset="-122"/>
                 <a:ea typeface="微软雅黑 Light" pitchFamily="34" charset="-122"/>
               </a:rPr>
-              <a:t>功能</a:t>
-            </a:r>
-            <a:r>
-              <a:rPr lang="zh-CN" altLang="en-US" sz="2400" dirty="0" smtClean="0">
-                <a:latin typeface="微软雅黑 Light" pitchFamily="34" charset="-122"/>
-                <a:ea typeface="微软雅黑 Light" pitchFamily="34" charset="-122"/>
-              </a:rPr>
-              <a:t>：</a:t>
+              <a:t>功能：</a:t>
             </a:r>
             <a:endParaRPr lang="en-US" altLang="zh-CN" sz="2400" dirty="0" smtClean="0">
               <a:latin typeface="微软雅黑 Light" pitchFamily="34" charset="-122"/>
@@ -7328,7 +7321,6 @@
               <a:rPr lang="en-US" altLang="zh-CN" sz="1000" dirty="0"/>
               <a:t>end</a:t>
             </a:r>
-            <a:endParaRPr lang="en-US" altLang="zh-CN" sz="1000" dirty="0"/>
           </a:p>
         </p:txBody>
       </p:sp>
@@ -7593,14 +7585,7 @@
                 <a:latin typeface="微软雅黑 Light" pitchFamily="34" charset="-122"/>
                 <a:ea typeface="微软雅黑 Light" pitchFamily="34" charset="-122"/>
               </a:rPr>
-              <a:t>功能</a:t>
-            </a:r>
-            <a:r>
-              <a:rPr lang="zh-CN" altLang="en-US" sz="2400" dirty="0" smtClean="0">
-                <a:latin typeface="微软雅黑 Light" pitchFamily="34" charset="-122"/>
-                <a:ea typeface="微软雅黑 Light" pitchFamily="34" charset="-122"/>
-              </a:rPr>
-              <a:t>：</a:t>
+              <a:t>功能：</a:t>
             </a:r>
             <a:endParaRPr lang="en-US" altLang="zh-CN" sz="2400" dirty="0" smtClean="0">
               <a:latin typeface="微软雅黑 Light" pitchFamily="34" charset="-122"/>
@@ -10050,13 +10035,7 @@
               <a:rPr lang="zh-CN" altLang="en-US" sz="2000" b="1" dirty="0" smtClean="0">
                 <a:ea typeface="微软雅黑" pitchFamily="34" charset="-122"/>
               </a:rPr>
-              <a:t>、</a:t>
-            </a:r>
-            <a:r>
-              <a:rPr lang="zh-CN" altLang="en-US" sz="2000" b="1" dirty="0" smtClean="0">
-                <a:ea typeface="微软雅黑" pitchFamily="34" charset="-122"/>
-              </a:rPr>
-              <a:t>模块具体流程</a:t>
+              <a:t>、模块具体流程</a:t>
             </a:r>
             <a:endParaRPr lang="zh-CN" altLang="en-US" sz="2000" b="1" dirty="0">
               <a:ea typeface="微软雅黑" pitchFamily="34" charset="-122"/>
@@ -10236,13 +10215,7 @@
               <a:rPr lang="zh-CN" altLang="en-US" sz="2000" b="1" dirty="0" smtClean="0">
                 <a:ea typeface="微软雅黑" pitchFamily="34" charset="-122"/>
               </a:rPr>
-              <a:t>、</a:t>
-            </a:r>
-            <a:r>
-              <a:rPr lang="zh-CN" altLang="en-US" sz="2000" b="1" dirty="0" smtClean="0">
-                <a:ea typeface="微软雅黑" pitchFamily="34" charset="-122"/>
-              </a:rPr>
-              <a:t>数据库设计</a:t>
+              <a:t>、数据库设计</a:t>
             </a:r>
             <a:endParaRPr lang="zh-CN" altLang="en-US" sz="2000" b="1" dirty="0">
               <a:ea typeface="微软雅黑" pitchFamily="34" charset="-122"/>
@@ -10882,14 +10855,7 @@
                 <a:latin typeface="微软雅黑 Light" pitchFamily="34" charset="-122"/>
                 <a:ea typeface="微软雅黑 Light" pitchFamily="34" charset="-122"/>
               </a:rPr>
-              <a:t>功能</a:t>
-            </a:r>
-            <a:r>
-              <a:rPr lang="zh-CN" altLang="en-US" sz="2400" dirty="0" smtClean="0">
-                <a:latin typeface="微软雅黑 Light" pitchFamily="34" charset="-122"/>
-                <a:ea typeface="微软雅黑 Light" pitchFamily="34" charset="-122"/>
-              </a:rPr>
-              <a:t>：</a:t>
+              <a:t>功能：</a:t>
             </a:r>
             <a:endParaRPr lang="en-US" altLang="zh-CN" sz="2400" dirty="0" smtClean="0">
               <a:latin typeface="微软雅黑 Light" pitchFamily="34" charset="-122"/>
@@ -11003,10 +10969,6 @@
               </a:rPr>
               <a:t>.doc</a:t>
             </a:r>
-            <a:endParaRPr lang="en-US" altLang="zh-CN" sz="2200" u="sng" dirty="0" smtClean="0">
-              <a:latin typeface="微软雅黑 Light" pitchFamily="34" charset="-122"/>
-              <a:ea typeface="微软雅黑 Light" pitchFamily="34" charset="-122"/>
-            </a:endParaRPr>
           </a:p>
         </p:txBody>
       </p:sp>
@@ -11238,14 +11200,14 @@
                 <a:gridCol w="2912013">
                   <a:extLst>
                     <a:ext uri="{9D8B030D-6E8A-4147-A177-3AD203B41FA5}">
-                      <a16:colId xmlns:a16="http://schemas.microsoft.com/office/drawing/2014/main" xmlns="" val="20000"/>
+                      <a16:colId xmlns="" xmlns:a16="http://schemas.microsoft.com/office/drawing/2014/main" val="20000"/>
                     </a:ext>
                   </a:extLst>
                 </a:gridCol>
                 <a:gridCol w="3756074">
                   <a:extLst>
                     <a:ext uri="{9D8B030D-6E8A-4147-A177-3AD203B41FA5}">
-                      <a16:colId xmlns:a16="http://schemas.microsoft.com/office/drawing/2014/main" xmlns="" val="20001"/>
+                      <a16:colId xmlns="" xmlns:a16="http://schemas.microsoft.com/office/drawing/2014/main" val="20001"/>
                     </a:ext>
                   </a:extLst>
                 </a:gridCol>
@@ -11316,7 +11278,7 @@
                 </a:tc>
                 <a:extLst>
                   <a:ext uri="{0D108BD9-81ED-4DB2-BD59-A6C34878D82A}">
-                    <a16:rowId xmlns:a16="http://schemas.microsoft.com/office/drawing/2014/main" xmlns="" val="10000"/>
+                    <a16:rowId xmlns="" xmlns:a16="http://schemas.microsoft.com/office/drawing/2014/main" val="10000"/>
                   </a:ext>
                 </a:extLst>
               </a:tr>
@@ -11423,7 +11385,7 @@
                 </a:tc>
                 <a:extLst>
                   <a:ext uri="{0D108BD9-81ED-4DB2-BD59-A6C34878D82A}">
-                    <a16:rowId xmlns:a16="http://schemas.microsoft.com/office/drawing/2014/main" xmlns="" val="10001"/>
+                    <a16:rowId xmlns="" xmlns:a16="http://schemas.microsoft.com/office/drawing/2014/main" val="10001"/>
                   </a:ext>
                 </a:extLst>
               </a:tr>
@@ -11530,7 +11492,7 @@
                 </a:tc>
                 <a:extLst>
                   <a:ext uri="{0D108BD9-81ED-4DB2-BD59-A6C34878D82A}">
-                    <a16:rowId xmlns:a16="http://schemas.microsoft.com/office/drawing/2014/main" xmlns="" val="10002"/>
+                    <a16:rowId xmlns="" xmlns:a16="http://schemas.microsoft.com/office/drawing/2014/main" val="10002"/>
                   </a:ext>
                 </a:extLst>
               </a:tr>
@@ -11625,7 +11587,7 @@
                 </a:tc>
                 <a:extLst>
                   <a:ext uri="{0D108BD9-81ED-4DB2-BD59-A6C34878D82A}">
-                    <a16:rowId xmlns:a16="http://schemas.microsoft.com/office/drawing/2014/main" xmlns="" val="10003"/>
+                    <a16:rowId xmlns="" xmlns:a16="http://schemas.microsoft.com/office/drawing/2014/main" val="10003"/>
                   </a:ext>
                 </a:extLst>
               </a:tr>
@@ -13673,18 +13635,7 @@
                 <a:ea typeface="微软雅黑 Light" pitchFamily="34" charset="-122"/>
                 <a:sym typeface="方正仿宋简体" charset="-122"/>
               </a:rPr>
-              <a:t>组员绩效</a:t>
-            </a:r>
-            <a:r>
-              <a:rPr lang="zh-CN" altLang="en-US" sz="2800" b="1" dirty="0" smtClean="0">
-                <a:solidFill>
-                  <a:srgbClr val="3A3838"/>
-                </a:solidFill>
-                <a:latin typeface="微软雅黑 Light" pitchFamily="34" charset="-122"/>
-                <a:ea typeface="微软雅黑 Light" pitchFamily="34" charset="-122"/>
-                <a:sym typeface="方正仿宋简体" charset="-122"/>
-              </a:rPr>
-              <a:t>评定</a:t>
+              <a:t>组员绩效评定</a:t>
             </a:r>
             <a:r>
               <a:rPr lang="zh-CN" altLang="en-US" sz="1400" b="1" dirty="0" smtClean="0">
@@ -14266,7 +14217,7 @@
       </p:sp>
       <p:pic>
         <p:nvPicPr>
-          <p:cNvPr id="2051" name="Picture 3"/>
+          <p:cNvPr id="1026" name="Picture 2"/>
           <p:cNvPicPr>
             <a:picLocks noChangeAspect="1" noChangeArrowheads="1"/>
           </p:cNvPicPr>
@@ -14280,13 +14231,13 @@
               </a:ext>
             </a:extLst>
           </a:blip>
-          <a:srcRect r="16757"/>
+          <a:srcRect r="16813"/>
           <a:stretch/>
         </p:blipFill>
         <p:spPr bwMode="auto">
           <a:xfrm>
-            <a:off x="1248071" y="2076979"/>
-            <a:ext cx="6652621" cy="3592056"/>
+            <a:off x="1403338" y="2076979"/>
+            <a:ext cx="6351099" cy="3546564"/>
           </a:xfrm>
           <a:prstGeom prst="rect">
             <a:avLst/>
@@ -15954,7 +15905,7 @@
   </a:extraClrSchemeLst>
   <a:extLst>
     <a:ext uri="{05A4C25C-085E-4340-85A3-A5531E510DB2}">
-      <thm15:themeFamily xmlns:thm15="http://schemas.microsoft.com/office/thememl/2012/main" xmlns="" name="Office Theme" id="{62F939B6-93AF-4DB8-9C6B-D6C7DFDC589F}" vid="{4A3C46E8-61CC-4603-A589-7422A47A8E4A}"/>
+      <thm15:themeFamily xmlns="" xmlns:thm15="http://schemas.microsoft.com/office/thememl/2012/main" name="Office Theme" id="{62F939B6-93AF-4DB8-9C6B-D6C7DFDC589F}" vid="{4A3C46E8-61CC-4603-A589-7422A47A8E4A}"/>
     </a:ext>
   </a:extLst>
 </a:theme>
